--- a/Présentation/Présentation CW.pptx
+++ b/Présentation/Présentation CW.pptx
@@ -12,7 +12,15 @@
     <p:sldId id="261" r:id="rId6"/>
     <p:sldId id="262" r:id="rId7"/>
     <p:sldId id="263" r:id="rId8"/>
-    <p:sldId id="265" r:id="rId9"/>
+    <p:sldId id="266" r:id="rId9"/>
+    <p:sldId id="268" r:id="rId10"/>
+    <p:sldId id="265" r:id="rId11"/>
+    <p:sldId id="270" r:id="rId12"/>
+    <p:sldId id="267" r:id="rId13"/>
+    <p:sldId id="269" r:id="rId14"/>
+    <p:sldId id="271" r:id="rId15"/>
+    <p:sldId id="273" r:id="rId16"/>
+    <p:sldId id="272" r:id="rId17"/>
   </p:sldIdLst>
   <p:sldSz cx="9144000" cy="6858000" type="screen4x3"/>
   <p:notesSz cx="6858000" cy="9144000"/>
@@ -185,7 +193,7 @@
           <a:p>
             <a:fld id="{E0B36B4E-66FE-BF49-A888-E523E4E2C881}" type="datetimeFigureOut">
               <a:rPr lang="fr-FR" smtClean="0"/>
-              <a:t>22/11/18</a:t>
+              <a:t>23/11/18</a:t>
             </a:fld>
             <a:endParaRPr lang="fr-FR"/>
           </a:p>
@@ -710,7 +718,7 @@
           <a:p>
             <a:fld id="{E0B36B4E-66FE-BF49-A888-E523E4E2C881}" type="datetimeFigureOut">
               <a:rPr lang="fr-FR" smtClean="0"/>
-              <a:t>22/11/18</a:t>
+              <a:t>23/11/18</a:t>
             </a:fld>
             <a:endParaRPr lang="fr-FR"/>
           </a:p>
@@ -1024,7 +1032,7 @@
           <a:p>
             <a:fld id="{E0B36B4E-66FE-BF49-A888-E523E4E2C881}" type="datetimeFigureOut">
               <a:rPr lang="fr-FR" smtClean="0"/>
-              <a:t>22/11/18</a:t>
+              <a:t>23/11/18</a:t>
             </a:fld>
             <a:endParaRPr lang="fr-FR"/>
           </a:p>
@@ -1310,7 +1318,7 @@
           <a:p>
             <a:fld id="{E0B36B4E-66FE-BF49-A888-E523E4E2C881}" type="datetimeFigureOut">
               <a:rPr lang="fr-FR" smtClean="0"/>
-              <a:t>22/11/18</a:t>
+              <a:t>23/11/18</a:t>
             </a:fld>
             <a:endParaRPr lang="fr-FR"/>
           </a:p>
@@ -1885,7 +1893,7 @@
           <a:p>
             <a:fld id="{E0B36B4E-66FE-BF49-A888-E523E4E2C881}" type="datetimeFigureOut">
               <a:rPr lang="fr-FR" smtClean="0"/>
-              <a:t>22/11/18</a:t>
+              <a:t>23/11/18</a:t>
             </a:fld>
             <a:endParaRPr lang="fr-FR"/>
           </a:p>
@@ -1975,7 +1983,7 @@
           <a:p>
             <a:fld id="{E0B36B4E-66FE-BF49-A888-E523E4E2C881}" type="datetimeFigureOut">
               <a:rPr lang="fr-FR" smtClean="0"/>
-              <a:t>22/11/18</a:t>
+              <a:t>23/11/18</a:t>
             </a:fld>
             <a:endParaRPr lang="fr-FR"/>
           </a:p>
@@ -2684,7 +2692,7 @@
           <a:p>
             <a:fld id="{E0B36B4E-66FE-BF49-A888-E523E4E2C881}" type="datetimeFigureOut">
               <a:rPr lang="fr-FR" smtClean="0"/>
-              <a:t>22/11/18</a:t>
+              <a:t>23/11/18</a:t>
             </a:fld>
             <a:endParaRPr lang="fr-FR"/>
           </a:p>
@@ -2936,7 +2944,7 @@
           <a:p>
             <a:fld id="{E0B36B4E-66FE-BF49-A888-E523E4E2C881}" type="datetimeFigureOut">
               <a:rPr lang="fr-FR" smtClean="0"/>
-              <a:t>22/11/18</a:t>
+              <a:t>23/11/18</a:t>
             </a:fld>
             <a:endParaRPr lang="fr-FR"/>
           </a:p>
@@ -3165,7 +3173,7 @@
           <a:p>
             <a:fld id="{E0B36B4E-66FE-BF49-A888-E523E4E2C881}" type="datetimeFigureOut">
               <a:rPr lang="fr-FR" smtClean="0"/>
-              <a:t>22/11/18</a:t>
+              <a:t>23/11/18</a:t>
             </a:fld>
             <a:endParaRPr lang="fr-FR"/>
           </a:p>
@@ -3439,7 +3447,7 @@
           <a:p>
             <a:fld id="{E0B36B4E-66FE-BF49-A888-E523E4E2C881}" type="datetimeFigureOut">
               <a:rPr lang="fr-FR" smtClean="0"/>
-              <a:t>22/11/18</a:t>
+              <a:t>23/11/18</a:t>
             </a:fld>
             <a:endParaRPr lang="fr-FR"/>
           </a:p>
@@ -3634,7 +3642,7 @@
           </a:lstStyle>
           <a:p>
             <a:r>
-              <a:rPr lang="fr-FR" smtClean="0"/>
+              <a:rPr lang="fr-FR" dirty="0" smtClean="0"/>
               <a:t>Faire glisser l'image vers l'espace réservé ou cliquer sur l'icône pour l'ajouter</a:t>
             </a:r>
             <a:endParaRPr lang="en-US" dirty="0"/>
@@ -3725,7 +3733,7 @@
           <a:p>
             <a:fld id="{E0B36B4E-66FE-BF49-A888-E523E4E2C881}" type="datetimeFigureOut">
               <a:rPr lang="fr-FR" smtClean="0"/>
-              <a:t>22/11/18</a:t>
+              <a:t>23/11/18</a:t>
             </a:fld>
             <a:endParaRPr lang="fr-FR"/>
           </a:p>
@@ -3993,7 +4001,7 @@
           <a:p>
             <a:fld id="{E0B36B4E-66FE-BF49-A888-E523E4E2C881}" type="datetimeFigureOut">
               <a:rPr lang="fr-FR" smtClean="0"/>
-              <a:t>22/11/18</a:t>
+              <a:t>23/11/18</a:t>
             </a:fld>
             <a:endParaRPr lang="fr-FR"/>
           </a:p>
@@ -4469,8 +4477,8 @@
         </p:nvSpPr>
         <p:spPr>
           <a:xfrm>
-            <a:off x="685800" y="589804"/>
-            <a:ext cx="8013700" cy="1831975"/>
+            <a:off x="685800" y="818866"/>
+            <a:ext cx="7969462" cy="1602913"/>
           </a:xfrm>
         </p:spPr>
         <p:txBody>
@@ -4690,36 +4698,44 @@
           </a:p>
         </p:txBody>
       </p:sp>
-      <p:sp>
-        <p:nvSpPr>
-          <p:cNvPr id="6" name="ZoneTexte 5"/>
-          <p:cNvSpPr txBox="1"/>
+      <p:pic>
+        <p:nvPicPr>
+          <p:cNvPr id="3" name="Image 2"/>
+          <p:cNvPicPr>
+            <a:picLocks noChangeAspect="1"/>
+          </p:cNvPicPr>
           <p:nvPr/>
-        </p:nvSpPr>
+        </p:nvPicPr>
+        <p:blipFill>
+          <a:blip r:embed="rId2"/>
+          <a:stretch>
+            <a:fillRect/>
+          </a:stretch>
+        </p:blipFill>
         <p:spPr>
           <a:xfrm>
-            <a:off x="3695700" y="4470400"/>
-            <a:ext cx="1803400" cy="369332"/>
+            <a:off x="4331814" y="3776809"/>
+            <a:ext cx="3972559" cy="2633901"/>
           </a:xfrm>
           <a:prstGeom prst="rect">
             <a:avLst/>
           </a:prstGeom>
-          <a:noFill/>
+          <a:ln w="38100" cap="sq">
+            <a:solidFill>
+              <a:schemeClr val="bg2"/>
+            </a:solidFill>
+            <a:prstDash val="solid"/>
+            <a:miter lim="800000"/>
+          </a:ln>
+          <a:effectLst>
+            <a:outerShdw blurRad="50800" dist="38100" dir="2700000" algn="tl" rotWithShape="0">
+              <a:srgbClr val="000000">
+                <a:alpha val="43000"/>
+              </a:srgbClr>
+            </a:outerShdw>
+          </a:effectLst>
         </p:spPr>
-        <p:txBody>
-          <a:bodyPr wrap="square" rtlCol="0">
-            <a:spAutoFit/>
-          </a:bodyPr>
-          <a:lstStyle/>
-          <a:p>
-            <a:r>
-              <a:rPr lang="fr-FR" dirty="0" smtClean="0"/>
-              <a:t>[insérer images]</a:t>
-            </a:r>
-            <a:endParaRPr lang="fr-FR" dirty="0"/>
-          </a:p>
-        </p:txBody>
-      </p:sp>
+      </p:pic>
     </p:spTree>
     <p:extLst>
       <p:ext uri="{BB962C8B-B14F-4D97-AF65-F5344CB8AC3E}">
@@ -4730,11 +4746,11 @@
   <p:clrMapOvr>
     <a:masterClrMapping/>
   </p:clrMapOvr>
-  <mc:AlternateContent xmlns:mc="http://schemas.openxmlformats.org/markup-compatibility/2006">
-    <mc:Choice xmlns:p14="http://schemas.microsoft.com/office/powerpoint/2010/main" Requires="p14">
+  <mc:AlternateContent xmlns:mc="http://schemas.openxmlformats.org/markup-compatibility/2006" xmlns:p14="http://schemas.microsoft.com/office/powerpoint/2010/main">
+    <mc:Choice Requires="p14">
       <p:transition spd="slow" p14:dur="2000"/>
     </mc:Choice>
-    <mc:Fallback>
+    <mc:Fallback xmlns="">
       <p:transition xmlns:p14="http://schemas.microsoft.com/office/powerpoint/2010/main" spd="slow"/>
     </mc:Fallback>
   </mc:AlternateContent>
@@ -4748,7 +4764,7 @@
 </p:sld>
 </file>
 
-<file path=ppt/slides/slide2.xml><?xml version="1.0" encoding="utf-8"?>
+<file path=ppt/slides/slide10.xml><?xml version="1.0" encoding="utf-8"?>
 <p:sld xmlns:a="http://schemas.openxmlformats.org/drawingml/2006/main" xmlns:r="http://schemas.openxmlformats.org/officeDocument/2006/relationships" xmlns:p="http://schemas.openxmlformats.org/presentationml/2006/main">
   <p:cSld>
     <p:spTree>
@@ -4777,184 +4793,8 @@
         </p:nvSpPr>
         <p:spPr>
           <a:xfrm>
-            <a:off x="699247" y="2450353"/>
-            <a:ext cx="7745505" cy="3675809"/>
-          </a:xfrm>
-        </p:spPr>
-        <p:txBody>
-          <a:bodyPr/>
-          <a:lstStyle/>
-          <a:p>
-            <a:pPr marL="571500" indent="-571500">
-              <a:buAutoNum type="romanUcPeriod"/>
-            </a:pPr>
-            <a:r>
-              <a:rPr lang="fr-FR" dirty="0" smtClean="0">
-                <a:latin typeface="Times New Roman"/>
-                <a:cs typeface="Times New Roman"/>
-              </a:rPr>
-              <a:t>Description du projet et objectifs</a:t>
-            </a:r>
-          </a:p>
-          <a:p>
-            <a:pPr marL="571500" indent="-571500">
-              <a:buAutoNum type="romanUcPeriod"/>
-            </a:pPr>
-            <a:endParaRPr lang="fr-FR" dirty="0" smtClean="0">
-              <a:latin typeface="Times New Roman"/>
-              <a:cs typeface="Times New Roman"/>
-            </a:endParaRPr>
-          </a:p>
-          <a:p>
-            <a:pPr marL="571500" indent="-571500">
-              <a:buAutoNum type="romanUcPeriod"/>
-            </a:pPr>
-            <a:r>
-              <a:rPr lang="fr-FR" dirty="0" smtClean="0">
-                <a:latin typeface="Times New Roman"/>
-                <a:cs typeface="Times New Roman"/>
-              </a:rPr>
-              <a:t>Réalisation des </a:t>
-            </a:r>
-            <a:r>
-              <a:rPr lang="fr-FR" dirty="0" err="1" smtClean="0">
-                <a:latin typeface="Times New Roman"/>
-                <a:cs typeface="Times New Roman"/>
-              </a:rPr>
-              <a:t>MVP’s</a:t>
-            </a:r>
-            <a:endParaRPr lang="fr-FR" dirty="0" smtClean="0">
-              <a:latin typeface="Times New Roman"/>
-              <a:cs typeface="Times New Roman"/>
-            </a:endParaRPr>
-          </a:p>
-          <a:p>
-            <a:pPr marL="571500" indent="-571500">
-              <a:buAutoNum type="romanUcPeriod"/>
-            </a:pPr>
-            <a:endParaRPr lang="fr-FR" dirty="0">
-              <a:latin typeface="Times New Roman"/>
-              <a:cs typeface="Times New Roman"/>
-            </a:endParaRPr>
-          </a:p>
-          <a:p>
-            <a:pPr marL="571500" indent="-571500">
-              <a:buAutoNum type="romanUcPeriod"/>
-            </a:pPr>
-            <a:r>
-              <a:rPr lang="fr-FR" dirty="0">
-                <a:latin typeface="Times New Roman"/>
-                <a:cs typeface="Times New Roman"/>
-              </a:rPr>
-              <a:t> </a:t>
-            </a:r>
-            <a:r>
-              <a:rPr lang="fr-FR" dirty="0" smtClean="0">
-                <a:latin typeface="Times New Roman"/>
-                <a:cs typeface="Times New Roman"/>
-              </a:rPr>
-              <a:t>Conclusion </a:t>
-            </a:r>
-          </a:p>
-          <a:p>
-            <a:pPr marL="0" indent="0">
-              <a:buNone/>
-            </a:pPr>
-            <a:endParaRPr lang="fr-FR" dirty="0">
-              <a:latin typeface="Times New Roman"/>
-              <a:cs typeface="Times New Roman"/>
-            </a:endParaRPr>
-          </a:p>
-        </p:txBody>
-      </p:sp>
-      <p:sp>
-        <p:nvSpPr>
-          <p:cNvPr id="2" name="Titre 1"/>
-          <p:cNvSpPr>
-            <a:spLocks noGrp="1"/>
-          </p:cNvSpPr>
-          <p:nvPr>
-            <p:ph type="title"/>
-          </p:nvPr>
-        </p:nvSpPr>
-        <p:spPr/>
-        <p:txBody>
-          <a:bodyPr/>
-          <a:lstStyle/>
-          <a:p>
-            <a:r>
-              <a:rPr lang="fr-FR" dirty="0" smtClean="0">
-                <a:latin typeface="Times New Roman"/>
-                <a:cs typeface="Times New Roman"/>
-              </a:rPr>
-              <a:t>Sommaire</a:t>
-            </a:r>
-            <a:endParaRPr lang="fr-FR" dirty="0">
-              <a:latin typeface="Times New Roman"/>
-              <a:cs typeface="Times New Roman"/>
-            </a:endParaRPr>
-          </a:p>
-        </p:txBody>
-      </p:sp>
-    </p:spTree>
-    <p:extLst>
-      <p:ext uri="{BB962C8B-B14F-4D97-AF65-F5344CB8AC3E}">
-        <p14:creationId xmlns:p14="http://schemas.microsoft.com/office/powerpoint/2010/main" val="1866879829"/>
-      </p:ext>
-    </p:extLst>
-  </p:cSld>
-  <p:clrMapOvr>
-    <a:masterClrMapping/>
-  </p:clrMapOvr>
-  <mc:AlternateContent xmlns:mc="http://schemas.openxmlformats.org/markup-compatibility/2006">
-    <mc:Choice xmlns:p14="http://schemas.microsoft.com/office/powerpoint/2010/main" Requires="p14">
-      <p:transition spd="slow" p14:dur="2000"/>
-    </mc:Choice>
-    <mc:Fallback>
-      <p:transition xmlns:p14="http://schemas.microsoft.com/office/powerpoint/2010/main" spd="slow"/>
-    </mc:Fallback>
-  </mc:AlternateContent>
-  <p:timing>
-    <p:tnLst>
-      <p:par>
-        <p:cTn xmlns:p14="http://schemas.microsoft.com/office/powerpoint/2010/main" id="1" dur="indefinite" restart="never" nodeType="tmRoot"/>
-      </p:par>
-    </p:tnLst>
-  </p:timing>
-</p:sld>
-</file>
-
-<file path=ppt/slides/slide3.xml><?xml version="1.0" encoding="utf-8"?>
-<p:sld xmlns:a="http://schemas.openxmlformats.org/drawingml/2006/main" xmlns:r="http://schemas.openxmlformats.org/officeDocument/2006/relationships" xmlns:p="http://schemas.openxmlformats.org/presentationml/2006/main">
-  <p:cSld>
-    <p:spTree>
-      <p:nvGrpSpPr>
-        <p:cNvPr id="1" name=""/>
-        <p:cNvGrpSpPr/>
-        <p:nvPr/>
-      </p:nvGrpSpPr>
-      <p:grpSpPr>
-        <a:xfrm>
-          <a:off x="0" y="0"/>
-          <a:ext cx="0" cy="0"/>
-          <a:chOff x="0" y="0"/>
-          <a:chExt cx="0" cy="0"/>
-        </a:xfrm>
-      </p:grpSpPr>
-      <p:sp>
-        <p:nvSpPr>
-          <p:cNvPr id="3" name="Espace réservé du contenu 2"/>
-          <p:cNvSpPr>
-            <a:spLocks noGrp="1"/>
-          </p:cNvSpPr>
-          <p:nvPr>
-            <p:ph idx="1"/>
-          </p:nvPr>
-        </p:nvSpPr>
-        <p:spPr>
-          <a:xfrm>
-            <a:off x="0" y="1135529"/>
-            <a:ext cx="4609352" cy="5768042"/>
+            <a:off x="0" y="1506826"/>
+            <a:ext cx="4609352" cy="5132427"/>
           </a:xfrm>
           <a:noFill/>
           <a:ln>
@@ -4989,8 +4829,94 @@
                 <a:latin typeface="Times New Roman"/>
                 <a:cs typeface="Times New Roman"/>
               </a:rPr>
-              <a:t>Accorder une guitare dans les grandes lignes </a:t>
-            </a:r>
+              <a:t>Réalisation de la fonction accord__</a:t>
+            </a:r>
+            <a:r>
+              <a:rPr lang="fr-FR" sz="2400" dirty="0" err="1" smtClean="0">
+                <a:latin typeface="Times New Roman"/>
+                <a:cs typeface="Times New Roman"/>
+              </a:rPr>
+              <a:t>de_la_corde</a:t>
+            </a:r>
+            <a:r>
+              <a:rPr lang="fr-FR" sz="2400" dirty="0" smtClean="0">
+                <a:latin typeface="Times New Roman"/>
+                <a:cs typeface="Times New Roman"/>
+              </a:rPr>
+              <a:t> </a:t>
+            </a:r>
+            <a:endParaRPr lang="fr-FR" sz="2400" dirty="0" smtClean="0">
+              <a:latin typeface="Times New Roman"/>
+              <a:cs typeface="Times New Roman"/>
+            </a:endParaRPr>
+          </a:p>
+          <a:p>
+            <a:pPr marL="0" indent="0">
+              <a:buNone/>
+            </a:pPr>
+            <a:endParaRPr lang="fr-FR" dirty="0" smtClean="0">
+              <a:latin typeface="Times New Roman"/>
+              <a:cs typeface="Times New Roman"/>
+            </a:endParaRPr>
+          </a:p>
+          <a:p>
+            <a:r>
+              <a:rPr lang="fr-FR" dirty="0" smtClean="0">
+                <a:latin typeface="Times New Roman"/>
+                <a:cs typeface="Times New Roman"/>
+              </a:rPr>
+              <a:t>Découverte </a:t>
+            </a:r>
+            <a:r>
+              <a:rPr lang="fr-FR" sz="2400" dirty="0" smtClean="0">
+                <a:latin typeface="Times New Roman"/>
+                <a:cs typeface="Times New Roman"/>
+              </a:rPr>
+              <a:t>des bibliothèques </a:t>
+            </a:r>
+            <a:r>
+              <a:rPr lang="fr-FR" dirty="0" err="1" smtClean="0">
+                <a:latin typeface="Times New Roman"/>
+                <a:cs typeface="Times New Roman"/>
+              </a:rPr>
+              <a:t>aiy</a:t>
+            </a:r>
+            <a:r>
+              <a:rPr lang="fr-FR" dirty="0" smtClean="0">
+                <a:latin typeface="Times New Roman"/>
+                <a:cs typeface="Times New Roman"/>
+              </a:rPr>
+              <a:t>, time…</a:t>
+            </a:r>
+            <a:endParaRPr lang="fr-FR" dirty="0" smtClean="0">
+              <a:latin typeface="Times New Roman"/>
+              <a:cs typeface="Times New Roman"/>
+            </a:endParaRPr>
+          </a:p>
+          <a:p>
+            <a:endParaRPr lang="fr-FR" sz="2400" dirty="0">
+              <a:latin typeface="Times New Roman"/>
+              <a:cs typeface="Times New Roman"/>
+            </a:endParaRPr>
+          </a:p>
+          <a:p>
+            <a:endParaRPr lang="fr-FR" dirty="0" smtClean="0">
+              <a:latin typeface="Times New Roman"/>
+              <a:cs typeface="Times New Roman"/>
+            </a:endParaRPr>
+          </a:p>
+          <a:p>
+            <a:r>
+              <a:rPr lang="fr-FR" dirty="0" smtClean="0">
+                <a:latin typeface="Times New Roman"/>
+                <a:cs typeface="Times New Roman"/>
+              </a:rPr>
+              <a:t>Décomposition en sous fonctions simples</a:t>
+            </a:r>
+            <a:endParaRPr lang="fr-FR" sz="2400" dirty="0" smtClean="0">
+              <a:latin typeface="Times New Roman"/>
+              <a:cs typeface="Times New Roman"/>
+            </a:endParaRPr>
           </a:p>
           <a:p>
             <a:pPr marL="0" indent="0" algn="ctr">
@@ -5049,7 +4975,14 @@
                 <a:latin typeface="Times New Roman"/>
                 <a:cs typeface="Times New Roman"/>
               </a:rPr>
-              <a:t>I. Description du projet </a:t>
+              <a:t>II. Réalisation des </a:t>
+            </a:r>
+            <a:r>
+              <a:rPr lang="fr-FR" sz="4000" dirty="0" err="1" smtClean="0">
+                <a:latin typeface="Times New Roman"/>
+                <a:cs typeface="Times New Roman"/>
+              </a:rPr>
+              <a:t>MVP’s</a:t>
             </a:r>
             <a:endParaRPr lang="fr-FR" sz="4000" dirty="0">
               <a:latin typeface="Times New Roman"/>
@@ -5137,8 +5070,8 @@
         </p:nvSpPr>
         <p:spPr>
           <a:xfrm>
-            <a:off x="4609352" y="1501899"/>
-            <a:ext cx="4280648" cy="461665"/>
+            <a:off x="4762500" y="1506827"/>
+            <a:ext cx="4381500" cy="461665"/>
           </a:xfrm>
           <a:prstGeom prst="rect">
             <a:avLst/>
@@ -5157,26 +5090,97 @@
                 <a:latin typeface="Times New Roman"/>
                 <a:cs typeface="Times New Roman"/>
               </a:rPr>
-              <a:t>Retranscription envisagée </a:t>
-            </a:r>
+              <a:t>Retranscription effectuée </a:t>
+            </a:r>
+          </a:p>
+        </p:txBody>
+      </p:sp>
+      <p:pic>
+        <p:nvPicPr>
+          <p:cNvPr id="5" name="Image 4" descr="accord corde.tiff"/>
+          <p:cNvPicPr>
+            <a:picLocks noChangeAspect="1"/>
+          </p:cNvPicPr>
+          <p:nvPr/>
+        </p:nvPicPr>
+        <p:blipFill>
+          <a:blip r:embed="rId2">
+            <a:extLst>
+              <a:ext uri="{28A0092B-C50C-407E-A947-70E740481C1C}">
+                <a14:useLocalDpi xmlns:a14="http://schemas.microsoft.com/office/drawing/2010/main" val="0"/>
+              </a:ext>
+            </a:extLst>
+          </a:blip>
+          <a:stretch>
+            <a:fillRect/>
+          </a:stretch>
+        </p:blipFill>
+        <p:spPr>
+          <a:xfrm flipV="1">
+            <a:off x="4762501" y="2803511"/>
+            <a:ext cx="4126688" cy="1173958"/>
+          </a:xfrm>
+          <a:prstGeom prst="rect">
+            <a:avLst/>
+          </a:prstGeom>
+        </p:spPr>
+      </p:pic>
+      <p:sp>
+        <p:nvSpPr>
+          <p:cNvPr id="6" name="ZoneTexte 5"/>
+          <p:cNvSpPr txBox="1"/>
+          <p:nvPr/>
+        </p:nvSpPr>
+        <p:spPr>
+          <a:xfrm>
+            <a:off x="4609352" y="4071970"/>
+            <a:ext cx="4534648" cy="369332"/>
+          </a:xfrm>
+          <a:prstGeom prst="rect">
+            <a:avLst/>
+          </a:prstGeom>
+          <a:noFill/>
+        </p:spPr>
+        <p:txBody>
+          <a:bodyPr wrap="square" rtlCol="0">
+            <a:spAutoFit/>
+          </a:bodyPr>
+          <a:lstStyle/>
+          <a:p>
+            <a:pPr algn="ctr"/>
+            <a:r>
+              <a:rPr lang="fr-FR" i="1" dirty="0" err="1" smtClean="0"/>
+              <a:t>Cf</a:t>
+            </a:r>
+            <a:r>
+              <a:rPr lang="fr-FR" i="1" dirty="0" smtClean="0"/>
+              <a:t>  </a:t>
+            </a:r>
+            <a:r>
+              <a:rPr lang="fr-FR" i="1" dirty="0" smtClean="0">
+                <a:hlinkClick r:id="rId3" action="ppaction://hlinkfile"/>
+              </a:rPr>
+              <a:t>accordeur/Accorder_guitare3.py</a:t>
+            </a:r>
+            <a:endParaRPr lang="fr-FR" i="1" dirty="0"/>
           </a:p>
         </p:txBody>
       </p:sp>
     </p:spTree>
     <p:extLst>
       <p:ext uri="{BB962C8B-B14F-4D97-AF65-F5344CB8AC3E}">
-        <p14:creationId xmlns:p14="http://schemas.microsoft.com/office/powerpoint/2010/main" val="122521959"/>
+        <p14:creationId xmlns:p14="http://schemas.microsoft.com/office/powerpoint/2010/main" val="4078747186"/>
       </p:ext>
     </p:extLst>
   </p:cSld>
   <p:clrMapOvr>
     <a:masterClrMapping/>
   </p:clrMapOvr>
-  <mc:AlternateContent xmlns:mc="http://schemas.openxmlformats.org/markup-compatibility/2006">
-    <mc:Choice xmlns:p14="http://schemas.microsoft.com/office/powerpoint/2010/main" Requires="p14">
+  <mc:AlternateContent xmlns:mc="http://schemas.openxmlformats.org/markup-compatibility/2006" xmlns:p14="http://schemas.microsoft.com/office/powerpoint/2010/main">
+    <mc:Choice Requires="p14">
       <p:transition spd="slow" p14:dur="2000"/>
     </mc:Choice>
-    <mc:Fallback>
+    <mc:Fallback xmlns="">
       <p:transition xmlns:p14="http://schemas.microsoft.com/office/powerpoint/2010/main" spd="slow"/>
     </mc:Fallback>
   </mc:AlternateContent>
@@ -5190,7 +5194,7 @@
 </p:sld>
 </file>
 
-<file path=ppt/slides/slide4.xml><?xml version="1.0" encoding="utf-8"?>
+<file path=ppt/slides/slide11.xml><?xml version="1.0" encoding="utf-8"?>
 <p:sld xmlns:a="http://schemas.openxmlformats.org/drawingml/2006/main" xmlns:r="http://schemas.openxmlformats.org/officeDocument/2006/relationships" xmlns:p="http://schemas.openxmlformats.org/presentationml/2006/main">
   <p:cSld>
     <p:spTree>
@@ -5219,889 +5223,8 @@
         </p:nvSpPr>
         <p:spPr>
           <a:xfrm>
-            <a:off x="0" y="1136276"/>
-            <a:ext cx="9144000" cy="5721724"/>
-          </a:xfrm>
-        </p:spPr>
-        <p:txBody>
-          <a:bodyPr>
-            <a:normAutofit/>
-          </a:bodyPr>
-          <a:lstStyle/>
-          <a:p>
-            <a:pPr marL="0" indent="0">
-              <a:buNone/>
-            </a:pPr>
-            <a:r>
-              <a:rPr lang="fr-FR" sz="2800" dirty="0" smtClean="0">
-                <a:latin typeface="Times New Roman"/>
-                <a:cs typeface="Times New Roman"/>
-              </a:rPr>
-              <a:t>	Objectifs fixés </a:t>
-            </a:r>
-          </a:p>
-          <a:p>
-            <a:pPr>
-              <a:buFont typeface="Wingdings" charset="2"/>
-              <a:buChar char="q"/>
-            </a:pPr>
-            <a:endParaRPr lang="fr-FR" sz="2800" dirty="0" smtClean="0">
-              <a:latin typeface="Times New Roman"/>
-              <a:cs typeface="Times New Roman"/>
-            </a:endParaRPr>
-          </a:p>
-          <a:p>
-            <a:pPr>
-              <a:buFont typeface="Wingdings" charset="2"/>
-              <a:buChar char="q"/>
-            </a:pPr>
-            <a:r>
-              <a:rPr lang="fr-FR" sz="2400" dirty="0" smtClean="0">
-                <a:latin typeface="Times New Roman"/>
-                <a:cs typeface="Times New Roman"/>
-              </a:rPr>
-              <a:t>Maitriser</a:t>
-            </a:r>
-            <a:r>
-              <a:rPr lang="fr-FR" sz="2000" dirty="0" smtClean="0">
-                <a:latin typeface="Times New Roman"/>
-                <a:cs typeface="Times New Roman"/>
-              </a:rPr>
-              <a:t> </a:t>
-            </a:r>
-            <a:r>
-              <a:rPr lang="fr-FR" sz="2400" dirty="0" smtClean="0">
-                <a:latin typeface="Times New Roman"/>
-                <a:cs typeface="Times New Roman"/>
-              </a:rPr>
-              <a:t>le kit vocal</a:t>
-            </a:r>
-          </a:p>
-          <a:p>
-            <a:pPr marL="0" indent="0">
-              <a:buNone/>
-            </a:pPr>
-            <a:endParaRPr lang="fr-FR" sz="2400" dirty="0" smtClean="0">
-              <a:latin typeface="Times New Roman"/>
-              <a:cs typeface="Times New Roman"/>
-            </a:endParaRPr>
-          </a:p>
-          <a:p>
-            <a:pPr marL="0" indent="0">
-              <a:buNone/>
-            </a:pPr>
-            <a:r>
-              <a:rPr lang="fr-FR" sz="2000" dirty="0" smtClean="0">
-                <a:latin typeface="Times New Roman"/>
-                <a:cs typeface="Times New Roman"/>
-              </a:rPr>
-              <a:t>	 </a:t>
-            </a:r>
-            <a:endParaRPr lang="fr-FR" sz="2000" dirty="0">
-              <a:latin typeface="Times New Roman"/>
-              <a:cs typeface="Times New Roman"/>
-            </a:endParaRPr>
-          </a:p>
-        </p:txBody>
-      </p:sp>
-      <p:sp>
-        <p:nvSpPr>
-          <p:cNvPr id="2" name="Titre 1"/>
-          <p:cNvSpPr>
-            <a:spLocks noGrp="1"/>
-          </p:cNvSpPr>
-          <p:nvPr>
-            <p:ph type="title"/>
-          </p:nvPr>
-        </p:nvSpPr>
-        <p:spPr>
-          <a:xfrm>
-            <a:off x="0" y="0"/>
-            <a:ext cx="8229600" cy="876300"/>
-          </a:xfrm>
-        </p:spPr>
-        <p:txBody>
-          <a:bodyPr>
-            <a:normAutofit/>
-          </a:bodyPr>
-          <a:lstStyle/>
-          <a:p>
-            <a:pPr algn="l"/>
-            <a:r>
-              <a:rPr lang="fr-FR" sz="4000" dirty="0" smtClean="0">
-                <a:latin typeface="Times New Roman"/>
-                <a:cs typeface="Times New Roman"/>
-              </a:rPr>
-              <a:t>I. Description </a:t>
-            </a:r>
-            <a:r>
-              <a:rPr lang="fr-FR" sz="4000" dirty="0" smtClean="0">
-                <a:latin typeface="Times New Roman"/>
-                <a:cs typeface="Times New Roman"/>
-              </a:rPr>
-              <a:t>des objectifs </a:t>
-            </a:r>
-            <a:endParaRPr lang="fr-FR" sz="4000" dirty="0">
-              <a:latin typeface="Times New Roman"/>
-              <a:cs typeface="Times New Roman"/>
-            </a:endParaRPr>
-          </a:p>
-        </p:txBody>
-      </p:sp>
-    </p:spTree>
-    <p:extLst>
-      <p:ext uri="{BB962C8B-B14F-4D97-AF65-F5344CB8AC3E}">
-        <p14:creationId xmlns:p14="http://schemas.microsoft.com/office/powerpoint/2010/main" val="3962216467"/>
-      </p:ext>
-    </p:extLst>
-  </p:cSld>
-  <p:clrMapOvr>
-    <a:masterClrMapping/>
-  </p:clrMapOvr>
-  <mc:AlternateContent xmlns:mc="http://schemas.openxmlformats.org/markup-compatibility/2006">
-    <mc:Choice xmlns:p14="http://schemas.microsoft.com/office/powerpoint/2010/main" Requires="p14">
-      <p:transition spd="slow" p14:dur="2000"/>
-    </mc:Choice>
-    <mc:Fallback>
-      <p:transition xmlns:p14="http://schemas.microsoft.com/office/powerpoint/2010/main" spd="slow"/>
-    </mc:Fallback>
-  </mc:AlternateContent>
-  <p:timing>
-    <p:tnLst>
-      <p:par>
-        <p:cTn xmlns:p14="http://schemas.microsoft.com/office/powerpoint/2010/main" id="1" dur="indefinite" restart="never" nodeType="tmRoot"/>
-      </p:par>
-    </p:tnLst>
-  </p:timing>
-</p:sld>
-</file>
-
-<file path=ppt/slides/slide5.xml><?xml version="1.0" encoding="utf-8"?>
-<p:sld xmlns:a="http://schemas.openxmlformats.org/drawingml/2006/main" xmlns:r="http://schemas.openxmlformats.org/officeDocument/2006/relationships" xmlns:p="http://schemas.openxmlformats.org/presentationml/2006/main">
-  <p:cSld>
-    <p:spTree>
-      <p:nvGrpSpPr>
-        <p:cNvPr id="1" name=""/>
-        <p:cNvGrpSpPr/>
-        <p:nvPr/>
-      </p:nvGrpSpPr>
-      <p:grpSpPr>
-        <a:xfrm>
-          <a:off x="0" y="0"/>
-          <a:ext cx="0" cy="0"/>
-          <a:chOff x="0" y="0"/>
-          <a:chExt cx="0" cy="0"/>
-        </a:xfrm>
-      </p:grpSpPr>
-      <p:sp>
-        <p:nvSpPr>
-          <p:cNvPr id="3" name="Espace réservé du contenu 2"/>
-          <p:cNvSpPr>
-            <a:spLocks noGrp="1"/>
-          </p:cNvSpPr>
-          <p:nvPr>
-            <p:ph idx="1"/>
-          </p:nvPr>
-        </p:nvSpPr>
-        <p:spPr>
-          <a:xfrm>
-            <a:off x="0" y="1136276"/>
-            <a:ext cx="9144000" cy="5721724"/>
-          </a:xfrm>
-        </p:spPr>
-        <p:txBody>
-          <a:bodyPr>
-            <a:normAutofit/>
-          </a:bodyPr>
-          <a:lstStyle/>
-          <a:p>
-            <a:pPr marL="0" indent="0">
-              <a:buNone/>
-            </a:pPr>
-            <a:r>
-              <a:rPr lang="fr-FR" sz="2800" dirty="0" smtClean="0">
-                <a:latin typeface="Times New Roman"/>
-                <a:cs typeface="Times New Roman"/>
-              </a:rPr>
-              <a:t>	Objectifs fixés </a:t>
-            </a:r>
-          </a:p>
-          <a:p>
-            <a:pPr>
-              <a:buFont typeface="Wingdings" charset="2"/>
-              <a:buChar char="q"/>
-            </a:pPr>
-            <a:endParaRPr lang="fr-FR" sz="2800" dirty="0" smtClean="0">
-              <a:latin typeface="Times New Roman"/>
-              <a:cs typeface="Times New Roman"/>
-            </a:endParaRPr>
-          </a:p>
-          <a:p>
-            <a:pPr>
-              <a:buFont typeface="Wingdings" charset="2"/>
-              <a:buChar char="q"/>
-            </a:pPr>
-            <a:r>
-              <a:rPr lang="fr-FR" sz="2400" dirty="0" smtClean="0">
-                <a:latin typeface="Times New Roman"/>
-                <a:cs typeface="Times New Roman"/>
-              </a:rPr>
-              <a:t>Maitriser</a:t>
-            </a:r>
-            <a:r>
-              <a:rPr lang="fr-FR" sz="2000" dirty="0" smtClean="0">
-                <a:latin typeface="Times New Roman"/>
-                <a:cs typeface="Times New Roman"/>
-              </a:rPr>
-              <a:t> </a:t>
-            </a:r>
-            <a:r>
-              <a:rPr lang="fr-FR" sz="2400" dirty="0" smtClean="0">
-                <a:latin typeface="Times New Roman"/>
-                <a:cs typeface="Times New Roman"/>
-              </a:rPr>
-              <a:t>le kit vocal</a:t>
-            </a:r>
-          </a:p>
-          <a:p>
-            <a:pPr marL="0" indent="0">
-              <a:buNone/>
-            </a:pPr>
-            <a:endParaRPr lang="fr-FR" sz="2400" dirty="0" smtClean="0">
-              <a:latin typeface="Times New Roman"/>
-              <a:cs typeface="Times New Roman"/>
-            </a:endParaRPr>
-          </a:p>
-          <a:p>
-            <a:pPr>
-              <a:buFont typeface="Wingdings" charset="2"/>
-              <a:buChar char="q"/>
-            </a:pPr>
-            <a:r>
-              <a:rPr lang="fr-FR" sz="2400" dirty="0" smtClean="0">
-                <a:latin typeface="Times New Roman"/>
-                <a:cs typeface="Times New Roman"/>
-              </a:rPr>
-              <a:t>Reconnaître une note </a:t>
-            </a:r>
-          </a:p>
-          <a:p>
-            <a:pPr marL="0" indent="0">
-              <a:buNone/>
-            </a:pPr>
-            <a:r>
-              <a:rPr lang="fr-FR" sz="2400" dirty="0" smtClean="0">
-                <a:latin typeface="Times New Roman"/>
-                <a:cs typeface="Times New Roman"/>
-              </a:rPr>
-              <a:t> </a:t>
-            </a:r>
-            <a:endParaRPr lang="fr-FR" sz="2400" dirty="0" smtClean="0">
-              <a:latin typeface="Times New Roman"/>
-              <a:cs typeface="Times New Roman"/>
-            </a:endParaRPr>
-          </a:p>
-          <a:p>
-            <a:pPr marL="0" indent="0">
-              <a:buNone/>
-            </a:pPr>
-            <a:r>
-              <a:rPr lang="fr-FR" sz="2000" dirty="0" smtClean="0">
-                <a:latin typeface="Times New Roman"/>
-                <a:cs typeface="Times New Roman"/>
-              </a:rPr>
-              <a:t>	 </a:t>
-            </a:r>
-            <a:endParaRPr lang="fr-FR" sz="2000" dirty="0">
-              <a:latin typeface="Times New Roman"/>
-              <a:cs typeface="Times New Roman"/>
-            </a:endParaRPr>
-          </a:p>
-        </p:txBody>
-      </p:sp>
-      <p:sp>
-        <p:nvSpPr>
-          <p:cNvPr id="2" name="Titre 1"/>
-          <p:cNvSpPr>
-            <a:spLocks noGrp="1"/>
-          </p:cNvSpPr>
-          <p:nvPr>
-            <p:ph type="title"/>
-          </p:nvPr>
-        </p:nvSpPr>
-        <p:spPr>
-          <a:xfrm>
-            <a:off x="0" y="0"/>
-            <a:ext cx="8229600" cy="876300"/>
-          </a:xfrm>
-        </p:spPr>
-        <p:txBody>
-          <a:bodyPr>
-            <a:normAutofit/>
-          </a:bodyPr>
-          <a:lstStyle/>
-          <a:p>
-            <a:pPr algn="l"/>
-            <a:r>
-              <a:rPr lang="fr-FR" sz="4000" dirty="0" smtClean="0">
-                <a:latin typeface="Times New Roman"/>
-                <a:cs typeface="Times New Roman"/>
-              </a:rPr>
-              <a:t>I. Description </a:t>
-            </a:r>
-            <a:r>
-              <a:rPr lang="fr-FR" sz="4000" dirty="0" smtClean="0">
-                <a:latin typeface="Times New Roman"/>
-                <a:cs typeface="Times New Roman"/>
-              </a:rPr>
-              <a:t>des objectifs </a:t>
-            </a:r>
-            <a:endParaRPr lang="fr-FR" sz="4000" dirty="0">
-              <a:latin typeface="Times New Roman"/>
-              <a:cs typeface="Times New Roman"/>
-            </a:endParaRPr>
-          </a:p>
-        </p:txBody>
-      </p:sp>
-    </p:spTree>
-    <p:extLst>
-      <p:ext uri="{BB962C8B-B14F-4D97-AF65-F5344CB8AC3E}">
-        <p14:creationId xmlns:p14="http://schemas.microsoft.com/office/powerpoint/2010/main" val="2492840690"/>
-      </p:ext>
-    </p:extLst>
-  </p:cSld>
-  <p:clrMapOvr>
-    <a:masterClrMapping/>
-  </p:clrMapOvr>
-  <mc:AlternateContent xmlns:mc="http://schemas.openxmlformats.org/markup-compatibility/2006">
-    <mc:Choice xmlns:p14="http://schemas.microsoft.com/office/powerpoint/2010/main" Requires="p14">
-      <p:transition spd="slow" p14:dur="2000"/>
-    </mc:Choice>
-    <mc:Fallback>
-      <p:transition xmlns:p14="http://schemas.microsoft.com/office/powerpoint/2010/main" spd="slow"/>
-    </mc:Fallback>
-  </mc:AlternateContent>
-  <p:timing>
-    <p:tnLst>
-      <p:par>
-        <p:cTn xmlns:p14="http://schemas.microsoft.com/office/powerpoint/2010/main" id="1" dur="indefinite" restart="never" nodeType="tmRoot"/>
-      </p:par>
-    </p:tnLst>
-  </p:timing>
-</p:sld>
-</file>
-
-<file path=ppt/slides/slide6.xml><?xml version="1.0" encoding="utf-8"?>
-<p:sld xmlns:a="http://schemas.openxmlformats.org/drawingml/2006/main" xmlns:r="http://schemas.openxmlformats.org/officeDocument/2006/relationships" xmlns:p="http://schemas.openxmlformats.org/presentationml/2006/main">
-  <p:cSld>
-    <p:spTree>
-      <p:nvGrpSpPr>
-        <p:cNvPr id="1" name=""/>
-        <p:cNvGrpSpPr/>
-        <p:nvPr/>
-      </p:nvGrpSpPr>
-      <p:grpSpPr>
-        <a:xfrm>
-          <a:off x="0" y="0"/>
-          <a:ext cx="0" cy="0"/>
-          <a:chOff x="0" y="0"/>
-          <a:chExt cx="0" cy="0"/>
-        </a:xfrm>
-      </p:grpSpPr>
-      <p:sp>
-        <p:nvSpPr>
-          <p:cNvPr id="3" name="Espace réservé du contenu 2"/>
-          <p:cNvSpPr>
-            <a:spLocks noGrp="1"/>
-          </p:cNvSpPr>
-          <p:nvPr>
-            <p:ph idx="1"/>
-          </p:nvPr>
-        </p:nvSpPr>
-        <p:spPr>
-          <a:xfrm>
-            <a:off x="0" y="1136276"/>
-            <a:ext cx="9144000" cy="5721724"/>
-          </a:xfrm>
-        </p:spPr>
-        <p:txBody>
-          <a:bodyPr>
-            <a:normAutofit/>
-          </a:bodyPr>
-          <a:lstStyle/>
-          <a:p>
-            <a:pPr marL="0" indent="0">
-              <a:buNone/>
-            </a:pPr>
-            <a:r>
-              <a:rPr lang="fr-FR" sz="2800" dirty="0" smtClean="0">
-                <a:latin typeface="Times New Roman"/>
-                <a:cs typeface="Times New Roman"/>
-              </a:rPr>
-              <a:t>	Objectifs fixés </a:t>
-            </a:r>
-          </a:p>
-          <a:p>
-            <a:pPr>
-              <a:buFont typeface="Wingdings" charset="2"/>
-              <a:buChar char="q"/>
-            </a:pPr>
-            <a:endParaRPr lang="fr-FR" sz="2800" dirty="0" smtClean="0">
-              <a:latin typeface="Times New Roman"/>
-              <a:cs typeface="Times New Roman"/>
-            </a:endParaRPr>
-          </a:p>
-          <a:p>
-            <a:pPr>
-              <a:buFont typeface="Wingdings" charset="2"/>
-              <a:buChar char="q"/>
-            </a:pPr>
-            <a:r>
-              <a:rPr lang="fr-FR" sz="2400" dirty="0" smtClean="0">
-                <a:latin typeface="Times New Roman"/>
-                <a:cs typeface="Times New Roman"/>
-              </a:rPr>
-              <a:t>Maitriser</a:t>
-            </a:r>
-            <a:r>
-              <a:rPr lang="fr-FR" sz="2000" dirty="0" smtClean="0">
-                <a:latin typeface="Times New Roman"/>
-                <a:cs typeface="Times New Roman"/>
-              </a:rPr>
-              <a:t> </a:t>
-            </a:r>
-            <a:r>
-              <a:rPr lang="fr-FR" sz="2400" dirty="0" smtClean="0">
-                <a:latin typeface="Times New Roman"/>
-                <a:cs typeface="Times New Roman"/>
-              </a:rPr>
-              <a:t>le kit vocal</a:t>
-            </a:r>
-          </a:p>
-          <a:p>
-            <a:pPr marL="0" indent="0">
-              <a:buNone/>
-            </a:pPr>
-            <a:endParaRPr lang="fr-FR" sz="2400" dirty="0" smtClean="0">
-              <a:latin typeface="Times New Roman"/>
-              <a:cs typeface="Times New Roman"/>
-            </a:endParaRPr>
-          </a:p>
-          <a:p>
-            <a:pPr>
-              <a:buFont typeface="Wingdings" charset="2"/>
-              <a:buChar char="q"/>
-            </a:pPr>
-            <a:r>
-              <a:rPr lang="fr-FR" sz="2400" dirty="0" smtClean="0">
-                <a:latin typeface="Times New Roman"/>
-                <a:cs typeface="Times New Roman"/>
-              </a:rPr>
-              <a:t>Reconnaître une note </a:t>
-            </a:r>
-          </a:p>
-          <a:p>
-            <a:pPr marL="0" indent="0">
-              <a:buNone/>
-            </a:pPr>
-            <a:endParaRPr lang="fr-FR" sz="2400" dirty="0" smtClean="0">
-              <a:latin typeface="Times New Roman"/>
-              <a:cs typeface="Times New Roman"/>
-            </a:endParaRPr>
-          </a:p>
-          <a:p>
-            <a:pPr>
-              <a:buFont typeface="Wingdings" charset="2"/>
-              <a:buChar char="q"/>
-            </a:pPr>
-            <a:r>
-              <a:rPr lang="fr-FR" sz="2400" dirty="0" smtClean="0">
-                <a:latin typeface="Times New Roman"/>
-                <a:cs typeface="Times New Roman"/>
-              </a:rPr>
-              <a:t>Accord d’une guitare puis d’un instrument quelconque</a:t>
-            </a:r>
-          </a:p>
-          <a:p>
-            <a:pPr marL="0" indent="0">
-              <a:buNone/>
-            </a:pPr>
-            <a:r>
-              <a:rPr lang="fr-FR" sz="2400" dirty="0" smtClean="0">
-                <a:latin typeface="Times New Roman"/>
-                <a:cs typeface="Times New Roman"/>
-              </a:rPr>
-              <a:t> </a:t>
-            </a:r>
-            <a:endParaRPr lang="fr-FR" sz="2400" dirty="0" smtClean="0">
-              <a:latin typeface="Times New Roman"/>
-              <a:cs typeface="Times New Roman"/>
-            </a:endParaRPr>
-          </a:p>
-          <a:p>
-            <a:pPr marL="0" indent="0">
-              <a:buNone/>
-            </a:pPr>
-            <a:r>
-              <a:rPr lang="fr-FR" sz="2000" dirty="0" smtClean="0">
-                <a:latin typeface="Times New Roman"/>
-                <a:cs typeface="Times New Roman"/>
-              </a:rPr>
-              <a:t>	 </a:t>
-            </a:r>
-            <a:endParaRPr lang="fr-FR" sz="2000" dirty="0">
-              <a:latin typeface="Times New Roman"/>
-              <a:cs typeface="Times New Roman"/>
-            </a:endParaRPr>
-          </a:p>
-        </p:txBody>
-      </p:sp>
-      <p:sp>
-        <p:nvSpPr>
-          <p:cNvPr id="2" name="Titre 1"/>
-          <p:cNvSpPr>
-            <a:spLocks noGrp="1"/>
-          </p:cNvSpPr>
-          <p:nvPr>
-            <p:ph type="title"/>
-          </p:nvPr>
-        </p:nvSpPr>
-        <p:spPr>
-          <a:xfrm>
-            <a:off x="0" y="0"/>
-            <a:ext cx="8229600" cy="876300"/>
-          </a:xfrm>
-        </p:spPr>
-        <p:txBody>
-          <a:bodyPr>
-            <a:normAutofit/>
-          </a:bodyPr>
-          <a:lstStyle/>
-          <a:p>
-            <a:pPr algn="l"/>
-            <a:r>
-              <a:rPr lang="fr-FR" sz="4000" dirty="0" smtClean="0">
-                <a:latin typeface="Times New Roman"/>
-                <a:cs typeface="Times New Roman"/>
-              </a:rPr>
-              <a:t>I. Description </a:t>
-            </a:r>
-            <a:r>
-              <a:rPr lang="fr-FR" sz="4000" dirty="0" smtClean="0">
-                <a:latin typeface="Times New Roman"/>
-                <a:cs typeface="Times New Roman"/>
-              </a:rPr>
-              <a:t>des objectifs </a:t>
-            </a:r>
-            <a:endParaRPr lang="fr-FR" sz="4000" dirty="0">
-              <a:latin typeface="Times New Roman"/>
-              <a:cs typeface="Times New Roman"/>
-            </a:endParaRPr>
-          </a:p>
-        </p:txBody>
-      </p:sp>
-    </p:spTree>
-    <p:extLst>
-      <p:ext uri="{BB962C8B-B14F-4D97-AF65-F5344CB8AC3E}">
-        <p14:creationId xmlns:p14="http://schemas.microsoft.com/office/powerpoint/2010/main" val="1703263878"/>
-      </p:ext>
-    </p:extLst>
-  </p:cSld>
-  <p:clrMapOvr>
-    <a:masterClrMapping/>
-  </p:clrMapOvr>
-  <mc:AlternateContent xmlns:mc="http://schemas.openxmlformats.org/markup-compatibility/2006">
-    <mc:Choice xmlns:p14="http://schemas.microsoft.com/office/powerpoint/2010/main" Requires="p14">
-      <p:transition spd="slow" p14:dur="2000"/>
-    </mc:Choice>
-    <mc:Fallback>
-      <p:transition xmlns:p14="http://schemas.microsoft.com/office/powerpoint/2010/main" spd="slow"/>
-    </mc:Fallback>
-  </mc:AlternateContent>
-  <p:timing>
-    <p:tnLst>
-      <p:par>
-        <p:cTn xmlns:p14="http://schemas.microsoft.com/office/powerpoint/2010/main" id="1" dur="indefinite" restart="never" nodeType="tmRoot"/>
-      </p:par>
-    </p:tnLst>
-  </p:timing>
-</p:sld>
-</file>
-
-<file path=ppt/slides/slide7.xml><?xml version="1.0" encoding="utf-8"?>
-<p:sld xmlns:a="http://schemas.openxmlformats.org/drawingml/2006/main" xmlns:r="http://schemas.openxmlformats.org/officeDocument/2006/relationships" xmlns:p="http://schemas.openxmlformats.org/presentationml/2006/main">
-  <p:cSld>
-    <p:spTree>
-      <p:nvGrpSpPr>
-        <p:cNvPr id="1" name=""/>
-        <p:cNvGrpSpPr/>
-        <p:nvPr/>
-      </p:nvGrpSpPr>
-      <p:grpSpPr>
-        <a:xfrm>
-          <a:off x="0" y="0"/>
-          <a:ext cx="0" cy="0"/>
-          <a:chOff x="0" y="0"/>
-          <a:chExt cx="0" cy="0"/>
-        </a:xfrm>
-      </p:grpSpPr>
-      <p:sp>
-        <p:nvSpPr>
-          <p:cNvPr id="3" name="Espace réservé du contenu 2"/>
-          <p:cNvSpPr>
-            <a:spLocks noGrp="1"/>
-          </p:cNvSpPr>
-          <p:nvPr>
-            <p:ph idx="1"/>
-          </p:nvPr>
-        </p:nvSpPr>
-        <p:spPr>
-          <a:xfrm>
-            <a:off x="0" y="1136276"/>
-            <a:ext cx="9144000" cy="5721724"/>
-          </a:xfrm>
-        </p:spPr>
-        <p:txBody>
-          <a:bodyPr>
-            <a:normAutofit/>
-          </a:bodyPr>
-          <a:lstStyle/>
-          <a:p>
-            <a:pPr marL="0" indent="0">
-              <a:buNone/>
-            </a:pPr>
-            <a:r>
-              <a:rPr lang="fr-FR" sz="2800" dirty="0" smtClean="0">
-                <a:latin typeface="Times New Roman"/>
-                <a:cs typeface="Times New Roman"/>
-              </a:rPr>
-              <a:t>	Objectifs fixés </a:t>
-            </a:r>
-          </a:p>
-          <a:p>
-            <a:pPr>
-              <a:buFont typeface="Wingdings" charset="2"/>
-              <a:buChar char="q"/>
-            </a:pPr>
-            <a:endParaRPr lang="fr-FR" sz="2800" dirty="0" smtClean="0">
-              <a:latin typeface="Times New Roman"/>
-              <a:cs typeface="Times New Roman"/>
-            </a:endParaRPr>
-          </a:p>
-          <a:p>
-            <a:pPr>
-              <a:buFont typeface="Wingdings" charset="2"/>
-              <a:buChar char="q"/>
-            </a:pPr>
-            <a:r>
-              <a:rPr lang="fr-FR" sz="2400" dirty="0" smtClean="0">
-                <a:latin typeface="Times New Roman"/>
-                <a:cs typeface="Times New Roman"/>
-              </a:rPr>
-              <a:t>Maitriser</a:t>
-            </a:r>
-            <a:r>
-              <a:rPr lang="fr-FR" sz="2000" dirty="0" smtClean="0">
-                <a:latin typeface="Times New Roman"/>
-                <a:cs typeface="Times New Roman"/>
-              </a:rPr>
-              <a:t> </a:t>
-            </a:r>
-            <a:r>
-              <a:rPr lang="fr-FR" sz="2400" dirty="0" smtClean="0">
-                <a:latin typeface="Times New Roman"/>
-                <a:cs typeface="Times New Roman"/>
-              </a:rPr>
-              <a:t>le kit vocal</a:t>
-            </a:r>
-          </a:p>
-          <a:p>
-            <a:pPr marL="0" indent="0">
-              <a:buNone/>
-            </a:pPr>
-            <a:endParaRPr lang="fr-FR" sz="2400" dirty="0" smtClean="0">
-              <a:latin typeface="Times New Roman"/>
-              <a:cs typeface="Times New Roman"/>
-            </a:endParaRPr>
-          </a:p>
-          <a:p>
-            <a:pPr>
-              <a:buFont typeface="Wingdings" charset="2"/>
-              <a:buChar char="q"/>
-            </a:pPr>
-            <a:r>
-              <a:rPr lang="fr-FR" sz="2400" dirty="0" smtClean="0">
-                <a:latin typeface="Times New Roman"/>
-                <a:cs typeface="Times New Roman"/>
-              </a:rPr>
-              <a:t>Reconnaître une note </a:t>
-            </a:r>
-          </a:p>
-          <a:p>
-            <a:pPr marL="0" indent="0">
-              <a:buNone/>
-            </a:pPr>
-            <a:endParaRPr lang="fr-FR" sz="2400" dirty="0" smtClean="0">
-              <a:latin typeface="Times New Roman"/>
-              <a:cs typeface="Times New Roman"/>
-            </a:endParaRPr>
-          </a:p>
-          <a:p>
-            <a:pPr>
-              <a:buFont typeface="Wingdings" charset="2"/>
-              <a:buChar char="q"/>
-            </a:pPr>
-            <a:r>
-              <a:rPr lang="fr-FR" sz="2400" dirty="0" smtClean="0">
-                <a:latin typeface="Times New Roman"/>
-                <a:cs typeface="Times New Roman"/>
-              </a:rPr>
-              <a:t>Accord d’une guitare puis d’un instrument quelconque</a:t>
-            </a:r>
-          </a:p>
-          <a:p>
-            <a:pPr marL="0" indent="0">
-              <a:buNone/>
-            </a:pPr>
-            <a:endParaRPr lang="fr-FR" sz="2400" dirty="0" smtClean="0">
-              <a:latin typeface="Times New Roman"/>
-              <a:cs typeface="Times New Roman"/>
-            </a:endParaRPr>
-          </a:p>
-          <a:p>
-            <a:pPr>
-              <a:buFont typeface="Wingdings" charset="2"/>
-              <a:buChar char="q"/>
-            </a:pPr>
-            <a:r>
-              <a:rPr lang="fr-FR" sz="2400" dirty="0" smtClean="0">
-                <a:latin typeface="Times New Roman"/>
-                <a:cs typeface="Times New Roman"/>
-              </a:rPr>
-              <a:t>Retranscrire une partition à l’aide d’un enregistrement </a:t>
-            </a:r>
-          </a:p>
-          <a:p>
-            <a:pPr marL="0" indent="0">
-              <a:buNone/>
-            </a:pPr>
-            <a:r>
-              <a:rPr lang="fr-FR" sz="2000" dirty="0" smtClean="0">
-                <a:latin typeface="Times New Roman"/>
-                <a:cs typeface="Times New Roman"/>
-              </a:rPr>
-              <a:t>	 </a:t>
-            </a:r>
-            <a:endParaRPr lang="fr-FR" sz="2000" dirty="0">
-              <a:latin typeface="Times New Roman"/>
-              <a:cs typeface="Times New Roman"/>
-            </a:endParaRPr>
-          </a:p>
-        </p:txBody>
-      </p:sp>
-      <p:sp>
-        <p:nvSpPr>
-          <p:cNvPr id="2" name="Titre 1"/>
-          <p:cNvSpPr>
-            <a:spLocks noGrp="1"/>
-          </p:cNvSpPr>
-          <p:nvPr>
-            <p:ph type="title"/>
-          </p:nvPr>
-        </p:nvSpPr>
-        <p:spPr>
-          <a:xfrm>
-            <a:off x="0" y="0"/>
-            <a:ext cx="8229600" cy="876300"/>
-          </a:xfrm>
-        </p:spPr>
-        <p:txBody>
-          <a:bodyPr>
-            <a:normAutofit/>
-          </a:bodyPr>
-          <a:lstStyle/>
-          <a:p>
-            <a:pPr algn="l"/>
-            <a:r>
-              <a:rPr lang="fr-FR" sz="4000" dirty="0" smtClean="0">
-                <a:latin typeface="Times New Roman"/>
-                <a:cs typeface="Times New Roman"/>
-              </a:rPr>
-              <a:t>I. Description </a:t>
-            </a:r>
-            <a:r>
-              <a:rPr lang="fr-FR" sz="4000" dirty="0" smtClean="0">
-                <a:latin typeface="Times New Roman"/>
-                <a:cs typeface="Times New Roman"/>
-              </a:rPr>
-              <a:t>des objectifs </a:t>
-            </a:r>
-            <a:endParaRPr lang="fr-FR" sz="4000" dirty="0">
-              <a:latin typeface="Times New Roman"/>
-              <a:cs typeface="Times New Roman"/>
-            </a:endParaRPr>
-          </a:p>
-        </p:txBody>
-      </p:sp>
-    </p:spTree>
-    <p:extLst>
-      <p:ext uri="{BB962C8B-B14F-4D97-AF65-F5344CB8AC3E}">
-        <p14:creationId xmlns:p14="http://schemas.microsoft.com/office/powerpoint/2010/main" val="2003172413"/>
-      </p:ext>
-    </p:extLst>
-  </p:cSld>
-  <p:clrMapOvr>
-    <a:masterClrMapping/>
-  </p:clrMapOvr>
-  <mc:AlternateContent xmlns:mc="http://schemas.openxmlformats.org/markup-compatibility/2006">
-    <mc:Choice xmlns:p14="http://schemas.microsoft.com/office/powerpoint/2010/main" Requires="p14">
-      <p:transition spd="slow" p14:dur="2000"/>
-    </mc:Choice>
-    <mc:Fallback>
-      <p:transition xmlns:p14="http://schemas.microsoft.com/office/powerpoint/2010/main" spd="slow"/>
-    </mc:Fallback>
-  </mc:AlternateContent>
-  <p:timing>
-    <p:tnLst>
-      <p:par>
-        <p:cTn xmlns:p14="http://schemas.microsoft.com/office/powerpoint/2010/main" id="1" dur="indefinite" restart="never" nodeType="tmRoot"/>
-      </p:par>
-    </p:tnLst>
-  </p:timing>
-</p:sld>
-</file>
-
-<file path=ppt/slides/slide8.xml><?xml version="1.0" encoding="utf-8"?>
-<p:sld xmlns:a="http://schemas.openxmlformats.org/drawingml/2006/main" xmlns:r="http://schemas.openxmlformats.org/officeDocument/2006/relationships" xmlns:p="http://schemas.openxmlformats.org/presentationml/2006/main">
-  <p:cSld>
-    <p:spTree>
-      <p:nvGrpSpPr>
-        <p:cNvPr id="1" name=""/>
-        <p:cNvGrpSpPr/>
-        <p:nvPr/>
-      </p:nvGrpSpPr>
-      <p:grpSpPr>
-        <a:xfrm>
-          <a:off x="0" y="0"/>
-          <a:ext cx="0" cy="0"/>
-          <a:chOff x="0" y="0"/>
-          <a:chExt cx="0" cy="0"/>
-        </a:xfrm>
-      </p:grpSpPr>
-      <p:sp>
-        <p:nvSpPr>
-          <p:cNvPr id="3" name="Espace réservé du contenu 2"/>
-          <p:cNvSpPr>
-            <a:spLocks noGrp="1"/>
-          </p:cNvSpPr>
-          <p:nvPr>
-            <p:ph idx="1"/>
-          </p:nvPr>
-        </p:nvSpPr>
-        <p:spPr>
-          <a:xfrm>
-            <a:off x="0" y="1506826"/>
-            <a:ext cx="4609352" cy="5132427"/>
+            <a:off x="0" y="1506827"/>
+            <a:ext cx="4427885" cy="5132426"/>
           </a:xfrm>
           <a:noFill/>
           <a:ln>
@@ -6136,100 +5259,73 @@
                 <a:latin typeface="Times New Roman"/>
                 <a:cs typeface="Times New Roman"/>
               </a:rPr>
-              <a:t>Réalisation de la fonction FFT</a:t>
-            </a:r>
+              <a:t>Problèmes rencontrés</a:t>
+            </a:r>
+            <a:endParaRPr lang="fr-FR" sz="2400" dirty="0">
+              <a:latin typeface="Times New Roman"/>
+              <a:cs typeface="Times New Roman"/>
+            </a:endParaRPr>
+          </a:p>
+          <a:p>
+            <a:endParaRPr lang="fr-FR" dirty="0" smtClean="0">
+              <a:latin typeface="Times New Roman"/>
+              <a:cs typeface="Times New Roman"/>
+            </a:endParaRPr>
+          </a:p>
+          <a:p>
+            <a:endParaRPr lang="fr-FR" dirty="0" smtClean="0">
+              <a:latin typeface="Times New Roman"/>
+              <a:cs typeface="Times New Roman"/>
+            </a:endParaRPr>
+          </a:p>
+          <a:p>
+            <a:endParaRPr lang="fr-FR" dirty="0">
+              <a:latin typeface="Times New Roman"/>
+              <a:cs typeface="Times New Roman"/>
+            </a:endParaRPr>
+          </a:p>
+          <a:p>
+            <a:r>
+              <a:rPr lang="fr-FR" dirty="0" smtClean="0">
+                <a:latin typeface="Times New Roman"/>
+                <a:cs typeface="Times New Roman"/>
+              </a:rPr>
+              <a:t>Savoir définir la plage d’</a:t>
+            </a:r>
+            <a:r>
+              <a:rPr lang="fr-FR" dirty="0" smtClean="0">
+                <a:latin typeface="Times New Roman"/>
+                <a:cs typeface="Times New Roman"/>
+              </a:rPr>
+              <a:t>erreur acceptable</a:t>
+            </a:r>
+          </a:p>
+          <a:p>
+            <a:endParaRPr lang="fr-FR" dirty="0">
+              <a:latin typeface="Times New Roman"/>
+              <a:cs typeface="Times New Roman"/>
+            </a:endParaRPr>
           </a:p>
           <a:p>
             <a:pPr marL="0" indent="0">
               <a:buNone/>
             </a:pPr>
+            <a:r>
+              <a:rPr lang="fr-FR" dirty="0" smtClean="0">
+                <a:latin typeface="Times New Roman"/>
+                <a:cs typeface="Times New Roman"/>
+              </a:rPr>
+              <a:t> </a:t>
+            </a:r>
             <a:endParaRPr lang="fr-FR" dirty="0" smtClean="0">
               <a:latin typeface="Times New Roman"/>
               <a:cs typeface="Times New Roman"/>
             </a:endParaRPr>
           </a:p>
           <a:p>
-            <a:r>
-              <a:rPr lang="fr-FR" dirty="0" smtClean="0">
-                <a:latin typeface="Times New Roman"/>
-                <a:cs typeface="Times New Roman"/>
-              </a:rPr>
-              <a:t>Découverte </a:t>
-            </a:r>
-            <a:r>
-              <a:rPr lang="fr-FR" sz="2400" dirty="0" smtClean="0">
-                <a:latin typeface="Times New Roman"/>
-                <a:cs typeface="Times New Roman"/>
-              </a:rPr>
-              <a:t>des bibliothèques </a:t>
-            </a:r>
-            <a:r>
-              <a:rPr lang="fr-FR" sz="2400" dirty="0" err="1" smtClean="0">
-                <a:latin typeface="Times New Roman"/>
-                <a:cs typeface="Times New Roman"/>
-              </a:rPr>
-              <a:t>scip</a:t>
-            </a:r>
-            <a:r>
-              <a:rPr lang="fr-FR" dirty="0" err="1" smtClean="0">
-                <a:latin typeface="Times New Roman"/>
-                <a:cs typeface="Times New Roman"/>
-              </a:rPr>
-              <a:t>y.io.wave</a:t>
-            </a:r>
-            <a:r>
-              <a:rPr lang="fr-FR" dirty="0" smtClean="0">
-                <a:latin typeface="Times New Roman"/>
-                <a:cs typeface="Times New Roman"/>
-              </a:rPr>
-              <a:t>, </a:t>
-            </a:r>
-            <a:r>
-              <a:rPr lang="fr-FR" dirty="0" err="1" smtClean="0">
-                <a:latin typeface="Times New Roman"/>
-                <a:cs typeface="Times New Roman"/>
-              </a:rPr>
-              <a:t>numpy</a:t>
-            </a:r>
-            <a:r>
-              <a:rPr lang="fr-FR" dirty="0" smtClean="0">
-                <a:latin typeface="Times New Roman"/>
-                <a:cs typeface="Times New Roman"/>
-              </a:rPr>
-              <a:t>, </a:t>
-            </a:r>
-            <a:r>
-              <a:rPr lang="fr-FR" dirty="0" err="1" smtClean="0">
-                <a:latin typeface="Times New Roman"/>
-                <a:cs typeface="Times New Roman"/>
-              </a:rPr>
-              <a:t>argparse</a:t>
-            </a:r>
-            <a:endParaRPr lang="fr-FR" dirty="0" smtClean="0">
-              <a:latin typeface="Times New Roman"/>
-              <a:cs typeface="Times New Roman"/>
-            </a:endParaRPr>
-          </a:p>
-          <a:p>
-            <a:endParaRPr lang="fr-FR" sz="2400" dirty="0">
-              <a:latin typeface="Times New Roman"/>
-              <a:cs typeface="Times New Roman"/>
-            </a:endParaRPr>
-          </a:p>
-          <a:p>
-            <a:endParaRPr lang="fr-FR" dirty="0" smtClean="0">
-              <a:latin typeface="Times New Roman"/>
-              <a:cs typeface="Times New Roman"/>
-            </a:endParaRPr>
-          </a:p>
-          <a:p>
-            <a:r>
-              <a:rPr lang="fr-FR" sz="2400" dirty="0" smtClean="0">
-                <a:latin typeface="Times New Roman"/>
-                <a:cs typeface="Times New Roman"/>
-              </a:rPr>
-              <a:t>De nombreux tests</a:t>
-            </a:r>
+            <a:pPr marL="0" indent="0">
+              <a:buNone/>
+            </a:pPr>
             <a:endParaRPr lang="fr-FR" sz="2400" dirty="0" smtClean="0">
               <a:latin typeface="Times New Roman"/>
               <a:cs typeface="Times New Roman"/>
@@ -6407,16 +5503,317 @@
                 <a:latin typeface="Times New Roman"/>
                 <a:cs typeface="Times New Roman"/>
               </a:rPr>
-              <a:t>Retranscription </a:t>
+              <a:t>Solutions apportées</a:t>
             </a:r>
             <a:r>
               <a:rPr lang="fr-FR" sz="2400" dirty="0" smtClean="0">
                 <a:latin typeface="Times New Roman"/>
                 <a:cs typeface="Times New Roman"/>
               </a:rPr>
-              <a:t>effectuée </a:t>
+              <a:t> </a:t>
             </a:r>
             <a:endParaRPr lang="fr-FR" sz="2400" dirty="0" smtClean="0">
+              <a:latin typeface="Times New Roman"/>
+              <a:cs typeface="Times New Roman"/>
+            </a:endParaRPr>
+          </a:p>
+        </p:txBody>
+      </p:sp>
+      <p:sp>
+        <p:nvSpPr>
+          <p:cNvPr id="8" name="Espace réservé du contenu 2"/>
+          <p:cNvSpPr txBox="1">
+            <a:spLocks/>
+          </p:cNvSpPr>
+          <p:nvPr/>
+        </p:nvSpPr>
+        <p:spPr>
+          <a:xfrm>
+            <a:off x="4609353" y="1506827"/>
+            <a:ext cx="4534648" cy="5284825"/>
+          </a:xfrm>
+          <a:prstGeom prst="rect">
+            <a:avLst/>
+          </a:prstGeom>
+          <a:noFill/>
+          <a:ln w="19050" cap="flat" cmpd="sng" algn="ctr">
+            <a:noFill/>
+            <a:prstDash val="solid"/>
+          </a:ln>
+        </p:spPr>
+        <p:style>
+          <a:lnRef idx="2">
+            <a:schemeClr val="dk1"/>
+          </a:lnRef>
+          <a:fillRef idx="1">
+            <a:schemeClr val="lt1"/>
+          </a:fillRef>
+          <a:effectRef idx="0">
+            <a:schemeClr val="dk1"/>
+          </a:effectRef>
+          <a:fontRef idx="minor">
+            <a:schemeClr val="dk1"/>
+          </a:fontRef>
+        </p:style>
+        <p:txBody>
+          <a:bodyPr vert="horz" lIns="91440" tIns="45720" rIns="91440" bIns="45720" rtlCol="0">
+            <a:normAutofit/>
+          </a:bodyPr>
+          <a:lstStyle>
+            <a:lvl1pPr marL="365760" indent="-365760" algn="l" defTabSz="914400" rtl="0" eaLnBrk="1" latinLnBrk="0" hangingPunct="1">
+              <a:spcBef>
+                <a:spcPct val="20000"/>
+              </a:spcBef>
+              <a:buClr>
+                <a:schemeClr val="accent1"/>
+              </a:buClr>
+              <a:buFont typeface="Wingdings" pitchFamily="2" charset="2"/>
+              <a:buChar char=""/>
+              <a:defRPr sz="2400" kern="1200">
+                <a:solidFill>
+                  <a:schemeClr val="dk1"/>
+                </a:solidFill>
+                <a:latin typeface="+mn-lt"/>
+                <a:ea typeface="+mn-ea"/>
+                <a:cs typeface="+mn-cs"/>
+              </a:defRPr>
+            </a:lvl1pPr>
+            <a:lvl2pPr marL="777240" indent="-365760" algn="l" defTabSz="914400" rtl="0" eaLnBrk="1" latinLnBrk="0" hangingPunct="1">
+              <a:spcBef>
+                <a:spcPct val="20000"/>
+              </a:spcBef>
+              <a:buClr>
+                <a:schemeClr val="accent1"/>
+              </a:buClr>
+              <a:buFont typeface="Wingdings" pitchFamily="2" charset="2"/>
+              <a:buChar char=""/>
+              <a:defRPr sz="2200" kern="1200">
+                <a:solidFill>
+                  <a:schemeClr val="dk1"/>
+                </a:solidFill>
+                <a:latin typeface="+mn-lt"/>
+                <a:ea typeface="+mn-ea"/>
+                <a:cs typeface="+mn-cs"/>
+              </a:defRPr>
+            </a:lvl2pPr>
+            <a:lvl3pPr marL="1143000" indent="-365760" algn="l" defTabSz="914400" rtl="0" eaLnBrk="1" latinLnBrk="0" hangingPunct="1">
+              <a:spcBef>
+                <a:spcPct val="20000"/>
+              </a:spcBef>
+              <a:buClr>
+                <a:schemeClr val="accent1"/>
+              </a:buClr>
+              <a:buFont typeface="Wingdings" pitchFamily="2" charset="2"/>
+              <a:buChar char=""/>
+              <a:defRPr sz="2000" kern="1200">
+                <a:solidFill>
+                  <a:schemeClr val="dk1"/>
+                </a:solidFill>
+                <a:latin typeface="+mn-lt"/>
+                <a:ea typeface="+mn-ea"/>
+                <a:cs typeface="+mn-cs"/>
+              </a:defRPr>
+            </a:lvl3pPr>
+            <a:lvl4pPr marL="1508760" indent="-320040" algn="l" defTabSz="914400" rtl="0" eaLnBrk="1" latinLnBrk="0" hangingPunct="1">
+              <a:spcBef>
+                <a:spcPct val="20000"/>
+              </a:spcBef>
+              <a:buClr>
+                <a:schemeClr val="accent1"/>
+              </a:buClr>
+              <a:buFont typeface="Wingdings" pitchFamily="2" charset="2"/>
+              <a:buChar char=""/>
+              <a:defRPr sz="1800" kern="1200">
+                <a:solidFill>
+                  <a:schemeClr val="dk1"/>
+                </a:solidFill>
+                <a:latin typeface="+mn-lt"/>
+                <a:ea typeface="+mn-ea"/>
+                <a:cs typeface="+mn-cs"/>
+              </a:defRPr>
+            </a:lvl4pPr>
+            <a:lvl5pPr marL="1828800" indent="-320040" algn="l" defTabSz="914400" rtl="0" eaLnBrk="1" latinLnBrk="0" hangingPunct="1">
+              <a:spcBef>
+                <a:spcPct val="20000"/>
+              </a:spcBef>
+              <a:buClr>
+                <a:schemeClr val="accent1"/>
+              </a:buClr>
+              <a:buFont typeface="Wingdings" pitchFamily="2" charset="2"/>
+              <a:buChar char=""/>
+              <a:defRPr sz="1600" kern="1200">
+                <a:solidFill>
+                  <a:schemeClr val="dk1"/>
+                </a:solidFill>
+                <a:latin typeface="+mn-lt"/>
+                <a:ea typeface="+mn-ea"/>
+                <a:cs typeface="+mn-cs"/>
+              </a:defRPr>
+            </a:lvl5pPr>
+            <a:lvl6pPr marL="2148840" indent="-274320" algn="l" defTabSz="914400" rtl="0" eaLnBrk="1" latinLnBrk="0" hangingPunct="1">
+              <a:spcBef>
+                <a:spcPts val="400"/>
+              </a:spcBef>
+              <a:buClr>
+                <a:schemeClr val="accent1"/>
+              </a:buClr>
+              <a:buFont typeface="Wingdings" pitchFamily="2" charset="2"/>
+              <a:buChar char=""/>
+              <a:defRPr sz="1400" kern="1200">
+                <a:solidFill>
+                  <a:schemeClr val="dk1"/>
+                </a:solidFill>
+                <a:latin typeface="+mn-lt"/>
+                <a:ea typeface="+mn-ea"/>
+                <a:cs typeface="+mn-cs"/>
+              </a:defRPr>
+            </a:lvl6pPr>
+            <a:lvl7pPr marL="2468880" indent="-274320" algn="l" defTabSz="914400" rtl="0" eaLnBrk="1" latinLnBrk="0" hangingPunct="1">
+              <a:spcBef>
+                <a:spcPts val="400"/>
+              </a:spcBef>
+              <a:buClr>
+                <a:schemeClr val="accent1"/>
+              </a:buClr>
+              <a:buFont typeface="Wingdings" pitchFamily="2" charset="2"/>
+              <a:buChar char=""/>
+              <a:defRPr sz="1400" kern="1200">
+                <a:solidFill>
+                  <a:schemeClr val="dk1"/>
+                </a:solidFill>
+                <a:latin typeface="+mn-lt"/>
+                <a:ea typeface="+mn-ea"/>
+                <a:cs typeface="+mn-cs"/>
+              </a:defRPr>
+            </a:lvl7pPr>
+            <a:lvl8pPr marL="2788920" indent="-274320" algn="l" defTabSz="914400" rtl="0" eaLnBrk="1" latinLnBrk="0" hangingPunct="1">
+              <a:spcBef>
+                <a:spcPts val="400"/>
+              </a:spcBef>
+              <a:buClr>
+                <a:schemeClr val="accent1"/>
+              </a:buClr>
+              <a:buFont typeface="Wingdings" pitchFamily="2" charset="2"/>
+              <a:buChar char=""/>
+              <a:defRPr sz="1400" kern="1200">
+                <a:solidFill>
+                  <a:schemeClr val="dk1"/>
+                </a:solidFill>
+                <a:latin typeface="+mn-lt"/>
+                <a:ea typeface="+mn-ea"/>
+                <a:cs typeface="+mn-cs"/>
+              </a:defRPr>
+            </a:lvl8pPr>
+            <a:lvl9pPr marL="3108960" indent="-274320" algn="l" defTabSz="914400" rtl="0" eaLnBrk="1" latinLnBrk="0" hangingPunct="1">
+              <a:spcBef>
+                <a:spcPts val="400"/>
+              </a:spcBef>
+              <a:buClr>
+                <a:schemeClr val="accent1"/>
+              </a:buClr>
+              <a:buFont typeface="Wingdings" pitchFamily="2" charset="2"/>
+              <a:buChar char=""/>
+              <a:defRPr sz="1400" kern="1200">
+                <a:solidFill>
+                  <a:schemeClr val="dk1"/>
+                </a:solidFill>
+                <a:latin typeface="+mn-lt"/>
+                <a:ea typeface="+mn-ea"/>
+                <a:cs typeface="+mn-cs"/>
+              </a:defRPr>
+            </a:lvl9pPr>
+          </a:lstStyle>
+          <a:p>
+            <a:pPr marL="0" indent="0" algn="ctr">
+              <a:buFont typeface="Wingdings" pitchFamily="2" charset="2"/>
+              <a:buNone/>
+            </a:pPr>
+            <a:endParaRPr lang="fr-FR" dirty="0" smtClean="0">
+              <a:latin typeface="Times New Roman"/>
+              <a:cs typeface="Times New Roman"/>
+            </a:endParaRPr>
+          </a:p>
+          <a:p>
+            <a:endParaRPr lang="fr-FR" dirty="0" smtClean="0">
+              <a:latin typeface="Times New Roman"/>
+              <a:cs typeface="Times New Roman"/>
+            </a:endParaRPr>
+          </a:p>
+          <a:p>
+            <a:endParaRPr lang="fr-FR" dirty="0" smtClean="0">
+              <a:latin typeface="Times New Roman"/>
+              <a:cs typeface="Times New Roman"/>
+            </a:endParaRPr>
+          </a:p>
+          <a:p>
+            <a:endParaRPr lang="fr-FR" dirty="0">
+              <a:latin typeface="Times New Roman"/>
+              <a:cs typeface="Times New Roman"/>
+            </a:endParaRPr>
+          </a:p>
+          <a:p>
+            <a:r>
+              <a:rPr lang="fr-FR" dirty="0" smtClean="0">
+                <a:latin typeface="Times New Roman"/>
+                <a:cs typeface="Times New Roman"/>
+              </a:rPr>
+              <a:t>Documentation </a:t>
+            </a:r>
+          </a:p>
+          <a:p>
+            <a:endParaRPr lang="fr-FR" dirty="0" smtClean="0">
+              <a:latin typeface="Times New Roman"/>
+              <a:cs typeface="Times New Roman"/>
+            </a:endParaRPr>
+          </a:p>
+          <a:p>
+            <a:pPr marL="0" indent="0">
+              <a:buNone/>
+            </a:pPr>
+            <a:r>
+              <a:rPr lang="fr-FR" dirty="0" smtClean="0">
+                <a:latin typeface="Times New Roman"/>
+                <a:cs typeface="Times New Roman"/>
+              </a:rPr>
+              <a:t> </a:t>
+            </a:r>
+          </a:p>
+          <a:p>
+            <a:pPr marL="0" indent="0">
+              <a:buFont typeface="Wingdings" pitchFamily="2" charset="2"/>
+              <a:buNone/>
+            </a:pPr>
+            <a:endParaRPr lang="fr-FR" dirty="0" smtClean="0">
+              <a:latin typeface="Times New Roman"/>
+              <a:cs typeface="Times New Roman"/>
+            </a:endParaRPr>
+          </a:p>
+          <a:p>
+            <a:pPr marL="0" indent="0" algn="ctr">
+              <a:buFont typeface="Wingdings" pitchFamily="2" charset="2"/>
+              <a:buNone/>
+            </a:pPr>
+            <a:endParaRPr lang="fr-FR" dirty="0" smtClean="0">
+              <a:latin typeface="Times New Roman"/>
+              <a:cs typeface="Times New Roman"/>
+            </a:endParaRPr>
+          </a:p>
+          <a:p>
+            <a:pPr marL="0" indent="0" algn="ctr">
+              <a:buFont typeface="Wingdings" pitchFamily="2" charset="2"/>
+              <a:buNone/>
+            </a:pPr>
+            <a:endParaRPr lang="fr-FR" dirty="0" smtClean="0">
+              <a:latin typeface="Times New Roman"/>
+              <a:cs typeface="Times New Roman"/>
+            </a:endParaRPr>
+          </a:p>
+          <a:p>
+            <a:pPr marL="0" indent="0" algn="ctr">
+              <a:buFont typeface="Wingdings" pitchFamily="2" charset="2"/>
+              <a:buNone/>
+            </a:pPr>
+            <a:endParaRPr lang="fr-FR" dirty="0">
               <a:latin typeface="Times New Roman"/>
               <a:cs typeface="Times New Roman"/>
             </a:endParaRPr>
@@ -6426,18 +5823,4154 @@
     </p:spTree>
     <p:extLst>
       <p:ext uri="{BB962C8B-B14F-4D97-AF65-F5344CB8AC3E}">
-        <p14:creationId xmlns:p14="http://schemas.microsoft.com/office/powerpoint/2010/main" val="4078747186"/>
+        <p14:creationId xmlns:p14="http://schemas.microsoft.com/office/powerpoint/2010/main" val="101197137"/>
       </p:ext>
     </p:extLst>
   </p:cSld>
   <p:clrMapOvr>
     <a:masterClrMapping/>
   </p:clrMapOvr>
-  <mc:AlternateContent xmlns:mc="http://schemas.openxmlformats.org/markup-compatibility/2006">
-    <mc:Choice xmlns:p14="http://schemas.microsoft.com/office/powerpoint/2010/main" Requires="p14">
+  <mc:AlternateContent xmlns:mc="http://schemas.openxmlformats.org/markup-compatibility/2006" xmlns:p14="http://schemas.microsoft.com/office/powerpoint/2010/main">
+    <mc:Choice Requires="p14">
       <p:transition spd="slow" p14:dur="2000"/>
     </mc:Choice>
-    <mc:Fallback>
+    <mc:Fallback xmlns="">
+      <p:transition xmlns:p14="http://schemas.microsoft.com/office/powerpoint/2010/main" spd="slow"/>
+    </mc:Fallback>
+  </mc:AlternateContent>
+  <p:timing>
+    <p:tnLst>
+      <p:par>
+        <p:cTn xmlns:p14="http://schemas.microsoft.com/office/powerpoint/2010/main" id="1" dur="indefinite" restart="never" nodeType="tmRoot"/>
+      </p:par>
+    </p:tnLst>
+  </p:timing>
+</p:sld>
+</file>
+
+<file path=ppt/slides/slide12.xml><?xml version="1.0" encoding="utf-8"?>
+<p:sld xmlns:a="http://schemas.openxmlformats.org/drawingml/2006/main" xmlns:r="http://schemas.openxmlformats.org/officeDocument/2006/relationships" xmlns:p="http://schemas.openxmlformats.org/presentationml/2006/main">
+  <p:cSld>
+    <p:spTree>
+      <p:nvGrpSpPr>
+        <p:cNvPr id="1" name=""/>
+        <p:cNvGrpSpPr/>
+        <p:nvPr/>
+      </p:nvGrpSpPr>
+      <p:grpSpPr>
+        <a:xfrm>
+          <a:off x="0" y="0"/>
+          <a:ext cx="0" cy="0"/>
+          <a:chOff x="0" y="0"/>
+          <a:chExt cx="0" cy="0"/>
+        </a:xfrm>
+      </p:grpSpPr>
+      <p:sp>
+        <p:nvSpPr>
+          <p:cNvPr id="3" name="Espace réservé du contenu 2"/>
+          <p:cNvSpPr>
+            <a:spLocks noGrp="1"/>
+          </p:cNvSpPr>
+          <p:nvPr>
+            <p:ph idx="1"/>
+          </p:nvPr>
+        </p:nvSpPr>
+        <p:spPr>
+          <a:xfrm>
+            <a:off x="0" y="1506826"/>
+            <a:ext cx="4609352" cy="5132427"/>
+          </a:xfrm>
+          <a:noFill/>
+          <a:ln>
+            <a:noFill/>
+          </a:ln>
+        </p:spPr>
+        <p:style>
+          <a:lnRef idx="2">
+            <a:schemeClr val="dk1"/>
+          </a:lnRef>
+          <a:fillRef idx="1">
+            <a:schemeClr val="lt1"/>
+          </a:fillRef>
+          <a:effectRef idx="0">
+            <a:schemeClr val="dk1"/>
+          </a:effectRef>
+          <a:fontRef idx="minor">
+            <a:schemeClr val="dk1"/>
+          </a:fontRef>
+        </p:style>
+        <p:txBody>
+          <a:bodyPr>
+            <a:normAutofit/>
+          </a:bodyPr>
+          <a:lstStyle/>
+          <a:p>
+            <a:pPr marL="0" indent="0" algn="ctr">
+              <a:buNone/>
+            </a:pPr>
+            <a:r>
+              <a:rPr lang="fr-FR" sz="2400" dirty="0" smtClean="0">
+                <a:latin typeface="Times New Roman"/>
+                <a:cs typeface="Times New Roman"/>
+              </a:rPr>
+              <a:t>Réalisation des fonctions </a:t>
+            </a:r>
+            <a:r>
+              <a:rPr lang="fr-FR" sz="2400" dirty="0" err="1" smtClean="0">
+                <a:latin typeface="Times New Roman"/>
+                <a:cs typeface="Times New Roman"/>
+              </a:rPr>
+              <a:t>Accorder_guitare</a:t>
+            </a:r>
+            <a:r>
+              <a:rPr lang="fr-FR" sz="2400" dirty="0" smtClean="0">
+                <a:latin typeface="Times New Roman"/>
+                <a:cs typeface="Times New Roman"/>
+              </a:rPr>
+              <a:t> </a:t>
+            </a:r>
+            <a:endParaRPr lang="fr-FR" sz="2400" dirty="0" smtClean="0">
+              <a:latin typeface="Times New Roman"/>
+              <a:cs typeface="Times New Roman"/>
+            </a:endParaRPr>
+          </a:p>
+          <a:p>
+            <a:pPr marL="0" indent="0">
+              <a:buNone/>
+            </a:pPr>
+            <a:endParaRPr lang="fr-FR" dirty="0" smtClean="0">
+              <a:latin typeface="Times New Roman"/>
+              <a:cs typeface="Times New Roman"/>
+            </a:endParaRPr>
+          </a:p>
+          <a:p>
+            <a:r>
+              <a:rPr lang="fr-FR" dirty="0" smtClean="0">
+                <a:latin typeface="Times New Roman"/>
+                <a:cs typeface="Times New Roman"/>
+              </a:rPr>
+              <a:t>Assurer le bon fonctionnement de chaque fonction pré-écrites </a:t>
+            </a:r>
+          </a:p>
+          <a:p>
+            <a:endParaRPr lang="fr-FR" sz="2400" dirty="0">
+              <a:latin typeface="Times New Roman"/>
+              <a:cs typeface="Times New Roman"/>
+            </a:endParaRPr>
+          </a:p>
+          <a:p>
+            <a:r>
+              <a:rPr lang="fr-FR" dirty="0" smtClean="0">
+                <a:latin typeface="Times New Roman"/>
+                <a:cs typeface="Times New Roman"/>
+              </a:rPr>
+              <a:t>Assurer la « fusion » des ces fonctions en un script</a:t>
+            </a:r>
+            <a:endParaRPr lang="fr-FR" sz="2400" dirty="0">
+              <a:latin typeface="Times New Roman"/>
+              <a:cs typeface="Times New Roman"/>
+            </a:endParaRPr>
+          </a:p>
+          <a:p>
+            <a:pPr marL="0" indent="0" algn="ctr">
+              <a:buNone/>
+            </a:pPr>
+            <a:endParaRPr lang="fr-FR" sz="2400" dirty="0" smtClean="0">
+              <a:latin typeface="Times New Roman"/>
+              <a:cs typeface="Times New Roman"/>
+            </a:endParaRPr>
+          </a:p>
+          <a:p>
+            <a:pPr marL="0" indent="0" algn="ctr">
+              <a:buNone/>
+            </a:pPr>
+            <a:endParaRPr lang="fr-FR" sz="2400" dirty="0">
+              <a:latin typeface="Times New Roman"/>
+              <a:cs typeface="Times New Roman"/>
+            </a:endParaRPr>
+          </a:p>
+        </p:txBody>
+      </p:sp>
+      <p:sp>
+        <p:nvSpPr>
+          <p:cNvPr id="2" name="Titre 1"/>
+          <p:cNvSpPr>
+            <a:spLocks noGrp="1"/>
+          </p:cNvSpPr>
+          <p:nvPr>
+            <p:ph type="title"/>
+          </p:nvPr>
+        </p:nvSpPr>
+        <p:spPr>
+          <a:xfrm>
+            <a:off x="0" y="0"/>
+            <a:ext cx="8229600" cy="876300"/>
+          </a:xfrm>
+        </p:spPr>
+        <p:txBody>
+          <a:bodyPr>
+            <a:normAutofit/>
+          </a:bodyPr>
+          <a:lstStyle/>
+          <a:p>
+            <a:pPr algn="l"/>
+            <a:r>
+              <a:rPr lang="fr-FR" sz="4000" dirty="0" smtClean="0">
+                <a:latin typeface="Times New Roman"/>
+                <a:cs typeface="Times New Roman"/>
+              </a:rPr>
+              <a:t>II. Réalisation des </a:t>
+            </a:r>
+            <a:r>
+              <a:rPr lang="fr-FR" sz="4000" dirty="0" err="1" smtClean="0">
+                <a:latin typeface="Times New Roman"/>
+                <a:cs typeface="Times New Roman"/>
+              </a:rPr>
+              <a:t>MVP’s</a:t>
+            </a:r>
+            <a:endParaRPr lang="fr-FR" sz="4000" dirty="0">
+              <a:latin typeface="Times New Roman"/>
+              <a:cs typeface="Times New Roman"/>
+            </a:endParaRPr>
+          </a:p>
+        </p:txBody>
+      </p:sp>
+      <p:cxnSp>
+        <p:nvCxnSpPr>
+          <p:cNvPr id="7" name="Connecteur droit 6"/>
+          <p:cNvCxnSpPr/>
+          <p:nvPr/>
+        </p:nvCxnSpPr>
+        <p:spPr>
+          <a:xfrm flipV="1">
+            <a:off x="4609352" y="2243098"/>
+            <a:ext cx="0" cy="4076700"/>
+          </a:xfrm>
+          <a:prstGeom prst="line">
+            <a:avLst/>
+          </a:prstGeom>
+          <a:ln w="19050" cmpd="sng">
+            <a:solidFill>
+              <a:schemeClr val="tx1"/>
+            </a:solidFill>
+          </a:ln>
+        </p:spPr>
+        <p:style>
+          <a:lnRef idx="2">
+            <a:schemeClr val="dk1"/>
+          </a:lnRef>
+          <a:fillRef idx="0">
+            <a:schemeClr val="dk1"/>
+          </a:fillRef>
+          <a:effectRef idx="1">
+            <a:schemeClr val="dk1"/>
+          </a:effectRef>
+          <a:fontRef idx="minor">
+            <a:schemeClr val="tx1"/>
+          </a:fontRef>
+        </p:style>
+      </p:cxnSp>
+      <p:sp>
+        <p:nvSpPr>
+          <p:cNvPr id="11" name="ZoneTexte 10"/>
+          <p:cNvSpPr txBox="1"/>
+          <p:nvPr/>
+        </p:nvSpPr>
+        <p:spPr>
+          <a:xfrm>
+            <a:off x="4762500" y="1873766"/>
+            <a:ext cx="4381500" cy="369332"/>
+          </a:xfrm>
+          <a:prstGeom prst="rect">
+            <a:avLst/>
+          </a:prstGeom>
+          <a:noFill/>
+        </p:spPr>
+        <p:txBody>
+          <a:bodyPr wrap="square" rtlCol="0">
+            <a:spAutoFit/>
+          </a:bodyPr>
+          <a:lstStyle/>
+          <a:p>
+            <a:r>
+              <a:rPr lang="fr-FR" dirty="0" smtClean="0">
+                <a:latin typeface="Times New Roman"/>
+                <a:cs typeface="Times New Roman"/>
+              </a:rPr>
+              <a:t>  </a:t>
+            </a:r>
+            <a:endParaRPr lang="fr-FR" dirty="0">
+              <a:latin typeface="Times New Roman"/>
+              <a:cs typeface="Times New Roman"/>
+            </a:endParaRPr>
+          </a:p>
+        </p:txBody>
+      </p:sp>
+      <p:sp>
+        <p:nvSpPr>
+          <p:cNvPr id="13" name="ZoneTexte 12"/>
+          <p:cNvSpPr txBox="1"/>
+          <p:nvPr/>
+        </p:nvSpPr>
+        <p:spPr>
+          <a:xfrm>
+            <a:off x="4762500" y="1506827"/>
+            <a:ext cx="4381500" cy="461665"/>
+          </a:xfrm>
+          <a:prstGeom prst="rect">
+            <a:avLst/>
+          </a:prstGeom>
+          <a:noFill/>
+        </p:spPr>
+        <p:txBody>
+          <a:bodyPr wrap="square" rtlCol="0">
+            <a:spAutoFit/>
+          </a:bodyPr>
+          <a:lstStyle/>
+          <a:p>
+            <a:pPr algn="ctr"/>
+            <a:r>
+              <a:rPr lang="fr-FR" sz="2400" dirty="0" smtClean="0">
+                <a:latin typeface="Times New Roman"/>
+                <a:cs typeface="Times New Roman"/>
+              </a:rPr>
+              <a:t>Retranscription effectuée </a:t>
+            </a:r>
+          </a:p>
+        </p:txBody>
+      </p:sp>
+      <p:sp>
+        <p:nvSpPr>
+          <p:cNvPr id="6" name="ZoneTexte 5"/>
+          <p:cNvSpPr txBox="1"/>
+          <p:nvPr/>
+        </p:nvSpPr>
+        <p:spPr>
+          <a:xfrm>
+            <a:off x="4609352" y="3487066"/>
+            <a:ext cx="4534648" cy="369332"/>
+          </a:xfrm>
+          <a:prstGeom prst="rect">
+            <a:avLst/>
+          </a:prstGeom>
+          <a:noFill/>
+        </p:spPr>
+        <p:txBody>
+          <a:bodyPr wrap="square" rtlCol="0">
+            <a:spAutoFit/>
+          </a:bodyPr>
+          <a:lstStyle/>
+          <a:p>
+            <a:pPr algn="ctr"/>
+            <a:r>
+              <a:rPr lang="fr-FR" i="1" dirty="0" smtClean="0"/>
+              <a:t> </a:t>
+            </a:r>
+            <a:r>
+              <a:rPr lang="fr-FR" i="1" dirty="0" smtClean="0">
+                <a:hlinkClick r:id="rId2" action="ppaction://hlinkfile"/>
+              </a:rPr>
+              <a:t>accordeur/Accorder_guitare3.py</a:t>
+            </a:r>
+            <a:endParaRPr lang="fr-FR" i="1" dirty="0"/>
+          </a:p>
+        </p:txBody>
+      </p:sp>
+    </p:spTree>
+    <p:extLst>
+      <p:ext uri="{BB962C8B-B14F-4D97-AF65-F5344CB8AC3E}">
+        <p14:creationId xmlns:p14="http://schemas.microsoft.com/office/powerpoint/2010/main" val="3116721073"/>
+      </p:ext>
+    </p:extLst>
+  </p:cSld>
+  <p:clrMapOvr>
+    <a:masterClrMapping/>
+  </p:clrMapOvr>
+  <mc:AlternateContent xmlns:mc="http://schemas.openxmlformats.org/markup-compatibility/2006" xmlns:p14="http://schemas.microsoft.com/office/powerpoint/2010/main">
+    <mc:Choice Requires="p14">
+      <p:transition spd="slow" p14:dur="2000"/>
+    </mc:Choice>
+    <mc:Fallback xmlns="">
+      <p:transition xmlns:p14="http://schemas.microsoft.com/office/powerpoint/2010/main" spd="slow"/>
+    </mc:Fallback>
+  </mc:AlternateContent>
+  <p:timing>
+    <p:tnLst>
+      <p:par>
+        <p:cTn xmlns:p14="http://schemas.microsoft.com/office/powerpoint/2010/main" id="1" dur="indefinite" restart="never" nodeType="tmRoot"/>
+      </p:par>
+    </p:tnLst>
+  </p:timing>
+</p:sld>
+</file>
+
+<file path=ppt/slides/slide13.xml><?xml version="1.0" encoding="utf-8"?>
+<p:sld xmlns:a="http://schemas.openxmlformats.org/drawingml/2006/main" xmlns:r="http://schemas.openxmlformats.org/officeDocument/2006/relationships" xmlns:p="http://schemas.openxmlformats.org/presentationml/2006/main">
+  <p:cSld>
+    <p:spTree>
+      <p:nvGrpSpPr>
+        <p:cNvPr id="1" name=""/>
+        <p:cNvGrpSpPr/>
+        <p:nvPr/>
+      </p:nvGrpSpPr>
+      <p:grpSpPr>
+        <a:xfrm>
+          <a:off x="0" y="0"/>
+          <a:ext cx="0" cy="0"/>
+          <a:chOff x="0" y="0"/>
+          <a:chExt cx="0" cy="0"/>
+        </a:xfrm>
+      </p:grpSpPr>
+      <p:sp>
+        <p:nvSpPr>
+          <p:cNvPr id="3" name="Espace réservé du contenu 2"/>
+          <p:cNvSpPr>
+            <a:spLocks noGrp="1"/>
+          </p:cNvSpPr>
+          <p:nvPr>
+            <p:ph idx="1"/>
+          </p:nvPr>
+        </p:nvSpPr>
+        <p:spPr>
+          <a:xfrm>
+            <a:off x="0" y="1506827"/>
+            <a:ext cx="4427885" cy="5132426"/>
+          </a:xfrm>
+          <a:noFill/>
+          <a:ln>
+            <a:noFill/>
+          </a:ln>
+        </p:spPr>
+        <p:style>
+          <a:lnRef idx="2">
+            <a:schemeClr val="dk1"/>
+          </a:lnRef>
+          <a:fillRef idx="1">
+            <a:schemeClr val="lt1"/>
+          </a:fillRef>
+          <a:effectRef idx="0">
+            <a:schemeClr val="dk1"/>
+          </a:effectRef>
+          <a:fontRef idx="minor">
+            <a:schemeClr val="dk1"/>
+          </a:fontRef>
+        </p:style>
+        <p:txBody>
+          <a:bodyPr>
+            <a:normAutofit/>
+          </a:bodyPr>
+          <a:lstStyle/>
+          <a:p>
+            <a:pPr marL="0" indent="0" algn="ctr">
+              <a:buNone/>
+            </a:pPr>
+            <a:r>
+              <a:rPr lang="fr-FR" sz="2400" dirty="0" smtClean="0">
+                <a:latin typeface="Times New Roman"/>
+                <a:cs typeface="Times New Roman"/>
+              </a:rPr>
+              <a:t>Problèmes rencontrés</a:t>
+            </a:r>
+            <a:endParaRPr lang="fr-FR" dirty="0" smtClean="0">
+              <a:latin typeface="Times New Roman"/>
+              <a:cs typeface="Times New Roman"/>
+            </a:endParaRPr>
+          </a:p>
+          <a:p>
+            <a:endParaRPr lang="fr-FR" sz="2400" dirty="0" smtClean="0">
+              <a:latin typeface="Times New Roman"/>
+              <a:cs typeface="Times New Roman"/>
+            </a:endParaRPr>
+          </a:p>
+          <a:p>
+            <a:r>
+              <a:rPr lang="fr-FR" dirty="0" smtClean="0">
+                <a:latin typeface="Times New Roman"/>
+                <a:cs typeface="Times New Roman"/>
+              </a:rPr>
+              <a:t>Tentative de commande vocale</a:t>
+            </a:r>
+          </a:p>
+          <a:p>
+            <a:endParaRPr lang="fr-FR" sz="2400" dirty="0">
+              <a:latin typeface="Times New Roman"/>
+              <a:cs typeface="Times New Roman"/>
+            </a:endParaRPr>
+          </a:p>
+          <a:p>
+            <a:r>
+              <a:rPr lang="fr-FR" dirty="0" smtClean="0">
+                <a:latin typeface="Times New Roman"/>
+                <a:cs typeface="Times New Roman"/>
+              </a:rPr>
+              <a:t>Ecrire une sortie de programme volontaire</a:t>
+            </a:r>
+          </a:p>
+          <a:p>
+            <a:endParaRPr lang="fr-FR" sz="2400" dirty="0">
+              <a:latin typeface="Times New Roman"/>
+              <a:cs typeface="Times New Roman"/>
+            </a:endParaRPr>
+          </a:p>
+          <a:p>
+            <a:endParaRPr lang="fr-FR" sz="2400" dirty="0">
+              <a:latin typeface="Times New Roman"/>
+              <a:cs typeface="Times New Roman"/>
+            </a:endParaRPr>
+          </a:p>
+          <a:p>
+            <a:endParaRPr lang="fr-FR" dirty="0" smtClean="0">
+              <a:latin typeface="Times New Roman"/>
+              <a:cs typeface="Times New Roman"/>
+            </a:endParaRPr>
+          </a:p>
+          <a:p>
+            <a:pPr marL="0" indent="0">
+              <a:buNone/>
+            </a:pPr>
+            <a:endParaRPr lang="fr-FR" sz="2400" dirty="0" smtClean="0">
+              <a:latin typeface="Times New Roman"/>
+              <a:cs typeface="Times New Roman"/>
+            </a:endParaRPr>
+          </a:p>
+          <a:p>
+            <a:pPr marL="0" indent="0" algn="ctr">
+              <a:buNone/>
+            </a:pPr>
+            <a:endParaRPr lang="fr-FR" sz="2400" dirty="0">
+              <a:latin typeface="Times New Roman"/>
+              <a:cs typeface="Times New Roman"/>
+            </a:endParaRPr>
+          </a:p>
+          <a:p>
+            <a:pPr marL="0" indent="0" algn="ctr">
+              <a:buNone/>
+            </a:pPr>
+            <a:endParaRPr lang="fr-FR" sz="2400" dirty="0" smtClean="0">
+              <a:latin typeface="Times New Roman"/>
+              <a:cs typeface="Times New Roman"/>
+            </a:endParaRPr>
+          </a:p>
+          <a:p>
+            <a:pPr marL="0" indent="0" algn="ctr">
+              <a:buNone/>
+            </a:pPr>
+            <a:endParaRPr lang="fr-FR" sz="2400" dirty="0">
+              <a:latin typeface="Times New Roman"/>
+              <a:cs typeface="Times New Roman"/>
+            </a:endParaRPr>
+          </a:p>
+        </p:txBody>
+      </p:sp>
+      <p:sp>
+        <p:nvSpPr>
+          <p:cNvPr id="2" name="Titre 1"/>
+          <p:cNvSpPr>
+            <a:spLocks noGrp="1"/>
+          </p:cNvSpPr>
+          <p:nvPr>
+            <p:ph type="title"/>
+          </p:nvPr>
+        </p:nvSpPr>
+        <p:spPr>
+          <a:xfrm>
+            <a:off x="0" y="0"/>
+            <a:ext cx="8229600" cy="876300"/>
+          </a:xfrm>
+        </p:spPr>
+        <p:txBody>
+          <a:bodyPr>
+            <a:normAutofit/>
+          </a:bodyPr>
+          <a:lstStyle/>
+          <a:p>
+            <a:pPr algn="l"/>
+            <a:r>
+              <a:rPr lang="fr-FR" sz="4000" dirty="0" smtClean="0">
+                <a:latin typeface="Times New Roman"/>
+                <a:cs typeface="Times New Roman"/>
+              </a:rPr>
+              <a:t>II. Réalisation des </a:t>
+            </a:r>
+            <a:r>
+              <a:rPr lang="fr-FR" sz="4000" dirty="0" err="1" smtClean="0">
+                <a:latin typeface="Times New Roman"/>
+                <a:cs typeface="Times New Roman"/>
+              </a:rPr>
+              <a:t>MVP’s</a:t>
+            </a:r>
+            <a:endParaRPr lang="fr-FR" sz="4000" dirty="0">
+              <a:latin typeface="Times New Roman"/>
+              <a:cs typeface="Times New Roman"/>
+            </a:endParaRPr>
+          </a:p>
+        </p:txBody>
+      </p:sp>
+      <p:cxnSp>
+        <p:nvCxnSpPr>
+          <p:cNvPr id="7" name="Connecteur droit 6"/>
+          <p:cNvCxnSpPr/>
+          <p:nvPr/>
+        </p:nvCxnSpPr>
+        <p:spPr>
+          <a:xfrm flipV="1">
+            <a:off x="4609352" y="2243098"/>
+            <a:ext cx="0" cy="4076700"/>
+          </a:xfrm>
+          <a:prstGeom prst="line">
+            <a:avLst/>
+          </a:prstGeom>
+          <a:ln w="19050" cmpd="sng">
+            <a:solidFill>
+              <a:schemeClr val="tx1"/>
+            </a:solidFill>
+          </a:ln>
+        </p:spPr>
+        <p:style>
+          <a:lnRef idx="2">
+            <a:schemeClr val="dk1"/>
+          </a:lnRef>
+          <a:fillRef idx="0">
+            <a:schemeClr val="dk1"/>
+          </a:fillRef>
+          <a:effectRef idx="1">
+            <a:schemeClr val="dk1"/>
+          </a:effectRef>
+          <a:fontRef idx="minor">
+            <a:schemeClr val="tx1"/>
+          </a:fontRef>
+        </p:style>
+      </p:cxnSp>
+      <p:sp>
+        <p:nvSpPr>
+          <p:cNvPr id="11" name="ZoneTexte 10"/>
+          <p:cNvSpPr txBox="1"/>
+          <p:nvPr/>
+        </p:nvSpPr>
+        <p:spPr>
+          <a:xfrm>
+            <a:off x="4762500" y="1873766"/>
+            <a:ext cx="4381500" cy="369332"/>
+          </a:xfrm>
+          <a:prstGeom prst="rect">
+            <a:avLst/>
+          </a:prstGeom>
+          <a:noFill/>
+        </p:spPr>
+        <p:txBody>
+          <a:bodyPr wrap="square" rtlCol="0">
+            <a:spAutoFit/>
+          </a:bodyPr>
+          <a:lstStyle/>
+          <a:p>
+            <a:r>
+              <a:rPr lang="fr-FR" dirty="0" smtClean="0">
+                <a:latin typeface="Times New Roman"/>
+                <a:cs typeface="Times New Roman"/>
+              </a:rPr>
+              <a:t>  </a:t>
+            </a:r>
+            <a:endParaRPr lang="fr-FR" dirty="0">
+              <a:latin typeface="Times New Roman"/>
+              <a:cs typeface="Times New Roman"/>
+            </a:endParaRPr>
+          </a:p>
+        </p:txBody>
+      </p:sp>
+      <p:sp>
+        <p:nvSpPr>
+          <p:cNvPr id="8" name="Espace réservé du contenu 2"/>
+          <p:cNvSpPr txBox="1">
+            <a:spLocks/>
+          </p:cNvSpPr>
+          <p:nvPr/>
+        </p:nvSpPr>
+        <p:spPr>
+          <a:xfrm>
+            <a:off x="4762500" y="1506827"/>
+            <a:ext cx="4427885" cy="5132426"/>
+          </a:xfrm>
+          <a:prstGeom prst="rect">
+            <a:avLst/>
+          </a:prstGeom>
+          <a:noFill/>
+          <a:ln w="19050" cap="flat" cmpd="sng" algn="ctr">
+            <a:noFill/>
+            <a:prstDash val="solid"/>
+          </a:ln>
+        </p:spPr>
+        <p:style>
+          <a:lnRef idx="2">
+            <a:schemeClr val="dk1"/>
+          </a:lnRef>
+          <a:fillRef idx="1">
+            <a:schemeClr val="lt1"/>
+          </a:fillRef>
+          <a:effectRef idx="0">
+            <a:schemeClr val="dk1"/>
+          </a:effectRef>
+          <a:fontRef idx="minor">
+            <a:schemeClr val="dk1"/>
+          </a:fontRef>
+        </p:style>
+        <p:txBody>
+          <a:bodyPr vert="horz" lIns="91440" tIns="45720" rIns="91440" bIns="45720" rtlCol="0">
+            <a:normAutofit/>
+          </a:bodyPr>
+          <a:lstStyle>
+            <a:lvl1pPr marL="365760" indent="-365760" algn="l" defTabSz="914400" rtl="0" eaLnBrk="1" latinLnBrk="0" hangingPunct="1">
+              <a:spcBef>
+                <a:spcPct val="20000"/>
+              </a:spcBef>
+              <a:buClr>
+                <a:schemeClr val="accent1"/>
+              </a:buClr>
+              <a:buFont typeface="Wingdings" pitchFamily="2" charset="2"/>
+              <a:buChar char=""/>
+              <a:defRPr sz="2400" kern="1200">
+                <a:solidFill>
+                  <a:schemeClr val="dk1"/>
+                </a:solidFill>
+                <a:latin typeface="+mn-lt"/>
+                <a:ea typeface="+mn-ea"/>
+                <a:cs typeface="+mn-cs"/>
+              </a:defRPr>
+            </a:lvl1pPr>
+            <a:lvl2pPr marL="777240" indent="-365760" algn="l" defTabSz="914400" rtl="0" eaLnBrk="1" latinLnBrk="0" hangingPunct="1">
+              <a:spcBef>
+                <a:spcPct val="20000"/>
+              </a:spcBef>
+              <a:buClr>
+                <a:schemeClr val="accent1"/>
+              </a:buClr>
+              <a:buFont typeface="Wingdings" pitchFamily="2" charset="2"/>
+              <a:buChar char=""/>
+              <a:defRPr sz="2200" kern="1200">
+                <a:solidFill>
+                  <a:schemeClr val="dk1"/>
+                </a:solidFill>
+                <a:latin typeface="+mn-lt"/>
+                <a:ea typeface="+mn-ea"/>
+                <a:cs typeface="+mn-cs"/>
+              </a:defRPr>
+            </a:lvl2pPr>
+            <a:lvl3pPr marL="1143000" indent="-365760" algn="l" defTabSz="914400" rtl="0" eaLnBrk="1" latinLnBrk="0" hangingPunct="1">
+              <a:spcBef>
+                <a:spcPct val="20000"/>
+              </a:spcBef>
+              <a:buClr>
+                <a:schemeClr val="accent1"/>
+              </a:buClr>
+              <a:buFont typeface="Wingdings" pitchFamily="2" charset="2"/>
+              <a:buChar char=""/>
+              <a:defRPr sz="2000" kern="1200">
+                <a:solidFill>
+                  <a:schemeClr val="dk1"/>
+                </a:solidFill>
+                <a:latin typeface="+mn-lt"/>
+                <a:ea typeface="+mn-ea"/>
+                <a:cs typeface="+mn-cs"/>
+              </a:defRPr>
+            </a:lvl3pPr>
+            <a:lvl4pPr marL="1508760" indent="-320040" algn="l" defTabSz="914400" rtl="0" eaLnBrk="1" latinLnBrk="0" hangingPunct="1">
+              <a:spcBef>
+                <a:spcPct val="20000"/>
+              </a:spcBef>
+              <a:buClr>
+                <a:schemeClr val="accent1"/>
+              </a:buClr>
+              <a:buFont typeface="Wingdings" pitchFamily="2" charset="2"/>
+              <a:buChar char=""/>
+              <a:defRPr sz="1800" kern="1200">
+                <a:solidFill>
+                  <a:schemeClr val="dk1"/>
+                </a:solidFill>
+                <a:latin typeface="+mn-lt"/>
+                <a:ea typeface="+mn-ea"/>
+                <a:cs typeface="+mn-cs"/>
+              </a:defRPr>
+            </a:lvl4pPr>
+            <a:lvl5pPr marL="1828800" indent="-320040" algn="l" defTabSz="914400" rtl="0" eaLnBrk="1" latinLnBrk="0" hangingPunct="1">
+              <a:spcBef>
+                <a:spcPct val="20000"/>
+              </a:spcBef>
+              <a:buClr>
+                <a:schemeClr val="accent1"/>
+              </a:buClr>
+              <a:buFont typeface="Wingdings" pitchFamily="2" charset="2"/>
+              <a:buChar char=""/>
+              <a:defRPr sz="1600" kern="1200">
+                <a:solidFill>
+                  <a:schemeClr val="dk1"/>
+                </a:solidFill>
+                <a:latin typeface="+mn-lt"/>
+                <a:ea typeface="+mn-ea"/>
+                <a:cs typeface="+mn-cs"/>
+              </a:defRPr>
+            </a:lvl5pPr>
+            <a:lvl6pPr marL="2148840" indent="-274320" algn="l" defTabSz="914400" rtl="0" eaLnBrk="1" latinLnBrk="0" hangingPunct="1">
+              <a:spcBef>
+                <a:spcPts val="400"/>
+              </a:spcBef>
+              <a:buClr>
+                <a:schemeClr val="accent1"/>
+              </a:buClr>
+              <a:buFont typeface="Wingdings" pitchFamily="2" charset="2"/>
+              <a:buChar char=""/>
+              <a:defRPr sz="1400" kern="1200">
+                <a:solidFill>
+                  <a:schemeClr val="dk1"/>
+                </a:solidFill>
+                <a:latin typeface="+mn-lt"/>
+                <a:ea typeface="+mn-ea"/>
+                <a:cs typeface="+mn-cs"/>
+              </a:defRPr>
+            </a:lvl6pPr>
+            <a:lvl7pPr marL="2468880" indent="-274320" algn="l" defTabSz="914400" rtl="0" eaLnBrk="1" latinLnBrk="0" hangingPunct="1">
+              <a:spcBef>
+                <a:spcPts val="400"/>
+              </a:spcBef>
+              <a:buClr>
+                <a:schemeClr val="accent1"/>
+              </a:buClr>
+              <a:buFont typeface="Wingdings" pitchFamily="2" charset="2"/>
+              <a:buChar char=""/>
+              <a:defRPr sz="1400" kern="1200">
+                <a:solidFill>
+                  <a:schemeClr val="dk1"/>
+                </a:solidFill>
+                <a:latin typeface="+mn-lt"/>
+                <a:ea typeface="+mn-ea"/>
+                <a:cs typeface="+mn-cs"/>
+              </a:defRPr>
+            </a:lvl7pPr>
+            <a:lvl8pPr marL="2788920" indent="-274320" algn="l" defTabSz="914400" rtl="0" eaLnBrk="1" latinLnBrk="0" hangingPunct="1">
+              <a:spcBef>
+                <a:spcPts val="400"/>
+              </a:spcBef>
+              <a:buClr>
+                <a:schemeClr val="accent1"/>
+              </a:buClr>
+              <a:buFont typeface="Wingdings" pitchFamily="2" charset="2"/>
+              <a:buChar char=""/>
+              <a:defRPr sz="1400" kern="1200">
+                <a:solidFill>
+                  <a:schemeClr val="dk1"/>
+                </a:solidFill>
+                <a:latin typeface="+mn-lt"/>
+                <a:ea typeface="+mn-ea"/>
+                <a:cs typeface="+mn-cs"/>
+              </a:defRPr>
+            </a:lvl8pPr>
+            <a:lvl9pPr marL="3108960" indent="-274320" algn="l" defTabSz="914400" rtl="0" eaLnBrk="1" latinLnBrk="0" hangingPunct="1">
+              <a:spcBef>
+                <a:spcPts val="400"/>
+              </a:spcBef>
+              <a:buClr>
+                <a:schemeClr val="accent1"/>
+              </a:buClr>
+              <a:buFont typeface="Wingdings" pitchFamily="2" charset="2"/>
+              <a:buChar char=""/>
+              <a:defRPr sz="1400" kern="1200">
+                <a:solidFill>
+                  <a:schemeClr val="dk1"/>
+                </a:solidFill>
+                <a:latin typeface="+mn-lt"/>
+                <a:ea typeface="+mn-ea"/>
+                <a:cs typeface="+mn-cs"/>
+              </a:defRPr>
+            </a:lvl9pPr>
+          </a:lstStyle>
+          <a:p>
+            <a:pPr marL="0" indent="0" algn="ctr">
+              <a:buFont typeface="Wingdings" pitchFamily="2" charset="2"/>
+              <a:buNone/>
+            </a:pPr>
+            <a:r>
+              <a:rPr lang="fr-FR" dirty="0" smtClean="0">
+                <a:latin typeface="Times New Roman"/>
+                <a:cs typeface="Times New Roman"/>
+              </a:rPr>
+              <a:t>Solutions apportées</a:t>
+            </a:r>
+          </a:p>
+          <a:p>
+            <a:endParaRPr lang="fr-FR" dirty="0" smtClean="0">
+              <a:latin typeface="Times New Roman"/>
+              <a:cs typeface="Times New Roman"/>
+            </a:endParaRPr>
+          </a:p>
+          <a:p>
+            <a:pPr marL="0" indent="0" algn="ctr">
+              <a:buNone/>
+            </a:pPr>
+            <a:r>
+              <a:rPr lang="fr-FR" dirty="0" smtClean="0">
+                <a:latin typeface="Times New Roman"/>
+                <a:cs typeface="Times New Roman"/>
+              </a:rPr>
+              <a:t>	Les solutions ne se résument qu’à des essais infructueux par manque de temps</a:t>
+            </a:r>
+          </a:p>
+          <a:p>
+            <a:pPr marL="0" indent="0">
+              <a:buFont typeface="Wingdings" pitchFamily="2" charset="2"/>
+              <a:buNone/>
+            </a:pPr>
+            <a:endParaRPr lang="fr-FR" dirty="0" smtClean="0">
+              <a:latin typeface="Times New Roman"/>
+              <a:cs typeface="Times New Roman"/>
+            </a:endParaRPr>
+          </a:p>
+          <a:p>
+            <a:pPr marL="0" indent="0" algn="ctr">
+              <a:buFont typeface="Wingdings" pitchFamily="2" charset="2"/>
+              <a:buNone/>
+            </a:pPr>
+            <a:endParaRPr lang="fr-FR" dirty="0" smtClean="0">
+              <a:latin typeface="Times New Roman"/>
+              <a:cs typeface="Times New Roman"/>
+            </a:endParaRPr>
+          </a:p>
+          <a:p>
+            <a:pPr marL="0" indent="0" algn="ctr">
+              <a:buFont typeface="Wingdings" pitchFamily="2" charset="2"/>
+              <a:buNone/>
+            </a:pPr>
+            <a:endParaRPr lang="fr-FR" dirty="0" smtClean="0">
+              <a:latin typeface="Times New Roman"/>
+              <a:cs typeface="Times New Roman"/>
+            </a:endParaRPr>
+          </a:p>
+          <a:p>
+            <a:pPr marL="0" indent="0" algn="ctr">
+              <a:buFont typeface="Wingdings" pitchFamily="2" charset="2"/>
+              <a:buNone/>
+            </a:pPr>
+            <a:endParaRPr lang="fr-FR" dirty="0">
+              <a:latin typeface="Times New Roman"/>
+              <a:cs typeface="Times New Roman"/>
+            </a:endParaRPr>
+          </a:p>
+        </p:txBody>
+      </p:sp>
+    </p:spTree>
+    <p:extLst>
+      <p:ext uri="{BB962C8B-B14F-4D97-AF65-F5344CB8AC3E}">
+        <p14:creationId xmlns:p14="http://schemas.microsoft.com/office/powerpoint/2010/main" val="1826338545"/>
+      </p:ext>
+    </p:extLst>
+  </p:cSld>
+  <p:clrMapOvr>
+    <a:masterClrMapping/>
+  </p:clrMapOvr>
+  <mc:AlternateContent xmlns:mc="http://schemas.openxmlformats.org/markup-compatibility/2006" xmlns:p14="http://schemas.microsoft.com/office/powerpoint/2010/main">
+    <mc:Choice Requires="p14">
+      <p:transition spd="slow" p14:dur="2000"/>
+    </mc:Choice>
+    <mc:Fallback xmlns="">
+      <p:transition xmlns:p14="http://schemas.microsoft.com/office/powerpoint/2010/main" spd="slow"/>
+    </mc:Fallback>
+  </mc:AlternateContent>
+  <p:timing>
+    <p:tnLst>
+      <p:par>
+        <p:cTn xmlns:p14="http://schemas.microsoft.com/office/powerpoint/2010/main" id="1" dur="indefinite" restart="never" nodeType="tmRoot"/>
+      </p:par>
+    </p:tnLst>
+  </p:timing>
+</p:sld>
+</file>
+
+<file path=ppt/slides/slide14.xml><?xml version="1.0" encoding="utf-8"?>
+<p:sld xmlns:a="http://schemas.openxmlformats.org/drawingml/2006/main" xmlns:r="http://schemas.openxmlformats.org/officeDocument/2006/relationships" xmlns:p="http://schemas.openxmlformats.org/presentationml/2006/main">
+  <p:cSld>
+    <p:spTree>
+      <p:nvGrpSpPr>
+        <p:cNvPr id="1" name=""/>
+        <p:cNvGrpSpPr/>
+        <p:nvPr/>
+      </p:nvGrpSpPr>
+      <p:grpSpPr>
+        <a:xfrm>
+          <a:off x="0" y="0"/>
+          <a:ext cx="0" cy="0"/>
+          <a:chOff x="0" y="0"/>
+          <a:chExt cx="0" cy="0"/>
+        </a:xfrm>
+      </p:grpSpPr>
+      <p:sp>
+        <p:nvSpPr>
+          <p:cNvPr id="2" name="Titre 1"/>
+          <p:cNvSpPr>
+            <a:spLocks noGrp="1"/>
+          </p:cNvSpPr>
+          <p:nvPr>
+            <p:ph type="title"/>
+          </p:nvPr>
+        </p:nvSpPr>
+        <p:spPr>
+          <a:xfrm>
+            <a:off x="0" y="0"/>
+            <a:ext cx="8229600" cy="876300"/>
+          </a:xfrm>
+        </p:spPr>
+        <p:txBody>
+          <a:bodyPr>
+            <a:normAutofit/>
+          </a:bodyPr>
+          <a:lstStyle/>
+          <a:p>
+            <a:pPr algn="l"/>
+            <a:r>
+              <a:rPr lang="fr-FR" sz="4000" dirty="0" smtClean="0">
+                <a:latin typeface="Times New Roman"/>
+                <a:cs typeface="Times New Roman"/>
+              </a:rPr>
+              <a:t>III. Conclusion</a:t>
+            </a:r>
+            <a:endParaRPr lang="fr-FR" sz="4000" dirty="0">
+              <a:latin typeface="Times New Roman"/>
+              <a:cs typeface="Times New Roman"/>
+            </a:endParaRPr>
+          </a:p>
+        </p:txBody>
+      </p:sp>
+      <p:sp>
+        <p:nvSpPr>
+          <p:cNvPr id="11" name="ZoneTexte 10"/>
+          <p:cNvSpPr txBox="1"/>
+          <p:nvPr/>
+        </p:nvSpPr>
+        <p:spPr>
+          <a:xfrm>
+            <a:off x="4762500" y="1873766"/>
+            <a:ext cx="4381500" cy="369332"/>
+          </a:xfrm>
+          <a:prstGeom prst="rect">
+            <a:avLst/>
+          </a:prstGeom>
+          <a:noFill/>
+        </p:spPr>
+        <p:txBody>
+          <a:bodyPr wrap="square" rtlCol="0">
+            <a:spAutoFit/>
+          </a:bodyPr>
+          <a:lstStyle/>
+          <a:p>
+            <a:r>
+              <a:rPr lang="fr-FR" dirty="0" smtClean="0">
+                <a:latin typeface="Times New Roman"/>
+                <a:cs typeface="Times New Roman"/>
+              </a:rPr>
+              <a:t>  </a:t>
+            </a:r>
+            <a:endParaRPr lang="fr-FR" dirty="0">
+              <a:latin typeface="Times New Roman"/>
+              <a:cs typeface="Times New Roman"/>
+            </a:endParaRPr>
+          </a:p>
+        </p:txBody>
+      </p:sp>
+      <p:sp>
+        <p:nvSpPr>
+          <p:cNvPr id="4" name="Espace réservé du contenu 3"/>
+          <p:cNvSpPr>
+            <a:spLocks noGrp="1"/>
+          </p:cNvSpPr>
+          <p:nvPr>
+            <p:ph idx="1"/>
+          </p:nvPr>
+        </p:nvSpPr>
+        <p:spPr>
+          <a:xfrm>
+            <a:off x="0" y="876300"/>
+            <a:ext cx="9144000" cy="5981700"/>
+          </a:xfrm>
+        </p:spPr>
+        <p:txBody>
+          <a:bodyPr>
+            <a:normAutofit fontScale="92500" lnSpcReduction="10000"/>
+          </a:bodyPr>
+          <a:lstStyle/>
+          <a:p>
+            <a:pPr marL="0" indent="0">
+              <a:buNone/>
+            </a:pPr>
+            <a:endParaRPr lang="fr-FR" dirty="0" smtClean="0"/>
+          </a:p>
+          <a:p>
+            <a:pPr marL="0" indent="0">
+              <a:buNone/>
+            </a:pPr>
+            <a:r>
+              <a:rPr lang="fr-FR" dirty="0">
+                <a:latin typeface="Times New Roman"/>
+                <a:cs typeface="Times New Roman"/>
+              </a:rPr>
+              <a:t>	</a:t>
+            </a:r>
+            <a:r>
+              <a:rPr lang="fr-FR" sz="2800" dirty="0" smtClean="0">
+                <a:latin typeface="Times New Roman"/>
+                <a:cs typeface="Times New Roman"/>
+              </a:rPr>
+              <a:t>Point sur les objectifs et sur l’avancée globale du 		projet </a:t>
+            </a:r>
+          </a:p>
+          <a:p>
+            <a:pPr marL="0" indent="0">
+              <a:buNone/>
+            </a:pPr>
+            <a:endParaRPr lang="fr-FR" sz="2800" dirty="0"/>
+          </a:p>
+          <a:p>
+            <a:r>
+              <a:rPr lang="fr-FR" dirty="0"/>
+              <a:t> </a:t>
+            </a:r>
+            <a:r>
+              <a:rPr lang="fr-FR" dirty="0" smtClean="0"/>
+              <a:t>Reconnaître une note </a:t>
+            </a:r>
+          </a:p>
+          <a:p>
+            <a:pPr lvl="1">
+              <a:buFont typeface="Wingdings" charset="2"/>
+              <a:buChar char="Ø"/>
+            </a:pPr>
+            <a:r>
+              <a:rPr lang="fr-FR" sz="2600" dirty="0" smtClean="0"/>
+              <a:t>Programme fonctionne mais de façon limitée</a:t>
+            </a:r>
+          </a:p>
+          <a:p>
+            <a:pPr marL="411480" lvl="1" indent="0">
+              <a:buNone/>
+            </a:pPr>
+            <a:endParaRPr lang="fr-FR" sz="2600" dirty="0" smtClean="0"/>
+          </a:p>
+          <a:p>
+            <a:r>
+              <a:rPr lang="fr-FR" dirty="0" smtClean="0"/>
+              <a:t>Accord d’une guitare </a:t>
+            </a:r>
+            <a:endParaRPr lang="fr-FR" dirty="0"/>
+          </a:p>
+          <a:p>
+            <a:pPr lvl="1">
+              <a:buFont typeface="Wingdings" charset="2"/>
+              <a:buChar char="Ø"/>
+            </a:pPr>
+            <a:r>
+              <a:rPr lang="fr-FR" sz="2600" dirty="0"/>
+              <a:t>Programme fonctionne mais de façon </a:t>
+            </a:r>
+            <a:r>
+              <a:rPr lang="fr-FR" sz="2600" dirty="0" smtClean="0"/>
+              <a:t>limitée</a:t>
+            </a:r>
+          </a:p>
+          <a:p>
+            <a:pPr marL="411480" lvl="1" indent="0">
+              <a:buNone/>
+            </a:pPr>
+            <a:endParaRPr lang="fr-FR" sz="2600" dirty="0"/>
+          </a:p>
+          <a:p>
+            <a:r>
+              <a:rPr lang="fr-FR" dirty="0" smtClean="0"/>
+              <a:t>Accord d’un instrument quelconque</a:t>
+            </a:r>
+            <a:endParaRPr lang="fr-FR" dirty="0"/>
+          </a:p>
+          <a:p>
+            <a:pPr lvl="1">
+              <a:buFont typeface="Wingdings" charset="2"/>
+              <a:buChar char="Ø"/>
+            </a:pPr>
+            <a:r>
+              <a:rPr lang="fr-FR" sz="2600" dirty="0" smtClean="0"/>
+              <a:t>Non abordée</a:t>
+            </a:r>
+          </a:p>
+          <a:p>
+            <a:pPr lvl="1">
+              <a:buFont typeface="Wingdings" charset="2"/>
+              <a:buChar char="Ø"/>
+            </a:pPr>
+            <a:endParaRPr lang="fr-FR" sz="2600" dirty="0"/>
+          </a:p>
+          <a:p>
+            <a:r>
+              <a:rPr lang="fr-FR" dirty="0" smtClean="0"/>
+              <a:t>Retranscrire une partition  </a:t>
+            </a:r>
+            <a:endParaRPr lang="fr-FR" dirty="0"/>
+          </a:p>
+          <a:p>
+            <a:pPr lvl="1">
+              <a:buFont typeface="Wingdings" charset="2"/>
+              <a:buChar char="Ø"/>
+            </a:pPr>
+            <a:r>
+              <a:rPr lang="fr-FR" sz="2600" dirty="0" smtClean="0"/>
+              <a:t>Non abordée</a:t>
+            </a:r>
+            <a:endParaRPr lang="fr-FR" sz="2600" dirty="0"/>
+          </a:p>
+          <a:p>
+            <a:pPr marL="411480" lvl="1" indent="0">
+              <a:buNone/>
+            </a:pPr>
+            <a:endParaRPr lang="fr-FR" sz="2600" dirty="0"/>
+          </a:p>
+          <a:p>
+            <a:pPr marL="411480" lvl="1" indent="0">
+              <a:buNone/>
+            </a:pPr>
+            <a:endParaRPr lang="fr-FR" sz="2600" dirty="0"/>
+          </a:p>
+        </p:txBody>
+      </p:sp>
+    </p:spTree>
+    <p:extLst>
+      <p:ext uri="{BB962C8B-B14F-4D97-AF65-F5344CB8AC3E}">
+        <p14:creationId xmlns:p14="http://schemas.microsoft.com/office/powerpoint/2010/main" val="761049742"/>
+      </p:ext>
+    </p:extLst>
+  </p:cSld>
+  <p:clrMapOvr>
+    <a:masterClrMapping/>
+  </p:clrMapOvr>
+  <mc:AlternateContent xmlns:mc="http://schemas.openxmlformats.org/markup-compatibility/2006" xmlns:p14="http://schemas.microsoft.com/office/powerpoint/2010/main">
+    <mc:Choice Requires="p14">
+      <p:transition spd="slow" p14:dur="2000"/>
+    </mc:Choice>
+    <mc:Fallback xmlns="">
+      <p:transition xmlns:p14="http://schemas.microsoft.com/office/powerpoint/2010/main" spd="slow"/>
+    </mc:Fallback>
+  </mc:AlternateContent>
+  <p:timing>
+    <p:tnLst>
+      <p:par>
+        <p:cTn xmlns:p14="http://schemas.microsoft.com/office/powerpoint/2010/main" id="1" dur="indefinite" restart="never" nodeType="tmRoot"/>
+      </p:par>
+    </p:tnLst>
+  </p:timing>
+</p:sld>
+</file>
+
+<file path=ppt/slides/slide15.xml><?xml version="1.0" encoding="utf-8"?>
+<p:sld xmlns:a="http://schemas.openxmlformats.org/drawingml/2006/main" xmlns:r="http://schemas.openxmlformats.org/officeDocument/2006/relationships" xmlns:p="http://schemas.openxmlformats.org/presentationml/2006/main">
+  <p:cSld>
+    <p:spTree>
+      <p:nvGrpSpPr>
+        <p:cNvPr id="1" name=""/>
+        <p:cNvGrpSpPr/>
+        <p:nvPr/>
+      </p:nvGrpSpPr>
+      <p:grpSpPr>
+        <a:xfrm>
+          <a:off x="0" y="0"/>
+          <a:ext cx="0" cy="0"/>
+          <a:chOff x="0" y="0"/>
+          <a:chExt cx="0" cy="0"/>
+        </a:xfrm>
+      </p:grpSpPr>
+      <p:sp>
+        <p:nvSpPr>
+          <p:cNvPr id="2" name="Titre 1"/>
+          <p:cNvSpPr>
+            <a:spLocks noGrp="1"/>
+          </p:cNvSpPr>
+          <p:nvPr>
+            <p:ph type="title"/>
+          </p:nvPr>
+        </p:nvSpPr>
+        <p:spPr>
+          <a:xfrm>
+            <a:off x="0" y="0"/>
+            <a:ext cx="8229600" cy="876300"/>
+          </a:xfrm>
+        </p:spPr>
+        <p:txBody>
+          <a:bodyPr>
+            <a:normAutofit/>
+          </a:bodyPr>
+          <a:lstStyle/>
+          <a:p>
+            <a:pPr algn="l"/>
+            <a:r>
+              <a:rPr lang="fr-FR" sz="4000" dirty="0" smtClean="0">
+                <a:latin typeface="Times New Roman"/>
+                <a:cs typeface="Times New Roman"/>
+              </a:rPr>
+              <a:t>III. Conclusion</a:t>
+            </a:r>
+            <a:endParaRPr lang="fr-FR" sz="4000" dirty="0">
+              <a:latin typeface="Times New Roman"/>
+              <a:cs typeface="Times New Roman"/>
+            </a:endParaRPr>
+          </a:p>
+        </p:txBody>
+      </p:sp>
+      <p:sp>
+        <p:nvSpPr>
+          <p:cNvPr id="11" name="ZoneTexte 10"/>
+          <p:cNvSpPr txBox="1"/>
+          <p:nvPr/>
+        </p:nvSpPr>
+        <p:spPr>
+          <a:xfrm>
+            <a:off x="4762500" y="1873766"/>
+            <a:ext cx="4381500" cy="369332"/>
+          </a:xfrm>
+          <a:prstGeom prst="rect">
+            <a:avLst/>
+          </a:prstGeom>
+          <a:noFill/>
+        </p:spPr>
+        <p:txBody>
+          <a:bodyPr wrap="square" rtlCol="0">
+            <a:spAutoFit/>
+          </a:bodyPr>
+          <a:lstStyle/>
+          <a:p>
+            <a:r>
+              <a:rPr lang="fr-FR" dirty="0" smtClean="0">
+                <a:latin typeface="Times New Roman"/>
+                <a:cs typeface="Times New Roman"/>
+              </a:rPr>
+              <a:t>  </a:t>
+            </a:r>
+            <a:endParaRPr lang="fr-FR" dirty="0">
+              <a:latin typeface="Times New Roman"/>
+              <a:cs typeface="Times New Roman"/>
+            </a:endParaRPr>
+          </a:p>
+        </p:txBody>
+      </p:sp>
+      <p:sp>
+        <p:nvSpPr>
+          <p:cNvPr id="4" name="Espace réservé du contenu 3"/>
+          <p:cNvSpPr>
+            <a:spLocks noGrp="1"/>
+          </p:cNvSpPr>
+          <p:nvPr>
+            <p:ph idx="1"/>
+          </p:nvPr>
+        </p:nvSpPr>
+        <p:spPr>
+          <a:xfrm>
+            <a:off x="0" y="876300"/>
+            <a:ext cx="9144000" cy="5490798"/>
+          </a:xfrm>
+        </p:spPr>
+        <p:txBody>
+          <a:bodyPr>
+            <a:normAutofit/>
+          </a:bodyPr>
+          <a:lstStyle/>
+          <a:p>
+            <a:pPr marL="0" indent="0">
+              <a:buNone/>
+            </a:pPr>
+            <a:endParaRPr lang="fr-FR" dirty="0" smtClean="0"/>
+          </a:p>
+          <a:p>
+            <a:pPr marL="0" indent="0">
+              <a:buNone/>
+            </a:pPr>
+            <a:r>
+              <a:rPr lang="fr-FR" dirty="0"/>
+              <a:t>	</a:t>
+            </a:r>
+            <a:r>
+              <a:rPr lang="fr-FR" sz="2800" dirty="0" smtClean="0"/>
+              <a:t>Limites du projet</a:t>
+            </a:r>
+          </a:p>
+          <a:p>
+            <a:pPr marL="0" indent="0">
+              <a:buNone/>
+            </a:pPr>
+            <a:endParaRPr lang="fr-FR" sz="2800" dirty="0"/>
+          </a:p>
+          <a:p>
+            <a:pPr marL="0" indent="0">
+              <a:buNone/>
+            </a:pPr>
+            <a:endParaRPr lang="fr-FR" sz="2800" dirty="0" smtClean="0"/>
+          </a:p>
+          <a:p>
+            <a:pPr marL="457200" indent="-457200">
+              <a:buFont typeface="+mj-lt"/>
+              <a:buAutoNum type="arabicPeriod"/>
+            </a:pPr>
+            <a:r>
+              <a:rPr lang="fr-FR" sz="2800" dirty="0" smtClean="0"/>
+              <a:t>Notes graves non reconnues</a:t>
+            </a:r>
+          </a:p>
+          <a:p>
+            <a:pPr marL="457200" indent="-457200">
+              <a:buFont typeface="+mj-lt"/>
+              <a:buAutoNum type="arabicPeriod"/>
+            </a:pPr>
+            <a:r>
+              <a:rPr lang="fr-FR" sz="2800" dirty="0" smtClean="0"/>
+              <a:t>Irrégularité du fonctionnement</a:t>
+            </a:r>
+          </a:p>
+          <a:p>
+            <a:pPr marL="457200" indent="-457200">
+              <a:buFont typeface="+mj-lt"/>
+              <a:buAutoNum type="arabicPeriod"/>
+            </a:pPr>
+            <a:r>
+              <a:rPr lang="fr-FR" sz="2800" dirty="0" smtClean="0"/>
+              <a:t>Connexion </a:t>
+            </a:r>
+            <a:r>
+              <a:rPr lang="fr-FR" sz="2800" dirty="0" err="1" smtClean="0"/>
+              <a:t>Raspberry</a:t>
+            </a:r>
+            <a:endParaRPr lang="fr-FR" sz="2800" dirty="0" smtClean="0"/>
+          </a:p>
+          <a:p>
+            <a:pPr marL="457200" indent="-457200">
+              <a:buFont typeface="+mj-lt"/>
+              <a:buAutoNum type="arabicPeriod"/>
+            </a:pPr>
+            <a:r>
+              <a:rPr lang="fr-FR" sz="2800" dirty="0" smtClean="0"/>
+              <a:t>Import modules</a:t>
+            </a:r>
+            <a:endParaRPr lang="fr-FR" dirty="0"/>
+          </a:p>
+        </p:txBody>
+      </p:sp>
+    </p:spTree>
+    <p:extLst>
+      <p:ext uri="{BB962C8B-B14F-4D97-AF65-F5344CB8AC3E}">
+        <p14:creationId xmlns:p14="http://schemas.microsoft.com/office/powerpoint/2010/main" val="3088320707"/>
+      </p:ext>
+    </p:extLst>
+  </p:cSld>
+  <p:clrMapOvr>
+    <a:masterClrMapping/>
+  </p:clrMapOvr>
+  <mc:AlternateContent xmlns:mc="http://schemas.openxmlformats.org/markup-compatibility/2006" xmlns:p14="http://schemas.microsoft.com/office/powerpoint/2010/main">
+    <mc:Choice Requires="p14">
+      <p:transition spd="slow" p14:dur="2000"/>
+    </mc:Choice>
+    <mc:Fallback xmlns="">
+      <p:transition xmlns:p14="http://schemas.microsoft.com/office/powerpoint/2010/main" spd="slow"/>
+    </mc:Fallback>
+  </mc:AlternateContent>
+  <p:timing>
+    <p:tnLst>
+      <p:par>
+        <p:cTn xmlns:p14="http://schemas.microsoft.com/office/powerpoint/2010/main" id="1" dur="indefinite" restart="never" nodeType="tmRoot"/>
+      </p:par>
+    </p:tnLst>
+  </p:timing>
+</p:sld>
+</file>
+
+<file path=ppt/slides/slide16.xml><?xml version="1.0" encoding="utf-8"?>
+<p:sld xmlns:a="http://schemas.openxmlformats.org/drawingml/2006/main" xmlns:r="http://schemas.openxmlformats.org/officeDocument/2006/relationships" xmlns:p="http://schemas.openxmlformats.org/presentationml/2006/main">
+  <p:cSld>
+    <p:spTree>
+      <p:nvGrpSpPr>
+        <p:cNvPr id="1" name=""/>
+        <p:cNvGrpSpPr/>
+        <p:nvPr/>
+      </p:nvGrpSpPr>
+      <p:grpSpPr>
+        <a:xfrm>
+          <a:off x="0" y="0"/>
+          <a:ext cx="0" cy="0"/>
+          <a:chOff x="0" y="0"/>
+          <a:chExt cx="0" cy="0"/>
+        </a:xfrm>
+      </p:grpSpPr>
+      <p:sp>
+        <p:nvSpPr>
+          <p:cNvPr id="2" name="Titre 1"/>
+          <p:cNvSpPr>
+            <a:spLocks noGrp="1"/>
+          </p:cNvSpPr>
+          <p:nvPr>
+            <p:ph type="title"/>
+          </p:nvPr>
+        </p:nvSpPr>
+        <p:spPr>
+          <a:xfrm>
+            <a:off x="0" y="0"/>
+            <a:ext cx="8229600" cy="876300"/>
+          </a:xfrm>
+        </p:spPr>
+        <p:txBody>
+          <a:bodyPr>
+            <a:normAutofit/>
+          </a:bodyPr>
+          <a:lstStyle/>
+          <a:p>
+            <a:pPr algn="l"/>
+            <a:r>
+              <a:rPr lang="fr-FR" sz="4000" dirty="0" smtClean="0">
+                <a:latin typeface="Times New Roman"/>
+                <a:cs typeface="Times New Roman"/>
+              </a:rPr>
+              <a:t>III. Conclusion</a:t>
+            </a:r>
+            <a:endParaRPr lang="fr-FR" sz="4000" dirty="0">
+              <a:latin typeface="Times New Roman"/>
+              <a:cs typeface="Times New Roman"/>
+            </a:endParaRPr>
+          </a:p>
+        </p:txBody>
+      </p:sp>
+      <p:sp>
+        <p:nvSpPr>
+          <p:cNvPr id="11" name="ZoneTexte 10"/>
+          <p:cNvSpPr txBox="1"/>
+          <p:nvPr/>
+        </p:nvSpPr>
+        <p:spPr>
+          <a:xfrm>
+            <a:off x="4762500" y="1873766"/>
+            <a:ext cx="4381500" cy="369332"/>
+          </a:xfrm>
+          <a:prstGeom prst="rect">
+            <a:avLst/>
+          </a:prstGeom>
+          <a:noFill/>
+        </p:spPr>
+        <p:txBody>
+          <a:bodyPr wrap="square" rtlCol="0">
+            <a:spAutoFit/>
+          </a:bodyPr>
+          <a:lstStyle/>
+          <a:p>
+            <a:r>
+              <a:rPr lang="fr-FR" dirty="0" smtClean="0">
+                <a:latin typeface="Times New Roman"/>
+                <a:cs typeface="Times New Roman"/>
+              </a:rPr>
+              <a:t>  </a:t>
+            </a:r>
+            <a:endParaRPr lang="fr-FR" dirty="0">
+              <a:latin typeface="Times New Roman"/>
+              <a:cs typeface="Times New Roman"/>
+            </a:endParaRPr>
+          </a:p>
+        </p:txBody>
+      </p:sp>
+      <p:sp>
+        <p:nvSpPr>
+          <p:cNvPr id="4" name="Espace réservé du contenu 3"/>
+          <p:cNvSpPr>
+            <a:spLocks noGrp="1"/>
+          </p:cNvSpPr>
+          <p:nvPr>
+            <p:ph idx="1"/>
+          </p:nvPr>
+        </p:nvSpPr>
+        <p:spPr>
+          <a:xfrm>
+            <a:off x="0" y="876300"/>
+            <a:ext cx="9144000" cy="3877815"/>
+          </a:xfrm>
+        </p:spPr>
+        <p:txBody>
+          <a:bodyPr/>
+          <a:lstStyle/>
+          <a:p>
+            <a:pPr marL="0" indent="0">
+              <a:buNone/>
+            </a:pPr>
+            <a:endParaRPr lang="fr-FR" dirty="0" smtClean="0"/>
+          </a:p>
+          <a:p>
+            <a:pPr marL="0" indent="0">
+              <a:buNone/>
+            </a:pPr>
+            <a:r>
+              <a:rPr lang="fr-FR" dirty="0"/>
+              <a:t>	</a:t>
+            </a:r>
+            <a:r>
+              <a:rPr lang="fr-FR" sz="2800" dirty="0" smtClean="0">
+                <a:latin typeface="Times New Roman"/>
+                <a:cs typeface="Times New Roman"/>
+              </a:rPr>
+              <a:t>Améliorations possibles</a:t>
+            </a:r>
+          </a:p>
+          <a:p>
+            <a:pPr marL="0" indent="0">
+              <a:buNone/>
+            </a:pPr>
+            <a:endParaRPr lang="fr-FR" sz="2800" dirty="0">
+              <a:latin typeface="Times New Roman"/>
+              <a:cs typeface="Times New Roman"/>
+            </a:endParaRPr>
+          </a:p>
+          <a:p>
+            <a:pPr marL="0" indent="0">
+              <a:buNone/>
+            </a:pPr>
+            <a:r>
+              <a:rPr lang="fr-FR" dirty="0" smtClean="0">
+                <a:latin typeface="Times New Roman"/>
+                <a:cs typeface="Times New Roman"/>
+              </a:rPr>
+              <a:t>		L’automatisation complète du système</a:t>
+            </a:r>
+            <a:endParaRPr lang="fr-FR" sz="2800" dirty="0" smtClean="0">
+              <a:latin typeface="Times New Roman"/>
+              <a:cs typeface="Times New Roman"/>
+            </a:endParaRPr>
+          </a:p>
+        </p:txBody>
+      </p:sp>
+    </p:spTree>
+    <p:extLst>
+      <p:ext uri="{BB962C8B-B14F-4D97-AF65-F5344CB8AC3E}">
+        <p14:creationId xmlns:p14="http://schemas.microsoft.com/office/powerpoint/2010/main" val="168052819"/>
+      </p:ext>
+    </p:extLst>
+  </p:cSld>
+  <p:clrMapOvr>
+    <a:masterClrMapping/>
+  </p:clrMapOvr>
+  <mc:AlternateContent xmlns:mc="http://schemas.openxmlformats.org/markup-compatibility/2006" xmlns:p14="http://schemas.microsoft.com/office/powerpoint/2010/main">
+    <mc:Choice Requires="p14">
+      <p:transition spd="slow" p14:dur="2000"/>
+    </mc:Choice>
+    <mc:Fallback xmlns="">
+      <p:transition xmlns:p14="http://schemas.microsoft.com/office/powerpoint/2010/main" spd="slow"/>
+    </mc:Fallback>
+  </mc:AlternateContent>
+  <p:timing>
+    <p:tnLst>
+      <p:par>
+        <p:cTn xmlns:p14="http://schemas.microsoft.com/office/powerpoint/2010/main" id="1" dur="indefinite" restart="never" nodeType="tmRoot"/>
+      </p:par>
+    </p:tnLst>
+  </p:timing>
+</p:sld>
+</file>
+
+<file path=ppt/slides/slide2.xml><?xml version="1.0" encoding="utf-8"?>
+<p:sld xmlns:a="http://schemas.openxmlformats.org/drawingml/2006/main" xmlns:r="http://schemas.openxmlformats.org/officeDocument/2006/relationships" xmlns:p="http://schemas.openxmlformats.org/presentationml/2006/main">
+  <p:cSld>
+    <p:spTree>
+      <p:nvGrpSpPr>
+        <p:cNvPr id="1" name=""/>
+        <p:cNvGrpSpPr/>
+        <p:nvPr/>
+      </p:nvGrpSpPr>
+      <p:grpSpPr>
+        <a:xfrm>
+          <a:off x="0" y="0"/>
+          <a:ext cx="0" cy="0"/>
+          <a:chOff x="0" y="0"/>
+          <a:chExt cx="0" cy="0"/>
+        </a:xfrm>
+      </p:grpSpPr>
+      <p:sp>
+        <p:nvSpPr>
+          <p:cNvPr id="3" name="Espace réservé du contenu 2"/>
+          <p:cNvSpPr>
+            <a:spLocks noGrp="1"/>
+          </p:cNvSpPr>
+          <p:nvPr>
+            <p:ph idx="1"/>
+          </p:nvPr>
+        </p:nvSpPr>
+        <p:spPr>
+          <a:xfrm>
+            <a:off x="699248" y="2868143"/>
+            <a:ext cx="7745505" cy="2563110"/>
+          </a:xfrm>
+        </p:spPr>
+        <p:txBody>
+          <a:bodyPr/>
+          <a:lstStyle/>
+          <a:p>
+            <a:pPr marL="571500" indent="-571500">
+              <a:buAutoNum type="romanUcPeriod"/>
+            </a:pPr>
+            <a:r>
+              <a:rPr lang="fr-FR" dirty="0" smtClean="0">
+                <a:latin typeface="Times New Roman"/>
+                <a:cs typeface="Times New Roman"/>
+              </a:rPr>
+              <a:t>Description du projet et objectifs</a:t>
+            </a:r>
+          </a:p>
+          <a:p>
+            <a:pPr marL="571500" indent="-571500">
+              <a:buAutoNum type="romanUcPeriod"/>
+            </a:pPr>
+            <a:endParaRPr lang="fr-FR" dirty="0" smtClean="0">
+              <a:latin typeface="Times New Roman"/>
+              <a:cs typeface="Times New Roman"/>
+            </a:endParaRPr>
+          </a:p>
+          <a:p>
+            <a:pPr marL="571500" indent="-571500">
+              <a:buAutoNum type="romanUcPeriod"/>
+            </a:pPr>
+            <a:r>
+              <a:rPr lang="fr-FR" dirty="0" smtClean="0">
+                <a:latin typeface="Times New Roman"/>
+                <a:cs typeface="Times New Roman"/>
+              </a:rPr>
+              <a:t>Réalisation des </a:t>
+            </a:r>
+            <a:r>
+              <a:rPr lang="fr-FR" dirty="0" err="1" smtClean="0">
+                <a:latin typeface="Times New Roman"/>
+                <a:cs typeface="Times New Roman"/>
+              </a:rPr>
+              <a:t>MVP’s</a:t>
+            </a:r>
+            <a:endParaRPr lang="fr-FR" dirty="0" smtClean="0">
+              <a:latin typeface="Times New Roman"/>
+              <a:cs typeface="Times New Roman"/>
+            </a:endParaRPr>
+          </a:p>
+          <a:p>
+            <a:pPr marL="571500" indent="-571500">
+              <a:buAutoNum type="romanUcPeriod"/>
+            </a:pPr>
+            <a:endParaRPr lang="fr-FR" dirty="0">
+              <a:latin typeface="Times New Roman"/>
+              <a:cs typeface="Times New Roman"/>
+            </a:endParaRPr>
+          </a:p>
+          <a:p>
+            <a:pPr marL="571500" indent="-571500">
+              <a:buAutoNum type="romanUcPeriod"/>
+            </a:pPr>
+            <a:r>
+              <a:rPr lang="fr-FR" dirty="0">
+                <a:latin typeface="Times New Roman"/>
+                <a:cs typeface="Times New Roman"/>
+              </a:rPr>
+              <a:t> </a:t>
+            </a:r>
+            <a:r>
+              <a:rPr lang="fr-FR" dirty="0" smtClean="0">
+                <a:latin typeface="Times New Roman"/>
+                <a:cs typeface="Times New Roman"/>
+              </a:rPr>
+              <a:t>Conclusion </a:t>
+            </a:r>
+          </a:p>
+          <a:p>
+            <a:pPr marL="0" indent="0">
+              <a:buNone/>
+            </a:pPr>
+            <a:endParaRPr lang="fr-FR" dirty="0">
+              <a:latin typeface="Times New Roman"/>
+              <a:cs typeface="Times New Roman"/>
+            </a:endParaRPr>
+          </a:p>
+        </p:txBody>
+      </p:sp>
+      <p:sp>
+        <p:nvSpPr>
+          <p:cNvPr id="2" name="Titre 1"/>
+          <p:cNvSpPr>
+            <a:spLocks noGrp="1"/>
+          </p:cNvSpPr>
+          <p:nvPr>
+            <p:ph type="title"/>
+          </p:nvPr>
+        </p:nvSpPr>
+        <p:spPr/>
+        <p:txBody>
+          <a:bodyPr/>
+          <a:lstStyle/>
+          <a:p>
+            <a:r>
+              <a:rPr lang="fr-FR" dirty="0" smtClean="0">
+                <a:latin typeface="Times New Roman"/>
+                <a:cs typeface="Times New Roman"/>
+              </a:rPr>
+              <a:t>Sommaire</a:t>
+            </a:r>
+            <a:endParaRPr lang="fr-FR" dirty="0">
+              <a:latin typeface="Times New Roman"/>
+              <a:cs typeface="Times New Roman"/>
+            </a:endParaRPr>
+          </a:p>
+        </p:txBody>
+      </p:sp>
+    </p:spTree>
+    <p:extLst>
+      <p:ext uri="{BB962C8B-B14F-4D97-AF65-F5344CB8AC3E}">
+        <p14:creationId xmlns:p14="http://schemas.microsoft.com/office/powerpoint/2010/main" val="1866879829"/>
+      </p:ext>
+    </p:extLst>
+  </p:cSld>
+  <p:clrMapOvr>
+    <a:masterClrMapping/>
+  </p:clrMapOvr>
+  <mc:AlternateContent xmlns:mc="http://schemas.openxmlformats.org/markup-compatibility/2006" xmlns:p14="http://schemas.microsoft.com/office/powerpoint/2010/main">
+    <mc:Choice Requires="p14">
+      <p:transition spd="slow" p14:dur="2000"/>
+    </mc:Choice>
+    <mc:Fallback xmlns="">
+      <p:transition xmlns:p14="http://schemas.microsoft.com/office/powerpoint/2010/main" spd="slow"/>
+    </mc:Fallback>
+  </mc:AlternateContent>
+  <p:timing>
+    <p:tnLst>
+      <p:par>
+        <p:cTn xmlns:p14="http://schemas.microsoft.com/office/powerpoint/2010/main" id="1" dur="indefinite" restart="never" nodeType="tmRoot"/>
+      </p:par>
+    </p:tnLst>
+  </p:timing>
+</p:sld>
+</file>
+
+<file path=ppt/slides/slide3.xml><?xml version="1.0" encoding="utf-8"?>
+<p:sld xmlns:a="http://schemas.openxmlformats.org/drawingml/2006/main" xmlns:r="http://schemas.openxmlformats.org/officeDocument/2006/relationships" xmlns:p="http://schemas.openxmlformats.org/presentationml/2006/main">
+  <p:cSld>
+    <p:spTree>
+      <p:nvGrpSpPr>
+        <p:cNvPr id="1" name=""/>
+        <p:cNvGrpSpPr/>
+        <p:nvPr/>
+      </p:nvGrpSpPr>
+      <p:grpSpPr>
+        <a:xfrm>
+          <a:off x="0" y="0"/>
+          <a:ext cx="0" cy="0"/>
+          <a:chOff x="0" y="0"/>
+          <a:chExt cx="0" cy="0"/>
+        </a:xfrm>
+      </p:grpSpPr>
+      <p:sp>
+        <p:nvSpPr>
+          <p:cNvPr id="3" name="Espace réservé du contenu 2"/>
+          <p:cNvSpPr>
+            <a:spLocks noGrp="1"/>
+          </p:cNvSpPr>
+          <p:nvPr>
+            <p:ph idx="1"/>
+          </p:nvPr>
+        </p:nvSpPr>
+        <p:spPr>
+          <a:xfrm>
+            <a:off x="-1" y="1501899"/>
+            <a:ext cx="4762501" cy="5401673"/>
+          </a:xfrm>
+          <a:noFill/>
+          <a:ln>
+            <a:noFill/>
+          </a:ln>
+        </p:spPr>
+        <p:style>
+          <a:lnRef idx="2">
+            <a:schemeClr val="dk1"/>
+          </a:lnRef>
+          <a:fillRef idx="1">
+            <a:schemeClr val="lt1"/>
+          </a:fillRef>
+          <a:effectRef idx="0">
+            <a:schemeClr val="dk1"/>
+          </a:effectRef>
+          <a:fontRef idx="minor">
+            <a:schemeClr val="dk1"/>
+          </a:fontRef>
+        </p:style>
+        <p:txBody>
+          <a:bodyPr>
+            <a:normAutofit/>
+          </a:bodyPr>
+          <a:lstStyle/>
+          <a:p>
+            <a:pPr marL="0" indent="0" algn="ctr">
+              <a:buNone/>
+            </a:pPr>
+            <a:r>
+              <a:rPr lang="fr-FR" sz="2400" dirty="0" smtClean="0">
+                <a:latin typeface="Times New Roman"/>
+                <a:cs typeface="Times New Roman"/>
+              </a:rPr>
+              <a:t>Accorder une guitare dans les grandes lignes </a:t>
+            </a:r>
+          </a:p>
+          <a:p>
+            <a:pPr marL="0" indent="0" algn="ctr">
+              <a:buNone/>
+            </a:pPr>
+            <a:endParaRPr lang="fr-FR" sz="2400" dirty="0">
+              <a:latin typeface="Times New Roman"/>
+              <a:cs typeface="Times New Roman"/>
+            </a:endParaRPr>
+          </a:p>
+          <a:p>
+            <a:pPr marL="0" indent="0" algn="ctr">
+              <a:buNone/>
+            </a:pPr>
+            <a:endParaRPr lang="fr-FR" sz="2400" dirty="0" smtClean="0">
+              <a:latin typeface="Times New Roman"/>
+              <a:cs typeface="Times New Roman"/>
+            </a:endParaRPr>
+          </a:p>
+          <a:p>
+            <a:pPr marL="0" indent="0" algn="ctr">
+              <a:buNone/>
+            </a:pPr>
+            <a:endParaRPr lang="fr-FR" sz="3200" dirty="0">
+              <a:latin typeface="Times New Roman"/>
+              <a:cs typeface="Times New Roman"/>
+            </a:endParaRPr>
+          </a:p>
+        </p:txBody>
+      </p:sp>
+      <p:sp>
+        <p:nvSpPr>
+          <p:cNvPr id="2" name="Titre 1"/>
+          <p:cNvSpPr>
+            <a:spLocks noGrp="1"/>
+          </p:cNvSpPr>
+          <p:nvPr>
+            <p:ph type="title"/>
+          </p:nvPr>
+        </p:nvSpPr>
+        <p:spPr>
+          <a:xfrm>
+            <a:off x="0" y="0"/>
+            <a:ext cx="8229600" cy="876300"/>
+          </a:xfrm>
+        </p:spPr>
+        <p:txBody>
+          <a:bodyPr>
+            <a:normAutofit/>
+          </a:bodyPr>
+          <a:lstStyle/>
+          <a:p>
+            <a:pPr algn="l"/>
+            <a:r>
+              <a:rPr lang="fr-FR" sz="4000" dirty="0" smtClean="0">
+                <a:latin typeface="Times New Roman"/>
+                <a:cs typeface="Times New Roman"/>
+              </a:rPr>
+              <a:t>I. Description du projet </a:t>
+            </a:r>
+            <a:endParaRPr lang="fr-FR" sz="4000" dirty="0">
+              <a:latin typeface="Times New Roman"/>
+              <a:cs typeface="Times New Roman"/>
+            </a:endParaRPr>
+          </a:p>
+        </p:txBody>
+      </p:sp>
+      <p:cxnSp>
+        <p:nvCxnSpPr>
+          <p:cNvPr id="7" name="Connecteur droit 6"/>
+          <p:cNvCxnSpPr/>
+          <p:nvPr/>
+        </p:nvCxnSpPr>
+        <p:spPr>
+          <a:xfrm flipV="1">
+            <a:off x="4609352" y="2243098"/>
+            <a:ext cx="0" cy="4076700"/>
+          </a:xfrm>
+          <a:prstGeom prst="line">
+            <a:avLst/>
+          </a:prstGeom>
+          <a:ln w="19050" cmpd="sng">
+            <a:solidFill>
+              <a:schemeClr val="tx1"/>
+            </a:solidFill>
+          </a:ln>
+        </p:spPr>
+        <p:style>
+          <a:lnRef idx="2">
+            <a:schemeClr val="dk1"/>
+          </a:lnRef>
+          <a:fillRef idx="0">
+            <a:schemeClr val="dk1"/>
+          </a:fillRef>
+          <a:effectRef idx="1">
+            <a:schemeClr val="dk1"/>
+          </a:effectRef>
+          <a:fontRef idx="minor">
+            <a:schemeClr val="tx1"/>
+          </a:fontRef>
+        </p:style>
+      </p:cxnSp>
+      <p:sp>
+        <p:nvSpPr>
+          <p:cNvPr id="11" name="ZoneTexte 10"/>
+          <p:cNvSpPr txBox="1"/>
+          <p:nvPr/>
+        </p:nvSpPr>
+        <p:spPr>
+          <a:xfrm>
+            <a:off x="4762500" y="1873766"/>
+            <a:ext cx="4381500" cy="369332"/>
+          </a:xfrm>
+          <a:prstGeom prst="rect">
+            <a:avLst/>
+          </a:prstGeom>
+          <a:noFill/>
+        </p:spPr>
+        <p:txBody>
+          <a:bodyPr wrap="square" rtlCol="0">
+            <a:spAutoFit/>
+          </a:bodyPr>
+          <a:lstStyle/>
+          <a:p>
+            <a:r>
+              <a:rPr lang="fr-FR" dirty="0" smtClean="0">
+                <a:latin typeface="Times New Roman"/>
+                <a:cs typeface="Times New Roman"/>
+              </a:rPr>
+              <a:t>  </a:t>
+            </a:r>
+            <a:endParaRPr lang="fr-FR" dirty="0">
+              <a:latin typeface="Times New Roman"/>
+              <a:cs typeface="Times New Roman"/>
+            </a:endParaRPr>
+          </a:p>
+        </p:txBody>
+      </p:sp>
+      <p:sp>
+        <p:nvSpPr>
+          <p:cNvPr id="13" name="ZoneTexte 12"/>
+          <p:cNvSpPr txBox="1"/>
+          <p:nvPr/>
+        </p:nvSpPr>
+        <p:spPr>
+          <a:xfrm>
+            <a:off x="4609352" y="1501899"/>
+            <a:ext cx="4280648" cy="461665"/>
+          </a:xfrm>
+          <a:prstGeom prst="rect">
+            <a:avLst/>
+          </a:prstGeom>
+          <a:noFill/>
+        </p:spPr>
+        <p:txBody>
+          <a:bodyPr wrap="square" rtlCol="0">
+            <a:spAutoFit/>
+          </a:bodyPr>
+          <a:lstStyle/>
+          <a:p>
+            <a:pPr algn="ctr"/>
+            <a:r>
+              <a:rPr lang="fr-FR" sz="2400" dirty="0" smtClean="0">
+                <a:latin typeface="Times New Roman"/>
+                <a:cs typeface="Times New Roman"/>
+              </a:rPr>
+              <a:t>Retranscription envisagée </a:t>
+            </a:r>
+          </a:p>
+        </p:txBody>
+      </p:sp>
+      <p:pic>
+        <p:nvPicPr>
+          <p:cNvPr id="4" name="Image 3" descr="MANCHE-ACCORDage.jpg"/>
+          <p:cNvPicPr>
+            <a:picLocks noChangeAspect="1"/>
+          </p:cNvPicPr>
+          <p:nvPr/>
+        </p:nvPicPr>
+        <p:blipFill>
+          <a:blip r:embed="rId2">
+            <a:extLst>
+              <a:ext uri="{28A0092B-C50C-407E-A947-70E740481C1C}">
+                <a14:useLocalDpi xmlns:a14="http://schemas.microsoft.com/office/drawing/2010/main" val="0"/>
+              </a:ext>
+            </a:extLst>
+          </a:blip>
+          <a:stretch>
+            <a:fillRect/>
+          </a:stretch>
+        </p:blipFill>
+        <p:spPr>
+          <a:xfrm>
+            <a:off x="594184" y="2382312"/>
+            <a:ext cx="3516229" cy="3541895"/>
+          </a:xfrm>
+          <a:prstGeom prst="rect">
+            <a:avLst/>
+          </a:prstGeom>
+          <a:ln w="38100" cap="sq">
+            <a:solidFill>
+              <a:srgbClr val="895D1D"/>
+            </a:solidFill>
+            <a:prstDash val="solid"/>
+            <a:miter lim="800000"/>
+          </a:ln>
+          <a:effectLst>
+            <a:outerShdw blurRad="50800" dist="38100" dir="2700000" algn="tl" rotWithShape="0">
+              <a:srgbClr val="000000">
+                <a:alpha val="43000"/>
+              </a:srgbClr>
+            </a:outerShdw>
+          </a:effectLst>
+        </p:spPr>
+      </p:pic>
+      <p:pic>
+        <p:nvPicPr>
+          <p:cNvPr id="5" name="Image 4"/>
+          <p:cNvPicPr>
+            <a:picLocks noChangeAspect="1"/>
+          </p:cNvPicPr>
+          <p:nvPr/>
+        </p:nvPicPr>
+        <p:blipFill>
+          <a:blip r:embed="rId3"/>
+          <a:stretch>
+            <a:fillRect/>
+          </a:stretch>
+        </p:blipFill>
+        <p:spPr>
+          <a:xfrm>
+            <a:off x="4762500" y="2540154"/>
+            <a:ext cx="4228351" cy="2703595"/>
+          </a:xfrm>
+          <a:prstGeom prst="rect">
+            <a:avLst/>
+          </a:prstGeom>
+          <a:ln w="38100" cap="sq">
+            <a:solidFill>
+              <a:srgbClr val="895D1D"/>
+            </a:solidFill>
+            <a:prstDash val="solid"/>
+            <a:miter lim="800000"/>
+          </a:ln>
+          <a:effectLst>
+            <a:outerShdw blurRad="50800" dist="38100" dir="2700000" algn="tl" rotWithShape="0">
+              <a:srgbClr val="000000">
+                <a:alpha val="43000"/>
+              </a:srgbClr>
+            </a:outerShdw>
+          </a:effectLst>
+        </p:spPr>
+      </p:pic>
+    </p:spTree>
+    <p:extLst>
+      <p:ext uri="{BB962C8B-B14F-4D97-AF65-F5344CB8AC3E}">
+        <p14:creationId xmlns:p14="http://schemas.microsoft.com/office/powerpoint/2010/main" val="122521959"/>
+      </p:ext>
+    </p:extLst>
+  </p:cSld>
+  <p:clrMapOvr>
+    <a:masterClrMapping/>
+  </p:clrMapOvr>
+  <mc:AlternateContent xmlns:mc="http://schemas.openxmlformats.org/markup-compatibility/2006" xmlns:p14="http://schemas.microsoft.com/office/powerpoint/2010/main">
+    <mc:Choice Requires="p14">
+      <p:transition spd="slow" p14:dur="2000"/>
+    </mc:Choice>
+    <mc:Fallback xmlns="">
+      <p:transition xmlns:p14="http://schemas.microsoft.com/office/powerpoint/2010/main" spd="slow"/>
+    </mc:Fallback>
+  </mc:AlternateContent>
+  <p:timing>
+    <p:tnLst>
+      <p:par>
+        <p:cTn xmlns:p14="http://schemas.microsoft.com/office/powerpoint/2010/main" id="1" dur="indefinite" restart="never" nodeType="tmRoot"/>
+      </p:par>
+    </p:tnLst>
+  </p:timing>
+</p:sld>
+</file>
+
+<file path=ppt/slides/slide4.xml><?xml version="1.0" encoding="utf-8"?>
+<p:sld xmlns:a="http://schemas.openxmlformats.org/drawingml/2006/main" xmlns:r="http://schemas.openxmlformats.org/officeDocument/2006/relationships" xmlns:p="http://schemas.openxmlformats.org/presentationml/2006/main">
+  <p:cSld>
+    <p:spTree>
+      <p:nvGrpSpPr>
+        <p:cNvPr id="1" name=""/>
+        <p:cNvGrpSpPr/>
+        <p:nvPr/>
+      </p:nvGrpSpPr>
+      <p:grpSpPr>
+        <a:xfrm>
+          <a:off x="0" y="0"/>
+          <a:ext cx="0" cy="0"/>
+          <a:chOff x="0" y="0"/>
+          <a:chExt cx="0" cy="0"/>
+        </a:xfrm>
+      </p:grpSpPr>
+      <p:sp>
+        <p:nvSpPr>
+          <p:cNvPr id="3" name="Espace réservé du contenu 2"/>
+          <p:cNvSpPr>
+            <a:spLocks noGrp="1"/>
+          </p:cNvSpPr>
+          <p:nvPr>
+            <p:ph idx="1"/>
+          </p:nvPr>
+        </p:nvSpPr>
+        <p:spPr>
+          <a:xfrm>
+            <a:off x="0" y="1136276"/>
+            <a:ext cx="9144000" cy="5721724"/>
+          </a:xfrm>
+        </p:spPr>
+        <p:txBody>
+          <a:bodyPr>
+            <a:normAutofit/>
+          </a:bodyPr>
+          <a:lstStyle/>
+          <a:p>
+            <a:pPr marL="0" indent="0">
+              <a:buNone/>
+            </a:pPr>
+            <a:r>
+              <a:rPr lang="fr-FR" sz="2800" dirty="0" smtClean="0">
+                <a:latin typeface="Times New Roman"/>
+                <a:cs typeface="Times New Roman"/>
+              </a:rPr>
+              <a:t>	Objectifs fixés </a:t>
+            </a:r>
+          </a:p>
+          <a:p>
+            <a:pPr>
+              <a:buFont typeface="Wingdings" charset="2"/>
+              <a:buChar char="q"/>
+            </a:pPr>
+            <a:endParaRPr lang="fr-FR" sz="2800" dirty="0" smtClean="0">
+              <a:latin typeface="Times New Roman"/>
+              <a:cs typeface="Times New Roman"/>
+            </a:endParaRPr>
+          </a:p>
+          <a:p>
+            <a:pPr>
+              <a:buFont typeface="Wingdings" charset="2"/>
+              <a:buChar char="q"/>
+            </a:pPr>
+            <a:r>
+              <a:rPr lang="fr-FR" sz="2400" dirty="0" smtClean="0">
+                <a:latin typeface="Times New Roman"/>
+                <a:cs typeface="Times New Roman"/>
+              </a:rPr>
+              <a:t>Maitriser</a:t>
+            </a:r>
+            <a:r>
+              <a:rPr lang="fr-FR" sz="2000" dirty="0" smtClean="0">
+                <a:latin typeface="Times New Roman"/>
+                <a:cs typeface="Times New Roman"/>
+              </a:rPr>
+              <a:t> </a:t>
+            </a:r>
+            <a:r>
+              <a:rPr lang="fr-FR" sz="2400" dirty="0" smtClean="0">
+                <a:latin typeface="Times New Roman"/>
+                <a:cs typeface="Times New Roman"/>
+              </a:rPr>
+              <a:t>le kit vocal</a:t>
+            </a:r>
+          </a:p>
+          <a:p>
+            <a:pPr marL="0" indent="0">
+              <a:buNone/>
+            </a:pPr>
+            <a:endParaRPr lang="fr-FR" sz="2400" dirty="0" smtClean="0">
+              <a:latin typeface="Times New Roman"/>
+              <a:cs typeface="Times New Roman"/>
+            </a:endParaRPr>
+          </a:p>
+          <a:p>
+            <a:pPr marL="0" indent="0">
+              <a:buNone/>
+            </a:pPr>
+            <a:r>
+              <a:rPr lang="fr-FR" sz="2000" dirty="0" smtClean="0">
+                <a:latin typeface="Times New Roman"/>
+                <a:cs typeface="Times New Roman"/>
+              </a:rPr>
+              <a:t>	 </a:t>
+            </a:r>
+            <a:endParaRPr lang="fr-FR" sz="2000" dirty="0">
+              <a:latin typeface="Times New Roman"/>
+              <a:cs typeface="Times New Roman"/>
+            </a:endParaRPr>
+          </a:p>
+        </p:txBody>
+      </p:sp>
+      <p:sp>
+        <p:nvSpPr>
+          <p:cNvPr id="2" name="Titre 1"/>
+          <p:cNvSpPr>
+            <a:spLocks noGrp="1"/>
+          </p:cNvSpPr>
+          <p:nvPr>
+            <p:ph type="title"/>
+          </p:nvPr>
+        </p:nvSpPr>
+        <p:spPr>
+          <a:xfrm>
+            <a:off x="0" y="0"/>
+            <a:ext cx="8229600" cy="876300"/>
+          </a:xfrm>
+        </p:spPr>
+        <p:txBody>
+          <a:bodyPr>
+            <a:normAutofit/>
+          </a:bodyPr>
+          <a:lstStyle/>
+          <a:p>
+            <a:pPr algn="l"/>
+            <a:r>
+              <a:rPr lang="fr-FR" sz="4000" dirty="0" smtClean="0">
+                <a:latin typeface="Times New Roman"/>
+                <a:cs typeface="Times New Roman"/>
+              </a:rPr>
+              <a:t>I. Description des objectifs </a:t>
+            </a:r>
+            <a:endParaRPr lang="fr-FR" sz="4000" dirty="0">
+              <a:latin typeface="Times New Roman"/>
+              <a:cs typeface="Times New Roman"/>
+            </a:endParaRPr>
+          </a:p>
+        </p:txBody>
+      </p:sp>
+    </p:spTree>
+    <p:extLst>
+      <p:ext uri="{BB962C8B-B14F-4D97-AF65-F5344CB8AC3E}">
+        <p14:creationId xmlns:p14="http://schemas.microsoft.com/office/powerpoint/2010/main" val="3962216467"/>
+      </p:ext>
+    </p:extLst>
+  </p:cSld>
+  <p:clrMapOvr>
+    <a:masterClrMapping/>
+  </p:clrMapOvr>
+  <mc:AlternateContent xmlns:mc="http://schemas.openxmlformats.org/markup-compatibility/2006" xmlns:p14="http://schemas.microsoft.com/office/powerpoint/2010/main">
+    <mc:Choice Requires="p14">
+      <p:transition spd="slow" p14:dur="2000"/>
+    </mc:Choice>
+    <mc:Fallback xmlns="">
+      <p:transition xmlns:p14="http://schemas.microsoft.com/office/powerpoint/2010/main" spd="slow"/>
+    </mc:Fallback>
+  </mc:AlternateContent>
+  <p:timing>
+    <p:tnLst>
+      <p:par>
+        <p:cTn xmlns:p14="http://schemas.microsoft.com/office/powerpoint/2010/main" id="1" dur="indefinite" restart="never" nodeType="tmRoot"/>
+      </p:par>
+    </p:tnLst>
+  </p:timing>
+</p:sld>
+</file>
+
+<file path=ppt/slides/slide5.xml><?xml version="1.0" encoding="utf-8"?>
+<p:sld xmlns:a="http://schemas.openxmlformats.org/drawingml/2006/main" xmlns:r="http://schemas.openxmlformats.org/officeDocument/2006/relationships" xmlns:p="http://schemas.openxmlformats.org/presentationml/2006/main">
+  <p:cSld>
+    <p:spTree>
+      <p:nvGrpSpPr>
+        <p:cNvPr id="1" name=""/>
+        <p:cNvGrpSpPr/>
+        <p:nvPr/>
+      </p:nvGrpSpPr>
+      <p:grpSpPr>
+        <a:xfrm>
+          <a:off x="0" y="0"/>
+          <a:ext cx="0" cy="0"/>
+          <a:chOff x="0" y="0"/>
+          <a:chExt cx="0" cy="0"/>
+        </a:xfrm>
+      </p:grpSpPr>
+      <p:sp>
+        <p:nvSpPr>
+          <p:cNvPr id="3" name="Espace réservé du contenu 2"/>
+          <p:cNvSpPr>
+            <a:spLocks noGrp="1"/>
+          </p:cNvSpPr>
+          <p:nvPr>
+            <p:ph idx="1"/>
+          </p:nvPr>
+        </p:nvSpPr>
+        <p:spPr>
+          <a:xfrm>
+            <a:off x="0" y="1136276"/>
+            <a:ext cx="9144000" cy="5721724"/>
+          </a:xfrm>
+        </p:spPr>
+        <p:txBody>
+          <a:bodyPr>
+            <a:normAutofit/>
+          </a:bodyPr>
+          <a:lstStyle/>
+          <a:p>
+            <a:pPr marL="0" indent="0">
+              <a:buNone/>
+            </a:pPr>
+            <a:r>
+              <a:rPr lang="fr-FR" sz="2800" dirty="0" smtClean="0">
+                <a:latin typeface="Times New Roman"/>
+                <a:cs typeface="Times New Roman"/>
+              </a:rPr>
+              <a:t>	Objectifs fixés </a:t>
+            </a:r>
+          </a:p>
+          <a:p>
+            <a:pPr>
+              <a:buFont typeface="Wingdings" charset="2"/>
+              <a:buChar char="q"/>
+            </a:pPr>
+            <a:endParaRPr lang="fr-FR" sz="2800" dirty="0" smtClean="0">
+              <a:latin typeface="Times New Roman"/>
+              <a:cs typeface="Times New Roman"/>
+            </a:endParaRPr>
+          </a:p>
+          <a:p>
+            <a:pPr>
+              <a:buFont typeface="Wingdings" charset="2"/>
+              <a:buChar char="q"/>
+            </a:pPr>
+            <a:r>
+              <a:rPr lang="fr-FR" sz="2400" dirty="0" smtClean="0">
+                <a:latin typeface="Times New Roman"/>
+                <a:cs typeface="Times New Roman"/>
+              </a:rPr>
+              <a:t>Maitriser</a:t>
+            </a:r>
+            <a:r>
+              <a:rPr lang="fr-FR" sz="2000" dirty="0" smtClean="0">
+                <a:latin typeface="Times New Roman"/>
+                <a:cs typeface="Times New Roman"/>
+              </a:rPr>
+              <a:t> </a:t>
+            </a:r>
+            <a:r>
+              <a:rPr lang="fr-FR" sz="2400" dirty="0" smtClean="0">
+                <a:latin typeface="Times New Roman"/>
+                <a:cs typeface="Times New Roman"/>
+              </a:rPr>
+              <a:t>le kit vocal</a:t>
+            </a:r>
+          </a:p>
+          <a:p>
+            <a:pPr marL="0" indent="0">
+              <a:buNone/>
+            </a:pPr>
+            <a:endParaRPr lang="fr-FR" sz="2400" dirty="0" smtClean="0">
+              <a:latin typeface="Times New Roman"/>
+              <a:cs typeface="Times New Roman"/>
+            </a:endParaRPr>
+          </a:p>
+          <a:p>
+            <a:pPr>
+              <a:buFont typeface="Wingdings" charset="2"/>
+              <a:buChar char="q"/>
+            </a:pPr>
+            <a:r>
+              <a:rPr lang="fr-FR" sz="2400" dirty="0" smtClean="0">
+                <a:latin typeface="Times New Roman"/>
+                <a:cs typeface="Times New Roman"/>
+              </a:rPr>
+              <a:t>Reconnaître une note </a:t>
+            </a:r>
+          </a:p>
+          <a:p>
+            <a:pPr marL="0" indent="0">
+              <a:buNone/>
+            </a:pPr>
+            <a:r>
+              <a:rPr lang="fr-FR" sz="2400" dirty="0" smtClean="0">
+                <a:latin typeface="Times New Roman"/>
+                <a:cs typeface="Times New Roman"/>
+              </a:rPr>
+              <a:t> </a:t>
+            </a:r>
+          </a:p>
+          <a:p>
+            <a:pPr marL="0" indent="0">
+              <a:buNone/>
+            </a:pPr>
+            <a:r>
+              <a:rPr lang="fr-FR" sz="2000" dirty="0" smtClean="0">
+                <a:latin typeface="Times New Roman"/>
+                <a:cs typeface="Times New Roman"/>
+              </a:rPr>
+              <a:t>	 </a:t>
+            </a:r>
+            <a:endParaRPr lang="fr-FR" sz="2000" dirty="0">
+              <a:latin typeface="Times New Roman"/>
+              <a:cs typeface="Times New Roman"/>
+            </a:endParaRPr>
+          </a:p>
+        </p:txBody>
+      </p:sp>
+      <p:sp>
+        <p:nvSpPr>
+          <p:cNvPr id="2" name="Titre 1"/>
+          <p:cNvSpPr>
+            <a:spLocks noGrp="1"/>
+          </p:cNvSpPr>
+          <p:nvPr>
+            <p:ph type="title"/>
+          </p:nvPr>
+        </p:nvSpPr>
+        <p:spPr>
+          <a:xfrm>
+            <a:off x="0" y="0"/>
+            <a:ext cx="8229600" cy="876300"/>
+          </a:xfrm>
+        </p:spPr>
+        <p:txBody>
+          <a:bodyPr>
+            <a:normAutofit/>
+          </a:bodyPr>
+          <a:lstStyle/>
+          <a:p>
+            <a:pPr algn="l"/>
+            <a:r>
+              <a:rPr lang="fr-FR" sz="4000" dirty="0" smtClean="0">
+                <a:latin typeface="Times New Roman"/>
+                <a:cs typeface="Times New Roman"/>
+              </a:rPr>
+              <a:t>I. Description des objectifs </a:t>
+            </a:r>
+            <a:endParaRPr lang="fr-FR" sz="4000" dirty="0">
+              <a:latin typeface="Times New Roman"/>
+              <a:cs typeface="Times New Roman"/>
+            </a:endParaRPr>
+          </a:p>
+        </p:txBody>
+      </p:sp>
+    </p:spTree>
+    <p:extLst>
+      <p:ext uri="{BB962C8B-B14F-4D97-AF65-F5344CB8AC3E}">
+        <p14:creationId xmlns:p14="http://schemas.microsoft.com/office/powerpoint/2010/main" val="2492840690"/>
+      </p:ext>
+    </p:extLst>
+  </p:cSld>
+  <p:clrMapOvr>
+    <a:masterClrMapping/>
+  </p:clrMapOvr>
+  <mc:AlternateContent xmlns:mc="http://schemas.openxmlformats.org/markup-compatibility/2006" xmlns:p14="http://schemas.microsoft.com/office/powerpoint/2010/main">
+    <mc:Choice Requires="p14">
+      <p:transition spd="slow" p14:dur="2000"/>
+    </mc:Choice>
+    <mc:Fallback xmlns="">
+      <p:transition xmlns:p14="http://schemas.microsoft.com/office/powerpoint/2010/main" spd="slow"/>
+    </mc:Fallback>
+  </mc:AlternateContent>
+  <p:timing>
+    <p:tnLst>
+      <p:par>
+        <p:cTn xmlns:p14="http://schemas.microsoft.com/office/powerpoint/2010/main" id="1" dur="indefinite" restart="never" nodeType="tmRoot"/>
+      </p:par>
+    </p:tnLst>
+  </p:timing>
+</p:sld>
+</file>
+
+<file path=ppt/slides/slide6.xml><?xml version="1.0" encoding="utf-8"?>
+<p:sld xmlns:a="http://schemas.openxmlformats.org/drawingml/2006/main" xmlns:r="http://schemas.openxmlformats.org/officeDocument/2006/relationships" xmlns:p="http://schemas.openxmlformats.org/presentationml/2006/main">
+  <p:cSld>
+    <p:spTree>
+      <p:nvGrpSpPr>
+        <p:cNvPr id="1" name=""/>
+        <p:cNvGrpSpPr/>
+        <p:nvPr/>
+      </p:nvGrpSpPr>
+      <p:grpSpPr>
+        <a:xfrm>
+          <a:off x="0" y="0"/>
+          <a:ext cx="0" cy="0"/>
+          <a:chOff x="0" y="0"/>
+          <a:chExt cx="0" cy="0"/>
+        </a:xfrm>
+      </p:grpSpPr>
+      <p:sp>
+        <p:nvSpPr>
+          <p:cNvPr id="3" name="Espace réservé du contenu 2"/>
+          <p:cNvSpPr>
+            <a:spLocks noGrp="1"/>
+          </p:cNvSpPr>
+          <p:nvPr>
+            <p:ph idx="1"/>
+          </p:nvPr>
+        </p:nvSpPr>
+        <p:spPr>
+          <a:xfrm>
+            <a:off x="0" y="1136276"/>
+            <a:ext cx="9144000" cy="5721724"/>
+          </a:xfrm>
+        </p:spPr>
+        <p:txBody>
+          <a:bodyPr>
+            <a:normAutofit/>
+          </a:bodyPr>
+          <a:lstStyle/>
+          <a:p>
+            <a:pPr marL="0" indent="0">
+              <a:buNone/>
+            </a:pPr>
+            <a:r>
+              <a:rPr lang="fr-FR" sz="2800" dirty="0" smtClean="0">
+                <a:latin typeface="Times New Roman"/>
+                <a:cs typeface="Times New Roman"/>
+              </a:rPr>
+              <a:t>	Objectifs fixés </a:t>
+            </a:r>
+          </a:p>
+          <a:p>
+            <a:pPr>
+              <a:buFont typeface="Wingdings" charset="2"/>
+              <a:buChar char="q"/>
+            </a:pPr>
+            <a:endParaRPr lang="fr-FR" sz="2800" dirty="0" smtClean="0">
+              <a:latin typeface="Times New Roman"/>
+              <a:cs typeface="Times New Roman"/>
+            </a:endParaRPr>
+          </a:p>
+          <a:p>
+            <a:pPr>
+              <a:buFont typeface="Wingdings" charset="2"/>
+              <a:buChar char="q"/>
+            </a:pPr>
+            <a:r>
+              <a:rPr lang="fr-FR" sz="2400" dirty="0" smtClean="0">
+                <a:latin typeface="Times New Roman"/>
+                <a:cs typeface="Times New Roman"/>
+              </a:rPr>
+              <a:t>Maitriser</a:t>
+            </a:r>
+            <a:r>
+              <a:rPr lang="fr-FR" sz="2000" dirty="0" smtClean="0">
+                <a:latin typeface="Times New Roman"/>
+                <a:cs typeface="Times New Roman"/>
+              </a:rPr>
+              <a:t> </a:t>
+            </a:r>
+            <a:r>
+              <a:rPr lang="fr-FR" sz="2400" dirty="0" smtClean="0">
+                <a:latin typeface="Times New Roman"/>
+                <a:cs typeface="Times New Roman"/>
+              </a:rPr>
+              <a:t>le kit vocal</a:t>
+            </a:r>
+          </a:p>
+          <a:p>
+            <a:pPr marL="0" indent="0">
+              <a:buNone/>
+            </a:pPr>
+            <a:endParaRPr lang="fr-FR" sz="2400" dirty="0" smtClean="0">
+              <a:latin typeface="Times New Roman"/>
+              <a:cs typeface="Times New Roman"/>
+            </a:endParaRPr>
+          </a:p>
+          <a:p>
+            <a:pPr>
+              <a:buFont typeface="Wingdings" charset="2"/>
+              <a:buChar char="q"/>
+            </a:pPr>
+            <a:r>
+              <a:rPr lang="fr-FR" sz="2400" dirty="0" smtClean="0">
+                <a:latin typeface="Times New Roman"/>
+                <a:cs typeface="Times New Roman"/>
+              </a:rPr>
+              <a:t>Reconnaître une note </a:t>
+            </a:r>
+          </a:p>
+          <a:p>
+            <a:pPr marL="0" indent="0">
+              <a:buNone/>
+            </a:pPr>
+            <a:endParaRPr lang="fr-FR" sz="2400" dirty="0" smtClean="0">
+              <a:latin typeface="Times New Roman"/>
+              <a:cs typeface="Times New Roman"/>
+            </a:endParaRPr>
+          </a:p>
+          <a:p>
+            <a:pPr>
+              <a:buFont typeface="Wingdings" charset="2"/>
+              <a:buChar char="q"/>
+            </a:pPr>
+            <a:r>
+              <a:rPr lang="fr-FR" sz="2400" dirty="0" smtClean="0">
+                <a:latin typeface="Times New Roman"/>
+                <a:cs typeface="Times New Roman"/>
+              </a:rPr>
+              <a:t>Accord d’une guitare puis d’un instrument quelconque</a:t>
+            </a:r>
+          </a:p>
+          <a:p>
+            <a:pPr marL="0" indent="0">
+              <a:buNone/>
+            </a:pPr>
+            <a:r>
+              <a:rPr lang="fr-FR" sz="2400" dirty="0" smtClean="0">
+                <a:latin typeface="Times New Roman"/>
+                <a:cs typeface="Times New Roman"/>
+              </a:rPr>
+              <a:t> </a:t>
+            </a:r>
+          </a:p>
+          <a:p>
+            <a:pPr marL="0" indent="0">
+              <a:buNone/>
+            </a:pPr>
+            <a:r>
+              <a:rPr lang="fr-FR" sz="2000" dirty="0" smtClean="0">
+                <a:latin typeface="Times New Roman"/>
+                <a:cs typeface="Times New Roman"/>
+              </a:rPr>
+              <a:t>	 </a:t>
+            </a:r>
+            <a:endParaRPr lang="fr-FR" sz="2000" dirty="0">
+              <a:latin typeface="Times New Roman"/>
+              <a:cs typeface="Times New Roman"/>
+            </a:endParaRPr>
+          </a:p>
+        </p:txBody>
+      </p:sp>
+      <p:sp>
+        <p:nvSpPr>
+          <p:cNvPr id="2" name="Titre 1"/>
+          <p:cNvSpPr>
+            <a:spLocks noGrp="1"/>
+          </p:cNvSpPr>
+          <p:nvPr>
+            <p:ph type="title"/>
+          </p:nvPr>
+        </p:nvSpPr>
+        <p:spPr>
+          <a:xfrm>
+            <a:off x="0" y="0"/>
+            <a:ext cx="8229600" cy="876300"/>
+          </a:xfrm>
+        </p:spPr>
+        <p:txBody>
+          <a:bodyPr>
+            <a:normAutofit/>
+          </a:bodyPr>
+          <a:lstStyle/>
+          <a:p>
+            <a:pPr algn="l"/>
+            <a:r>
+              <a:rPr lang="fr-FR" sz="4000" dirty="0" smtClean="0">
+                <a:latin typeface="Times New Roman"/>
+                <a:cs typeface="Times New Roman"/>
+              </a:rPr>
+              <a:t>I. Description des objectifs </a:t>
+            </a:r>
+            <a:endParaRPr lang="fr-FR" sz="4000" dirty="0">
+              <a:latin typeface="Times New Roman"/>
+              <a:cs typeface="Times New Roman"/>
+            </a:endParaRPr>
+          </a:p>
+        </p:txBody>
+      </p:sp>
+    </p:spTree>
+    <p:extLst>
+      <p:ext uri="{BB962C8B-B14F-4D97-AF65-F5344CB8AC3E}">
+        <p14:creationId xmlns:p14="http://schemas.microsoft.com/office/powerpoint/2010/main" val="1703263878"/>
+      </p:ext>
+    </p:extLst>
+  </p:cSld>
+  <p:clrMapOvr>
+    <a:masterClrMapping/>
+  </p:clrMapOvr>
+  <mc:AlternateContent xmlns:mc="http://schemas.openxmlformats.org/markup-compatibility/2006" xmlns:p14="http://schemas.microsoft.com/office/powerpoint/2010/main">
+    <mc:Choice Requires="p14">
+      <p:transition spd="slow" p14:dur="2000"/>
+    </mc:Choice>
+    <mc:Fallback xmlns="">
+      <p:transition xmlns:p14="http://schemas.microsoft.com/office/powerpoint/2010/main" spd="slow"/>
+    </mc:Fallback>
+  </mc:AlternateContent>
+  <p:timing>
+    <p:tnLst>
+      <p:par>
+        <p:cTn xmlns:p14="http://schemas.microsoft.com/office/powerpoint/2010/main" id="1" dur="indefinite" restart="never" nodeType="tmRoot"/>
+      </p:par>
+    </p:tnLst>
+  </p:timing>
+</p:sld>
+</file>
+
+<file path=ppt/slides/slide7.xml><?xml version="1.0" encoding="utf-8"?>
+<p:sld xmlns:a="http://schemas.openxmlformats.org/drawingml/2006/main" xmlns:r="http://schemas.openxmlformats.org/officeDocument/2006/relationships" xmlns:p="http://schemas.openxmlformats.org/presentationml/2006/main">
+  <p:cSld>
+    <p:spTree>
+      <p:nvGrpSpPr>
+        <p:cNvPr id="1" name=""/>
+        <p:cNvGrpSpPr/>
+        <p:nvPr/>
+      </p:nvGrpSpPr>
+      <p:grpSpPr>
+        <a:xfrm>
+          <a:off x="0" y="0"/>
+          <a:ext cx="0" cy="0"/>
+          <a:chOff x="0" y="0"/>
+          <a:chExt cx="0" cy="0"/>
+        </a:xfrm>
+      </p:grpSpPr>
+      <p:sp>
+        <p:nvSpPr>
+          <p:cNvPr id="3" name="Espace réservé du contenu 2"/>
+          <p:cNvSpPr>
+            <a:spLocks noGrp="1"/>
+          </p:cNvSpPr>
+          <p:nvPr>
+            <p:ph idx="1"/>
+          </p:nvPr>
+        </p:nvSpPr>
+        <p:spPr>
+          <a:xfrm>
+            <a:off x="0" y="1136276"/>
+            <a:ext cx="9144000" cy="5721724"/>
+          </a:xfrm>
+        </p:spPr>
+        <p:txBody>
+          <a:bodyPr>
+            <a:normAutofit/>
+          </a:bodyPr>
+          <a:lstStyle/>
+          <a:p>
+            <a:pPr marL="0" indent="0">
+              <a:buNone/>
+            </a:pPr>
+            <a:r>
+              <a:rPr lang="fr-FR" sz="2800" dirty="0" smtClean="0">
+                <a:latin typeface="Times New Roman"/>
+                <a:cs typeface="Times New Roman"/>
+              </a:rPr>
+              <a:t>	Objectifs fixés </a:t>
+            </a:r>
+          </a:p>
+          <a:p>
+            <a:pPr>
+              <a:buFont typeface="Wingdings" charset="2"/>
+              <a:buChar char="q"/>
+            </a:pPr>
+            <a:endParaRPr lang="fr-FR" sz="2800" dirty="0" smtClean="0">
+              <a:latin typeface="Times New Roman"/>
+              <a:cs typeface="Times New Roman"/>
+            </a:endParaRPr>
+          </a:p>
+          <a:p>
+            <a:pPr>
+              <a:buFont typeface="Wingdings" charset="2"/>
+              <a:buChar char="q"/>
+            </a:pPr>
+            <a:r>
+              <a:rPr lang="fr-FR" sz="2400" dirty="0" smtClean="0">
+                <a:latin typeface="Times New Roman"/>
+                <a:cs typeface="Times New Roman"/>
+              </a:rPr>
+              <a:t>Maitriser</a:t>
+            </a:r>
+            <a:r>
+              <a:rPr lang="fr-FR" sz="2000" dirty="0" smtClean="0">
+                <a:latin typeface="Times New Roman"/>
+                <a:cs typeface="Times New Roman"/>
+              </a:rPr>
+              <a:t> </a:t>
+            </a:r>
+            <a:r>
+              <a:rPr lang="fr-FR" sz="2400" dirty="0" smtClean="0">
+                <a:latin typeface="Times New Roman"/>
+                <a:cs typeface="Times New Roman"/>
+              </a:rPr>
+              <a:t>le kit vocal</a:t>
+            </a:r>
+          </a:p>
+          <a:p>
+            <a:pPr marL="0" indent="0">
+              <a:buNone/>
+            </a:pPr>
+            <a:endParaRPr lang="fr-FR" sz="2400" dirty="0" smtClean="0">
+              <a:latin typeface="Times New Roman"/>
+              <a:cs typeface="Times New Roman"/>
+            </a:endParaRPr>
+          </a:p>
+          <a:p>
+            <a:pPr>
+              <a:buFont typeface="Wingdings" charset="2"/>
+              <a:buChar char="q"/>
+            </a:pPr>
+            <a:r>
+              <a:rPr lang="fr-FR" sz="2400" dirty="0" smtClean="0">
+                <a:latin typeface="Times New Roman"/>
+                <a:cs typeface="Times New Roman"/>
+              </a:rPr>
+              <a:t>Reconnaître une note </a:t>
+            </a:r>
+          </a:p>
+          <a:p>
+            <a:pPr marL="0" indent="0">
+              <a:buNone/>
+            </a:pPr>
+            <a:endParaRPr lang="fr-FR" sz="2400" dirty="0" smtClean="0">
+              <a:latin typeface="Times New Roman"/>
+              <a:cs typeface="Times New Roman"/>
+            </a:endParaRPr>
+          </a:p>
+          <a:p>
+            <a:pPr>
+              <a:buFont typeface="Wingdings" charset="2"/>
+              <a:buChar char="q"/>
+            </a:pPr>
+            <a:r>
+              <a:rPr lang="fr-FR" sz="2400" dirty="0" smtClean="0">
+                <a:latin typeface="Times New Roman"/>
+                <a:cs typeface="Times New Roman"/>
+              </a:rPr>
+              <a:t>Accord d’une guitare puis d’un instrument quelconque</a:t>
+            </a:r>
+          </a:p>
+          <a:p>
+            <a:pPr marL="0" indent="0">
+              <a:buNone/>
+            </a:pPr>
+            <a:endParaRPr lang="fr-FR" sz="2400" dirty="0" smtClean="0">
+              <a:latin typeface="Times New Roman"/>
+              <a:cs typeface="Times New Roman"/>
+            </a:endParaRPr>
+          </a:p>
+          <a:p>
+            <a:pPr>
+              <a:buFont typeface="Wingdings" charset="2"/>
+              <a:buChar char="q"/>
+            </a:pPr>
+            <a:r>
+              <a:rPr lang="fr-FR" sz="2400" dirty="0" smtClean="0">
+                <a:latin typeface="Times New Roman"/>
+                <a:cs typeface="Times New Roman"/>
+              </a:rPr>
+              <a:t>Retranscrire une partition à l’aide d’un enregistrement </a:t>
+            </a:r>
+          </a:p>
+          <a:p>
+            <a:pPr marL="0" indent="0">
+              <a:buNone/>
+            </a:pPr>
+            <a:r>
+              <a:rPr lang="fr-FR" sz="2000" dirty="0" smtClean="0">
+                <a:latin typeface="Times New Roman"/>
+                <a:cs typeface="Times New Roman"/>
+              </a:rPr>
+              <a:t>	 </a:t>
+            </a:r>
+            <a:endParaRPr lang="fr-FR" sz="2000" dirty="0">
+              <a:latin typeface="Times New Roman"/>
+              <a:cs typeface="Times New Roman"/>
+            </a:endParaRPr>
+          </a:p>
+        </p:txBody>
+      </p:sp>
+      <p:sp>
+        <p:nvSpPr>
+          <p:cNvPr id="2" name="Titre 1"/>
+          <p:cNvSpPr>
+            <a:spLocks noGrp="1"/>
+          </p:cNvSpPr>
+          <p:nvPr>
+            <p:ph type="title"/>
+          </p:nvPr>
+        </p:nvSpPr>
+        <p:spPr>
+          <a:xfrm>
+            <a:off x="0" y="0"/>
+            <a:ext cx="8229600" cy="876300"/>
+          </a:xfrm>
+        </p:spPr>
+        <p:txBody>
+          <a:bodyPr>
+            <a:normAutofit/>
+          </a:bodyPr>
+          <a:lstStyle/>
+          <a:p>
+            <a:pPr algn="l"/>
+            <a:r>
+              <a:rPr lang="fr-FR" sz="4000" dirty="0" smtClean="0">
+                <a:latin typeface="Times New Roman"/>
+                <a:cs typeface="Times New Roman"/>
+              </a:rPr>
+              <a:t>I. Description des objectifs </a:t>
+            </a:r>
+            <a:endParaRPr lang="fr-FR" sz="4000" dirty="0">
+              <a:latin typeface="Times New Roman"/>
+              <a:cs typeface="Times New Roman"/>
+            </a:endParaRPr>
+          </a:p>
+        </p:txBody>
+      </p:sp>
+    </p:spTree>
+    <p:extLst>
+      <p:ext uri="{BB962C8B-B14F-4D97-AF65-F5344CB8AC3E}">
+        <p14:creationId xmlns:p14="http://schemas.microsoft.com/office/powerpoint/2010/main" val="2003172413"/>
+      </p:ext>
+    </p:extLst>
+  </p:cSld>
+  <p:clrMapOvr>
+    <a:masterClrMapping/>
+  </p:clrMapOvr>
+  <mc:AlternateContent xmlns:mc="http://schemas.openxmlformats.org/markup-compatibility/2006" xmlns:p14="http://schemas.microsoft.com/office/powerpoint/2010/main">
+    <mc:Choice Requires="p14">
+      <p:transition spd="slow" p14:dur="2000"/>
+    </mc:Choice>
+    <mc:Fallback xmlns="">
+      <p:transition xmlns:p14="http://schemas.microsoft.com/office/powerpoint/2010/main" spd="slow"/>
+    </mc:Fallback>
+  </mc:AlternateContent>
+  <p:timing>
+    <p:tnLst>
+      <p:par>
+        <p:cTn xmlns:p14="http://schemas.microsoft.com/office/powerpoint/2010/main" id="1" dur="indefinite" restart="never" nodeType="tmRoot"/>
+      </p:par>
+    </p:tnLst>
+  </p:timing>
+</p:sld>
+</file>
+
+<file path=ppt/slides/slide8.xml><?xml version="1.0" encoding="utf-8"?>
+<p:sld xmlns:a="http://schemas.openxmlformats.org/drawingml/2006/main" xmlns:r="http://schemas.openxmlformats.org/officeDocument/2006/relationships" xmlns:p="http://schemas.openxmlformats.org/presentationml/2006/main">
+  <p:cSld>
+    <p:spTree>
+      <p:nvGrpSpPr>
+        <p:cNvPr id="1" name=""/>
+        <p:cNvGrpSpPr/>
+        <p:nvPr/>
+      </p:nvGrpSpPr>
+      <p:grpSpPr>
+        <a:xfrm>
+          <a:off x="0" y="0"/>
+          <a:ext cx="0" cy="0"/>
+          <a:chOff x="0" y="0"/>
+          <a:chExt cx="0" cy="0"/>
+        </a:xfrm>
+      </p:grpSpPr>
+      <p:sp>
+        <p:nvSpPr>
+          <p:cNvPr id="3" name="Espace réservé du contenu 2"/>
+          <p:cNvSpPr>
+            <a:spLocks noGrp="1"/>
+          </p:cNvSpPr>
+          <p:nvPr>
+            <p:ph idx="1"/>
+          </p:nvPr>
+        </p:nvSpPr>
+        <p:spPr>
+          <a:xfrm>
+            <a:off x="0" y="1506826"/>
+            <a:ext cx="4377758" cy="5132427"/>
+          </a:xfrm>
+          <a:noFill/>
+          <a:ln>
+            <a:noFill/>
+          </a:ln>
+        </p:spPr>
+        <p:style>
+          <a:lnRef idx="2">
+            <a:schemeClr val="dk1"/>
+          </a:lnRef>
+          <a:fillRef idx="1">
+            <a:schemeClr val="lt1"/>
+          </a:fillRef>
+          <a:effectRef idx="0">
+            <a:schemeClr val="dk1"/>
+          </a:effectRef>
+          <a:fontRef idx="minor">
+            <a:schemeClr val="dk1"/>
+          </a:fontRef>
+        </p:style>
+        <p:txBody>
+          <a:bodyPr>
+            <a:normAutofit/>
+          </a:bodyPr>
+          <a:lstStyle/>
+          <a:p>
+            <a:pPr marL="0" indent="0" algn="ctr">
+              <a:buNone/>
+            </a:pPr>
+            <a:r>
+              <a:rPr lang="fr-FR" sz="2400" dirty="0" smtClean="0">
+                <a:latin typeface="Times New Roman"/>
+                <a:cs typeface="Times New Roman"/>
+              </a:rPr>
+              <a:t>Réalisation de la fonction </a:t>
+            </a:r>
+            <a:r>
+              <a:rPr lang="fr-FR" sz="2400" dirty="0" smtClean="0">
+                <a:latin typeface="Times New Roman"/>
+                <a:cs typeface="Times New Roman"/>
+              </a:rPr>
+              <a:t>FFT puis note fondamentale</a:t>
+            </a:r>
+            <a:endParaRPr lang="fr-FR" sz="2400" dirty="0" smtClean="0">
+              <a:latin typeface="Times New Roman"/>
+              <a:cs typeface="Times New Roman"/>
+            </a:endParaRPr>
+          </a:p>
+          <a:p>
+            <a:pPr marL="0" indent="0">
+              <a:buNone/>
+            </a:pPr>
+            <a:endParaRPr lang="fr-FR" dirty="0" smtClean="0">
+              <a:latin typeface="Times New Roman"/>
+              <a:cs typeface="Times New Roman"/>
+            </a:endParaRPr>
+          </a:p>
+          <a:p>
+            <a:r>
+              <a:rPr lang="fr-FR" dirty="0" smtClean="0">
+                <a:latin typeface="Times New Roman"/>
+                <a:cs typeface="Times New Roman"/>
+              </a:rPr>
+              <a:t>Découverte </a:t>
+            </a:r>
+            <a:r>
+              <a:rPr lang="fr-FR" sz="2400" dirty="0" smtClean="0">
+                <a:latin typeface="Times New Roman"/>
+                <a:cs typeface="Times New Roman"/>
+              </a:rPr>
+              <a:t>des bibliothèques </a:t>
+            </a:r>
+            <a:r>
+              <a:rPr lang="fr-FR" sz="2400" dirty="0" err="1" smtClean="0">
+                <a:latin typeface="Times New Roman"/>
+                <a:cs typeface="Times New Roman"/>
+              </a:rPr>
+              <a:t>scip</a:t>
+            </a:r>
+            <a:r>
+              <a:rPr lang="fr-FR" dirty="0" err="1" smtClean="0">
+                <a:latin typeface="Times New Roman"/>
+                <a:cs typeface="Times New Roman"/>
+              </a:rPr>
+              <a:t>y.io.wave</a:t>
+            </a:r>
+            <a:r>
+              <a:rPr lang="fr-FR" dirty="0" smtClean="0">
+                <a:latin typeface="Times New Roman"/>
+                <a:cs typeface="Times New Roman"/>
+              </a:rPr>
+              <a:t>, </a:t>
+            </a:r>
+            <a:r>
+              <a:rPr lang="fr-FR" dirty="0" err="1" smtClean="0">
+                <a:latin typeface="Times New Roman"/>
+                <a:cs typeface="Times New Roman"/>
+              </a:rPr>
+              <a:t>numpy</a:t>
+            </a:r>
+            <a:r>
+              <a:rPr lang="fr-FR" dirty="0" smtClean="0">
+                <a:latin typeface="Times New Roman"/>
+                <a:cs typeface="Times New Roman"/>
+              </a:rPr>
+              <a:t>, </a:t>
+            </a:r>
+            <a:r>
+              <a:rPr lang="fr-FR" dirty="0" err="1" smtClean="0">
+                <a:latin typeface="Times New Roman"/>
+                <a:cs typeface="Times New Roman"/>
+              </a:rPr>
+              <a:t>argparse</a:t>
+            </a:r>
+            <a:endParaRPr lang="fr-FR" dirty="0" smtClean="0">
+              <a:latin typeface="Times New Roman"/>
+              <a:cs typeface="Times New Roman"/>
+            </a:endParaRPr>
+          </a:p>
+          <a:p>
+            <a:endParaRPr lang="fr-FR" sz="2400" dirty="0">
+              <a:latin typeface="Times New Roman"/>
+              <a:cs typeface="Times New Roman"/>
+            </a:endParaRPr>
+          </a:p>
+          <a:p>
+            <a:endParaRPr lang="fr-FR" dirty="0" smtClean="0">
+              <a:latin typeface="Times New Roman"/>
+              <a:cs typeface="Times New Roman"/>
+            </a:endParaRPr>
+          </a:p>
+          <a:p>
+            <a:r>
+              <a:rPr lang="fr-FR" sz="2400" dirty="0" smtClean="0">
+                <a:latin typeface="Times New Roman"/>
+                <a:cs typeface="Times New Roman"/>
+              </a:rPr>
+              <a:t>De nombreux tests</a:t>
+            </a:r>
+          </a:p>
+          <a:p>
+            <a:pPr marL="0" indent="0" algn="ctr">
+              <a:buNone/>
+            </a:pPr>
+            <a:endParaRPr lang="fr-FR" sz="2400" dirty="0">
+              <a:latin typeface="Times New Roman"/>
+              <a:cs typeface="Times New Roman"/>
+            </a:endParaRPr>
+          </a:p>
+          <a:p>
+            <a:pPr marL="0" indent="0" algn="ctr">
+              <a:buNone/>
+            </a:pPr>
+            <a:endParaRPr lang="fr-FR" sz="2400" dirty="0" smtClean="0">
+              <a:latin typeface="Times New Roman"/>
+              <a:cs typeface="Times New Roman"/>
+            </a:endParaRPr>
+          </a:p>
+          <a:p>
+            <a:pPr marL="0" indent="0" algn="ctr">
+              <a:buNone/>
+            </a:pPr>
+            <a:endParaRPr lang="fr-FR" sz="2400" dirty="0">
+              <a:latin typeface="Times New Roman"/>
+              <a:cs typeface="Times New Roman"/>
+            </a:endParaRPr>
+          </a:p>
+        </p:txBody>
+      </p:sp>
+      <p:sp>
+        <p:nvSpPr>
+          <p:cNvPr id="2" name="Titre 1"/>
+          <p:cNvSpPr>
+            <a:spLocks noGrp="1"/>
+          </p:cNvSpPr>
+          <p:nvPr>
+            <p:ph type="title"/>
+          </p:nvPr>
+        </p:nvSpPr>
+        <p:spPr>
+          <a:xfrm>
+            <a:off x="0" y="0"/>
+            <a:ext cx="8229600" cy="876300"/>
+          </a:xfrm>
+        </p:spPr>
+        <p:txBody>
+          <a:bodyPr>
+            <a:normAutofit/>
+          </a:bodyPr>
+          <a:lstStyle/>
+          <a:p>
+            <a:pPr algn="l"/>
+            <a:r>
+              <a:rPr lang="fr-FR" sz="4000" dirty="0" smtClean="0">
+                <a:latin typeface="Times New Roman"/>
+                <a:cs typeface="Times New Roman"/>
+              </a:rPr>
+              <a:t>II. Réalisation des </a:t>
+            </a:r>
+            <a:r>
+              <a:rPr lang="fr-FR" sz="4000" dirty="0" err="1" smtClean="0">
+                <a:latin typeface="Times New Roman"/>
+                <a:cs typeface="Times New Roman"/>
+              </a:rPr>
+              <a:t>MVP’s</a:t>
+            </a:r>
+            <a:endParaRPr lang="fr-FR" sz="4000" dirty="0">
+              <a:latin typeface="Times New Roman"/>
+              <a:cs typeface="Times New Roman"/>
+            </a:endParaRPr>
+          </a:p>
+        </p:txBody>
+      </p:sp>
+      <p:cxnSp>
+        <p:nvCxnSpPr>
+          <p:cNvPr id="7" name="Connecteur droit 6"/>
+          <p:cNvCxnSpPr/>
+          <p:nvPr/>
+        </p:nvCxnSpPr>
+        <p:spPr>
+          <a:xfrm flipV="1">
+            <a:off x="4609352" y="2243098"/>
+            <a:ext cx="0" cy="4076700"/>
+          </a:xfrm>
+          <a:prstGeom prst="line">
+            <a:avLst/>
+          </a:prstGeom>
+          <a:ln w="19050" cmpd="sng">
+            <a:solidFill>
+              <a:schemeClr val="tx1"/>
+            </a:solidFill>
+          </a:ln>
+        </p:spPr>
+        <p:style>
+          <a:lnRef idx="2">
+            <a:schemeClr val="dk1"/>
+          </a:lnRef>
+          <a:fillRef idx="0">
+            <a:schemeClr val="dk1"/>
+          </a:fillRef>
+          <a:effectRef idx="1">
+            <a:schemeClr val="dk1"/>
+          </a:effectRef>
+          <a:fontRef idx="minor">
+            <a:schemeClr val="tx1"/>
+          </a:fontRef>
+        </p:style>
+      </p:cxnSp>
+      <p:sp>
+        <p:nvSpPr>
+          <p:cNvPr id="11" name="ZoneTexte 10"/>
+          <p:cNvSpPr txBox="1"/>
+          <p:nvPr/>
+        </p:nvSpPr>
+        <p:spPr>
+          <a:xfrm>
+            <a:off x="4762500" y="1873766"/>
+            <a:ext cx="4381500" cy="369332"/>
+          </a:xfrm>
+          <a:prstGeom prst="rect">
+            <a:avLst/>
+          </a:prstGeom>
+          <a:noFill/>
+        </p:spPr>
+        <p:txBody>
+          <a:bodyPr wrap="square" rtlCol="0">
+            <a:spAutoFit/>
+          </a:bodyPr>
+          <a:lstStyle/>
+          <a:p>
+            <a:r>
+              <a:rPr lang="fr-FR" dirty="0" smtClean="0">
+                <a:latin typeface="Times New Roman"/>
+                <a:cs typeface="Times New Roman"/>
+              </a:rPr>
+              <a:t>  </a:t>
+            </a:r>
+            <a:endParaRPr lang="fr-FR" dirty="0">
+              <a:latin typeface="Times New Roman"/>
+              <a:cs typeface="Times New Roman"/>
+            </a:endParaRPr>
+          </a:p>
+        </p:txBody>
+      </p:sp>
+      <p:sp>
+        <p:nvSpPr>
+          <p:cNvPr id="13" name="ZoneTexte 12"/>
+          <p:cNvSpPr txBox="1"/>
+          <p:nvPr/>
+        </p:nvSpPr>
+        <p:spPr>
+          <a:xfrm>
+            <a:off x="4762500" y="1506827"/>
+            <a:ext cx="4381500" cy="461665"/>
+          </a:xfrm>
+          <a:prstGeom prst="rect">
+            <a:avLst/>
+          </a:prstGeom>
+          <a:noFill/>
+        </p:spPr>
+        <p:txBody>
+          <a:bodyPr wrap="square" rtlCol="0">
+            <a:spAutoFit/>
+          </a:bodyPr>
+          <a:lstStyle/>
+          <a:p>
+            <a:pPr algn="ctr"/>
+            <a:r>
+              <a:rPr lang="fr-FR" sz="2400" dirty="0" smtClean="0">
+                <a:latin typeface="Times New Roman"/>
+                <a:cs typeface="Times New Roman"/>
+              </a:rPr>
+              <a:t>Retranscription effectuée </a:t>
+            </a:r>
+          </a:p>
+        </p:txBody>
+      </p:sp>
+      <p:pic>
+        <p:nvPicPr>
+          <p:cNvPr id="4" name="Image 3" descr="FFT .tiff"/>
+          <p:cNvPicPr>
+            <a:picLocks noChangeAspect="1"/>
+          </p:cNvPicPr>
+          <p:nvPr/>
+        </p:nvPicPr>
+        <p:blipFill>
+          <a:blip r:embed="rId2">
+            <a:extLst>
+              <a:ext uri="{28A0092B-C50C-407E-A947-70E740481C1C}">
+                <a14:useLocalDpi xmlns:a14="http://schemas.microsoft.com/office/drawing/2010/main" val="0"/>
+              </a:ext>
+            </a:extLst>
+          </a:blip>
+          <a:stretch>
+            <a:fillRect/>
+          </a:stretch>
+        </p:blipFill>
+        <p:spPr>
+          <a:xfrm>
+            <a:off x="4896172" y="2024351"/>
+            <a:ext cx="4094564" cy="4614902"/>
+          </a:xfrm>
+          <a:prstGeom prst="rect">
+            <a:avLst/>
+          </a:prstGeom>
+        </p:spPr>
+      </p:pic>
+    </p:spTree>
+    <p:extLst>
+      <p:ext uri="{BB962C8B-B14F-4D97-AF65-F5344CB8AC3E}">
+        <p14:creationId xmlns:p14="http://schemas.microsoft.com/office/powerpoint/2010/main" val="2937938837"/>
+      </p:ext>
+    </p:extLst>
+  </p:cSld>
+  <p:clrMapOvr>
+    <a:masterClrMapping/>
+  </p:clrMapOvr>
+  <mc:AlternateContent xmlns:mc="http://schemas.openxmlformats.org/markup-compatibility/2006" xmlns:p14="http://schemas.microsoft.com/office/powerpoint/2010/main">
+    <mc:Choice Requires="p14">
+      <p:transition spd="slow" p14:dur="2000"/>
+    </mc:Choice>
+    <mc:Fallback xmlns="">
+      <p:transition xmlns:p14="http://schemas.microsoft.com/office/powerpoint/2010/main" spd="slow"/>
+    </mc:Fallback>
+  </mc:AlternateContent>
+  <p:timing>
+    <p:tnLst>
+      <p:par>
+        <p:cTn xmlns:p14="http://schemas.microsoft.com/office/powerpoint/2010/main" id="1" dur="indefinite" restart="never" nodeType="tmRoot"/>
+      </p:par>
+    </p:tnLst>
+  </p:timing>
+</p:sld>
+</file>
+
+<file path=ppt/slides/slide9.xml><?xml version="1.0" encoding="utf-8"?>
+<p:sld xmlns:a="http://schemas.openxmlformats.org/drawingml/2006/main" xmlns:r="http://schemas.openxmlformats.org/officeDocument/2006/relationships" xmlns:p="http://schemas.openxmlformats.org/presentationml/2006/main">
+  <p:cSld>
+    <p:spTree>
+      <p:nvGrpSpPr>
+        <p:cNvPr id="1" name=""/>
+        <p:cNvGrpSpPr/>
+        <p:nvPr/>
+      </p:nvGrpSpPr>
+      <p:grpSpPr>
+        <a:xfrm>
+          <a:off x="0" y="0"/>
+          <a:ext cx="0" cy="0"/>
+          <a:chOff x="0" y="0"/>
+          <a:chExt cx="0" cy="0"/>
+        </a:xfrm>
+      </p:grpSpPr>
+      <p:sp>
+        <p:nvSpPr>
+          <p:cNvPr id="3" name="Espace réservé du contenu 2"/>
+          <p:cNvSpPr>
+            <a:spLocks noGrp="1"/>
+          </p:cNvSpPr>
+          <p:nvPr>
+            <p:ph idx="1"/>
+          </p:nvPr>
+        </p:nvSpPr>
+        <p:spPr>
+          <a:xfrm>
+            <a:off x="0" y="1506827"/>
+            <a:ext cx="4427885" cy="5132426"/>
+          </a:xfrm>
+          <a:noFill/>
+          <a:ln>
+            <a:noFill/>
+          </a:ln>
+        </p:spPr>
+        <p:style>
+          <a:lnRef idx="2">
+            <a:schemeClr val="dk1"/>
+          </a:lnRef>
+          <a:fillRef idx="1">
+            <a:schemeClr val="lt1"/>
+          </a:fillRef>
+          <a:effectRef idx="0">
+            <a:schemeClr val="dk1"/>
+          </a:effectRef>
+          <a:fontRef idx="minor">
+            <a:schemeClr val="dk1"/>
+          </a:fontRef>
+        </p:style>
+        <p:txBody>
+          <a:bodyPr>
+            <a:normAutofit/>
+          </a:bodyPr>
+          <a:lstStyle/>
+          <a:p>
+            <a:pPr marL="0" indent="0" algn="ctr">
+              <a:buNone/>
+            </a:pPr>
+            <a:r>
+              <a:rPr lang="fr-FR" sz="2400" dirty="0" smtClean="0">
+                <a:latin typeface="Times New Roman"/>
+                <a:cs typeface="Times New Roman"/>
+              </a:rPr>
+              <a:t>Problèmes rencontrés</a:t>
+            </a:r>
+            <a:endParaRPr lang="fr-FR" sz="2400" dirty="0" smtClean="0">
+              <a:latin typeface="Times New Roman"/>
+              <a:cs typeface="Times New Roman"/>
+            </a:endParaRPr>
+          </a:p>
+          <a:p>
+            <a:pPr marL="0" indent="0">
+              <a:buNone/>
+            </a:pPr>
+            <a:endParaRPr lang="fr-FR" dirty="0" smtClean="0">
+              <a:latin typeface="Times New Roman"/>
+              <a:cs typeface="Times New Roman"/>
+            </a:endParaRPr>
+          </a:p>
+          <a:p>
+            <a:r>
+              <a:rPr lang="fr-FR" dirty="0" smtClean="0">
+                <a:latin typeface="Times New Roman"/>
+                <a:cs typeface="Times New Roman"/>
+              </a:rPr>
+              <a:t>Importer </a:t>
+            </a:r>
+            <a:r>
+              <a:rPr lang="fr-FR" dirty="0" err="1" smtClean="0">
+                <a:latin typeface="Times New Roman"/>
+                <a:cs typeface="Times New Roman"/>
+              </a:rPr>
+              <a:t>numpy</a:t>
+            </a:r>
+            <a:r>
+              <a:rPr lang="fr-FR" dirty="0" smtClean="0">
+                <a:latin typeface="Times New Roman"/>
+                <a:cs typeface="Times New Roman"/>
+              </a:rPr>
+              <a:t> sur le </a:t>
+            </a:r>
+            <a:r>
+              <a:rPr lang="fr-FR" dirty="0" err="1" smtClean="0">
+                <a:latin typeface="Times New Roman"/>
+                <a:cs typeface="Times New Roman"/>
+              </a:rPr>
+              <a:t>raspberry</a:t>
+            </a:r>
+            <a:endParaRPr lang="fr-FR" dirty="0" smtClean="0">
+              <a:latin typeface="Times New Roman"/>
+              <a:cs typeface="Times New Roman"/>
+            </a:endParaRPr>
+          </a:p>
+          <a:p>
+            <a:endParaRPr lang="fr-FR" dirty="0">
+              <a:latin typeface="Times New Roman"/>
+              <a:cs typeface="Times New Roman"/>
+            </a:endParaRPr>
+          </a:p>
+          <a:p>
+            <a:r>
+              <a:rPr lang="fr-FR" dirty="0" smtClean="0">
+                <a:latin typeface="Times New Roman"/>
+                <a:cs typeface="Times New Roman"/>
+              </a:rPr>
+              <a:t>Les notes graves</a:t>
+            </a:r>
+          </a:p>
+          <a:p>
+            <a:endParaRPr lang="fr-FR" dirty="0">
+              <a:latin typeface="Times New Roman"/>
+              <a:cs typeface="Times New Roman"/>
+            </a:endParaRPr>
+          </a:p>
+          <a:p>
+            <a:r>
+              <a:rPr lang="fr-FR" dirty="0" smtClean="0">
+                <a:latin typeface="Times New Roman"/>
+                <a:cs typeface="Times New Roman"/>
+              </a:rPr>
+              <a:t>Retour de fréquences trop élevées ou incohérentes </a:t>
+            </a:r>
+            <a:endParaRPr lang="fr-FR" dirty="0" smtClean="0">
+              <a:latin typeface="Times New Roman"/>
+              <a:cs typeface="Times New Roman"/>
+            </a:endParaRPr>
+          </a:p>
+          <a:p>
+            <a:pPr marL="0" indent="0">
+              <a:buNone/>
+            </a:pPr>
+            <a:endParaRPr lang="fr-FR" sz="2400" dirty="0" smtClean="0">
+              <a:latin typeface="Times New Roman"/>
+              <a:cs typeface="Times New Roman"/>
+            </a:endParaRPr>
+          </a:p>
+          <a:p>
+            <a:pPr marL="0" indent="0" algn="ctr">
+              <a:buNone/>
+            </a:pPr>
+            <a:endParaRPr lang="fr-FR" sz="2400" dirty="0">
+              <a:latin typeface="Times New Roman"/>
+              <a:cs typeface="Times New Roman"/>
+            </a:endParaRPr>
+          </a:p>
+          <a:p>
+            <a:pPr marL="0" indent="0" algn="ctr">
+              <a:buNone/>
+            </a:pPr>
+            <a:endParaRPr lang="fr-FR" sz="2400" dirty="0" smtClean="0">
+              <a:latin typeface="Times New Roman"/>
+              <a:cs typeface="Times New Roman"/>
+            </a:endParaRPr>
+          </a:p>
+          <a:p>
+            <a:pPr marL="0" indent="0" algn="ctr">
+              <a:buNone/>
+            </a:pPr>
+            <a:endParaRPr lang="fr-FR" sz="2400" dirty="0">
+              <a:latin typeface="Times New Roman"/>
+              <a:cs typeface="Times New Roman"/>
+            </a:endParaRPr>
+          </a:p>
+        </p:txBody>
+      </p:sp>
+      <p:sp>
+        <p:nvSpPr>
+          <p:cNvPr id="2" name="Titre 1"/>
+          <p:cNvSpPr>
+            <a:spLocks noGrp="1"/>
+          </p:cNvSpPr>
+          <p:nvPr>
+            <p:ph type="title"/>
+          </p:nvPr>
+        </p:nvSpPr>
+        <p:spPr>
+          <a:xfrm>
+            <a:off x="0" y="0"/>
+            <a:ext cx="8229600" cy="876300"/>
+          </a:xfrm>
+        </p:spPr>
+        <p:txBody>
+          <a:bodyPr>
+            <a:normAutofit/>
+          </a:bodyPr>
+          <a:lstStyle/>
+          <a:p>
+            <a:pPr algn="l"/>
+            <a:r>
+              <a:rPr lang="fr-FR" sz="4000" dirty="0" smtClean="0">
+                <a:latin typeface="Times New Roman"/>
+                <a:cs typeface="Times New Roman"/>
+              </a:rPr>
+              <a:t>II. Réalisation des </a:t>
+            </a:r>
+            <a:r>
+              <a:rPr lang="fr-FR" sz="4000" dirty="0" err="1" smtClean="0">
+                <a:latin typeface="Times New Roman"/>
+                <a:cs typeface="Times New Roman"/>
+              </a:rPr>
+              <a:t>MVP’s</a:t>
+            </a:r>
+            <a:endParaRPr lang="fr-FR" sz="4000" dirty="0">
+              <a:latin typeface="Times New Roman"/>
+              <a:cs typeface="Times New Roman"/>
+            </a:endParaRPr>
+          </a:p>
+        </p:txBody>
+      </p:sp>
+      <p:cxnSp>
+        <p:nvCxnSpPr>
+          <p:cNvPr id="7" name="Connecteur droit 6"/>
+          <p:cNvCxnSpPr/>
+          <p:nvPr/>
+        </p:nvCxnSpPr>
+        <p:spPr>
+          <a:xfrm flipV="1">
+            <a:off x="4609352" y="2243098"/>
+            <a:ext cx="0" cy="4076700"/>
+          </a:xfrm>
+          <a:prstGeom prst="line">
+            <a:avLst/>
+          </a:prstGeom>
+          <a:ln w="19050" cmpd="sng">
+            <a:solidFill>
+              <a:schemeClr val="tx1"/>
+            </a:solidFill>
+          </a:ln>
+        </p:spPr>
+        <p:style>
+          <a:lnRef idx="2">
+            <a:schemeClr val="dk1"/>
+          </a:lnRef>
+          <a:fillRef idx="0">
+            <a:schemeClr val="dk1"/>
+          </a:fillRef>
+          <a:effectRef idx="1">
+            <a:schemeClr val="dk1"/>
+          </a:effectRef>
+          <a:fontRef idx="minor">
+            <a:schemeClr val="tx1"/>
+          </a:fontRef>
+        </p:style>
+      </p:cxnSp>
+      <p:sp>
+        <p:nvSpPr>
+          <p:cNvPr id="11" name="ZoneTexte 10"/>
+          <p:cNvSpPr txBox="1"/>
+          <p:nvPr/>
+        </p:nvSpPr>
+        <p:spPr>
+          <a:xfrm>
+            <a:off x="4762500" y="1873766"/>
+            <a:ext cx="4381500" cy="369332"/>
+          </a:xfrm>
+          <a:prstGeom prst="rect">
+            <a:avLst/>
+          </a:prstGeom>
+          <a:noFill/>
+        </p:spPr>
+        <p:txBody>
+          <a:bodyPr wrap="square" rtlCol="0">
+            <a:spAutoFit/>
+          </a:bodyPr>
+          <a:lstStyle/>
+          <a:p>
+            <a:r>
+              <a:rPr lang="fr-FR" dirty="0" smtClean="0">
+                <a:latin typeface="Times New Roman"/>
+                <a:cs typeface="Times New Roman"/>
+              </a:rPr>
+              <a:t>  </a:t>
+            </a:r>
+            <a:endParaRPr lang="fr-FR" dirty="0">
+              <a:latin typeface="Times New Roman"/>
+              <a:cs typeface="Times New Roman"/>
+            </a:endParaRPr>
+          </a:p>
+        </p:txBody>
+      </p:sp>
+      <p:sp>
+        <p:nvSpPr>
+          <p:cNvPr id="13" name="ZoneTexte 12"/>
+          <p:cNvSpPr txBox="1"/>
+          <p:nvPr/>
+        </p:nvSpPr>
+        <p:spPr>
+          <a:xfrm>
+            <a:off x="4762500" y="1506827"/>
+            <a:ext cx="4381500" cy="461665"/>
+          </a:xfrm>
+          <a:prstGeom prst="rect">
+            <a:avLst/>
+          </a:prstGeom>
+          <a:noFill/>
+        </p:spPr>
+        <p:txBody>
+          <a:bodyPr wrap="square" rtlCol="0">
+            <a:spAutoFit/>
+          </a:bodyPr>
+          <a:lstStyle/>
+          <a:p>
+            <a:pPr algn="ctr"/>
+            <a:r>
+              <a:rPr lang="fr-FR" sz="2400" dirty="0" smtClean="0">
+                <a:latin typeface="Times New Roman"/>
+                <a:cs typeface="Times New Roman"/>
+              </a:rPr>
+              <a:t>Solutions apportées </a:t>
+            </a:r>
+            <a:endParaRPr lang="fr-FR" sz="2400" dirty="0" smtClean="0">
+              <a:latin typeface="Times New Roman"/>
+              <a:cs typeface="Times New Roman"/>
+            </a:endParaRPr>
+          </a:p>
+        </p:txBody>
+      </p:sp>
+      <p:sp>
+        <p:nvSpPr>
+          <p:cNvPr id="14" name="Espace réservé du contenu 2"/>
+          <p:cNvSpPr txBox="1">
+            <a:spLocks/>
+          </p:cNvSpPr>
+          <p:nvPr/>
+        </p:nvSpPr>
+        <p:spPr>
+          <a:xfrm>
+            <a:off x="4609352" y="1968492"/>
+            <a:ext cx="4581033" cy="4889507"/>
+          </a:xfrm>
+          <a:prstGeom prst="rect">
+            <a:avLst/>
+          </a:prstGeom>
+          <a:noFill/>
+          <a:ln w="19050" cap="flat" cmpd="sng" algn="ctr">
+            <a:noFill/>
+            <a:prstDash val="solid"/>
+          </a:ln>
+        </p:spPr>
+        <p:style>
+          <a:lnRef idx="2">
+            <a:schemeClr val="dk1"/>
+          </a:lnRef>
+          <a:fillRef idx="1">
+            <a:schemeClr val="lt1"/>
+          </a:fillRef>
+          <a:effectRef idx="0">
+            <a:schemeClr val="dk1"/>
+          </a:effectRef>
+          <a:fontRef idx="minor">
+            <a:schemeClr val="dk1"/>
+          </a:fontRef>
+        </p:style>
+        <p:txBody>
+          <a:bodyPr vert="horz" lIns="91440" tIns="45720" rIns="91440" bIns="45720" rtlCol="0">
+            <a:normAutofit/>
+          </a:bodyPr>
+          <a:lstStyle>
+            <a:lvl1pPr marL="365760" indent="-365760" algn="l" defTabSz="914400" rtl="0" eaLnBrk="1" latinLnBrk="0" hangingPunct="1">
+              <a:spcBef>
+                <a:spcPct val="20000"/>
+              </a:spcBef>
+              <a:buClr>
+                <a:schemeClr val="accent1"/>
+              </a:buClr>
+              <a:buFont typeface="Wingdings" pitchFamily="2" charset="2"/>
+              <a:buChar char=""/>
+              <a:defRPr sz="2400" kern="1200">
+                <a:solidFill>
+                  <a:schemeClr val="dk1"/>
+                </a:solidFill>
+                <a:latin typeface="+mn-lt"/>
+                <a:ea typeface="+mn-ea"/>
+                <a:cs typeface="+mn-cs"/>
+              </a:defRPr>
+            </a:lvl1pPr>
+            <a:lvl2pPr marL="777240" indent="-365760" algn="l" defTabSz="914400" rtl="0" eaLnBrk="1" latinLnBrk="0" hangingPunct="1">
+              <a:spcBef>
+                <a:spcPct val="20000"/>
+              </a:spcBef>
+              <a:buClr>
+                <a:schemeClr val="accent1"/>
+              </a:buClr>
+              <a:buFont typeface="Wingdings" pitchFamily="2" charset="2"/>
+              <a:buChar char=""/>
+              <a:defRPr sz="2200" kern="1200">
+                <a:solidFill>
+                  <a:schemeClr val="dk1"/>
+                </a:solidFill>
+                <a:latin typeface="+mn-lt"/>
+                <a:ea typeface="+mn-ea"/>
+                <a:cs typeface="+mn-cs"/>
+              </a:defRPr>
+            </a:lvl2pPr>
+            <a:lvl3pPr marL="1143000" indent="-365760" algn="l" defTabSz="914400" rtl="0" eaLnBrk="1" latinLnBrk="0" hangingPunct="1">
+              <a:spcBef>
+                <a:spcPct val="20000"/>
+              </a:spcBef>
+              <a:buClr>
+                <a:schemeClr val="accent1"/>
+              </a:buClr>
+              <a:buFont typeface="Wingdings" pitchFamily="2" charset="2"/>
+              <a:buChar char=""/>
+              <a:defRPr sz="2000" kern="1200">
+                <a:solidFill>
+                  <a:schemeClr val="dk1"/>
+                </a:solidFill>
+                <a:latin typeface="+mn-lt"/>
+                <a:ea typeface="+mn-ea"/>
+                <a:cs typeface="+mn-cs"/>
+              </a:defRPr>
+            </a:lvl3pPr>
+            <a:lvl4pPr marL="1508760" indent="-320040" algn="l" defTabSz="914400" rtl="0" eaLnBrk="1" latinLnBrk="0" hangingPunct="1">
+              <a:spcBef>
+                <a:spcPct val="20000"/>
+              </a:spcBef>
+              <a:buClr>
+                <a:schemeClr val="accent1"/>
+              </a:buClr>
+              <a:buFont typeface="Wingdings" pitchFamily="2" charset="2"/>
+              <a:buChar char=""/>
+              <a:defRPr sz="1800" kern="1200">
+                <a:solidFill>
+                  <a:schemeClr val="dk1"/>
+                </a:solidFill>
+                <a:latin typeface="+mn-lt"/>
+                <a:ea typeface="+mn-ea"/>
+                <a:cs typeface="+mn-cs"/>
+              </a:defRPr>
+            </a:lvl4pPr>
+            <a:lvl5pPr marL="1828800" indent="-320040" algn="l" defTabSz="914400" rtl="0" eaLnBrk="1" latinLnBrk="0" hangingPunct="1">
+              <a:spcBef>
+                <a:spcPct val="20000"/>
+              </a:spcBef>
+              <a:buClr>
+                <a:schemeClr val="accent1"/>
+              </a:buClr>
+              <a:buFont typeface="Wingdings" pitchFamily="2" charset="2"/>
+              <a:buChar char=""/>
+              <a:defRPr sz="1600" kern="1200">
+                <a:solidFill>
+                  <a:schemeClr val="dk1"/>
+                </a:solidFill>
+                <a:latin typeface="+mn-lt"/>
+                <a:ea typeface="+mn-ea"/>
+                <a:cs typeface="+mn-cs"/>
+              </a:defRPr>
+            </a:lvl5pPr>
+            <a:lvl6pPr marL="2148840" indent="-274320" algn="l" defTabSz="914400" rtl="0" eaLnBrk="1" latinLnBrk="0" hangingPunct="1">
+              <a:spcBef>
+                <a:spcPts val="400"/>
+              </a:spcBef>
+              <a:buClr>
+                <a:schemeClr val="accent1"/>
+              </a:buClr>
+              <a:buFont typeface="Wingdings" pitchFamily="2" charset="2"/>
+              <a:buChar char=""/>
+              <a:defRPr sz="1400" kern="1200">
+                <a:solidFill>
+                  <a:schemeClr val="dk1"/>
+                </a:solidFill>
+                <a:latin typeface="+mn-lt"/>
+                <a:ea typeface="+mn-ea"/>
+                <a:cs typeface="+mn-cs"/>
+              </a:defRPr>
+            </a:lvl6pPr>
+            <a:lvl7pPr marL="2468880" indent="-274320" algn="l" defTabSz="914400" rtl="0" eaLnBrk="1" latinLnBrk="0" hangingPunct="1">
+              <a:spcBef>
+                <a:spcPts val="400"/>
+              </a:spcBef>
+              <a:buClr>
+                <a:schemeClr val="accent1"/>
+              </a:buClr>
+              <a:buFont typeface="Wingdings" pitchFamily="2" charset="2"/>
+              <a:buChar char=""/>
+              <a:defRPr sz="1400" kern="1200">
+                <a:solidFill>
+                  <a:schemeClr val="dk1"/>
+                </a:solidFill>
+                <a:latin typeface="+mn-lt"/>
+                <a:ea typeface="+mn-ea"/>
+                <a:cs typeface="+mn-cs"/>
+              </a:defRPr>
+            </a:lvl7pPr>
+            <a:lvl8pPr marL="2788920" indent="-274320" algn="l" defTabSz="914400" rtl="0" eaLnBrk="1" latinLnBrk="0" hangingPunct="1">
+              <a:spcBef>
+                <a:spcPts val="400"/>
+              </a:spcBef>
+              <a:buClr>
+                <a:schemeClr val="accent1"/>
+              </a:buClr>
+              <a:buFont typeface="Wingdings" pitchFamily="2" charset="2"/>
+              <a:buChar char=""/>
+              <a:defRPr sz="1400" kern="1200">
+                <a:solidFill>
+                  <a:schemeClr val="dk1"/>
+                </a:solidFill>
+                <a:latin typeface="+mn-lt"/>
+                <a:ea typeface="+mn-ea"/>
+                <a:cs typeface="+mn-cs"/>
+              </a:defRPr>
+            </a:lvl8pPr>
+            <a:lvl9pPr marL="3108960" indent="-274320" algn="l" defTabSz="914400" rtl="0" eaLnBrk="1" latinLnBrk="0" hangingPunct="1">
+              <a:spcBef>
+                <a:spcPts val="400"/>
+              </a:spcBef>
+              <a:buClr>
+                <a:schemeClr val="accent1"/>
+              </a:buClr>
+              <a:buFont typeface="Wingdings" pitchFamily="2" charset="2"/>
+              <a:buChar char=""/>
+              <a:defRPr sz="1400" kern="1200">
+                <a:solidFill>
+                  <a:schemeClr val="dk1"/>
+                </a:solidFill>
+                <a:latin typeface="+mn-lt"/>
+                <a:ea typeface="+mn-ea"/>
+                <a:cs typeface="+mn-cs"/>
+              </a:defRPr>
+            </a:lvl9pPr>
+          </a:lstStyle>
+          <a:p>
+            <a:pPr marL="0" indent="0">
+              <a:buFont typeface="Wingdings" pitchFamily="2" charset="2"/>
+              <a:buNone/>
+            </a:pPr>
+            <a:endParaRPr lang="fr-FR" dirty="0" smtClean="0">
+              <a:latin typeface="Times New Roman"/>
+              <a:cs typeface="Times New Roman"/>
+            </a:endParaRPr>
+          </a:p>
+          <a:p>
+            <a:r>
+              <a:rPr lang="fr-FR" dirty="0" smtClean="0">
+                <a:latin typeface="Times New Roman"/>
+                <a:cs typeface="Times New Roman"/>
+              </a:rPr>
+              <a:t>Rétrograder </a:t>
+            </a:r>
+            <a:r>
+              <a:rPr lang="fr-FR" dirty="0" err="1" smtClean="0">
+                <a:latin typeface="Times New Roman"/>
+                <a:cs typeface="Times New Roman"/>
+              </a:rPr>
+              <a:t>numpy</a:t>
+            </a:r>
+            <a:endParaRPr lang="fr-FR" dirty="0" smtClean="0">
+              <a:latin typeface="Times New Roman"/>
+              <a:cs typeface="Times New Roman"/>
+            </a:endParaRPr>
+          </a:p>
+          <a:p>
+            <a:endParaRPr lang="fr-FR" dirty="0" smtClean="0">
+              <a:latin typeface="Times New Roman"/>
+              <a:cs typeface="Times New Roman"/>
+            </a:endParaRPr>
+          </a:p>
+          <a:p>
+            <a:endParaRPr lang="fr-FR" dirty="0" smtClean="0">
+              <a:latin typeface="Times New Roman"/>
+              <a:cs typeface="Times New Roman"/>
+            </a:endParaRPr>
+          </a:p>
+          <a:p>
+            <a:r>
+              <a:rPr lang="fr-FR" dirty="0">
+                <a:latin typeface="Times New Roman"/>
+                <a:cs typeface="Times New Roman"/>
+              </a:rPr>
+              <a:t> </a:t>
+            </a:r>
+            <a:r>
+              <a:rPr lang="fr-FR" dirty="0" smtClean="0">
+                <a:latin typeface="Times New Roman"/>
+                <a:cs typeface="Times New Roman"/>
+              </a:rPr>
+              <a:t>/ </a:t>
+            </a:r>
+          </a:p>
+          <a:p>
+            <a:endParaRPr lang="fr-FR" dirty="0" smtClean="0">
+              <a:latin typeface="Times New Roman"/>
+              <a:cs typeface="Times New Roman"/>
+            </a:endParaRPr>
+          </a:p>
+          <a:p>
+            <a:r>
+              <a:rPr lang="fr-FR" dirty="0" smtClean="0">
+                <a:latin typeface="Times New Roman"/>
+                <a:cs typeface="Times New Roman"/>
+              </a:rPr>
+              <a:t> 2 </a:t>
+            </a:r>
+            <a:r>
+              <a:rPr lang="fr-FR" u="sng" dirty="0" smtClean="0">
+                <a:latin typeface="Times New Roman"/>
+                <a:cs typeface="Times New Roman"/>
+              </a:rPr>
+              <a:t>cas</a:t>
+            </a:r>
+            <a:r>
+              <a:rPr lang="fr-FR" dirty="0" smtClean="0">
+                <a:latin typeface="Times New Roman"/>
+                <a:cs typeface="Times New Roman"/>
+              </a:rPr>
+              <a:t> : les notes graves </a:t>
+            </a:r>
+          </a:p>
+          <a:p>
+            <a:pPr marL="0" indent="0">
+              <a:buNone/>
+            </a:pPr>
+            <a:r>
+              <a:rPr lang="fr-FR" dirty="0">
+                <a:latin typeface="Times New Roman"/>
+                <a:cs typeface="Times New Roman"/>
+              </a:rPr>
+              <a:t>	</a:t>
+            </a:r>
+            <a:r>
+              <a:rPr lang="fr-FR" dirty="0" smtClean="0">
+                <a:latin typeface="Times New Roman"/>
+                <a:cs typeface="Times New Roman"/>
+              </a:rPr>
+              <a:t>     les notes </a:t>
+            </a:r>
+            <a:r>
+              <a:rPr lang="fr-FR" dirty="0" err="1" smtClean="0">
+                <a:latin typeface="Times New Roman"/>
+                <a:cs typeface="Times New Roman"/>
+              </a:rPr>
+              <a:t>a</a:t>
+            </a:r>
+            <a:r>
+              <a:rPr lang="fr-FR" dirty="0" err="1" smtClean="0">
+                <a:latin typeface="Times New Roman"/>
+                <a:cs typeface="Times New Roman"/>
+              </a:rPr>
+              <a:t>ïgues</a:t>
+            </a:r>
+            <a:r>
+              <a:rPr lang="fr-FR" dirty="0" smtClean="0">
+                <a:latin typeface="Times New Roman"/>
+                <a:cs typeface="Times New Roman"/>
+              </a:rPr>
+              <a:t> </a:t>
+            </a:r>
+            <a:endParaRPr lang="fr-FR" dirty="0" smtClean="0">
+              <a:latin typeface="Times New Roman"/>
+              <a:cs typeface="Times New Roman"/>
+            </a:endParaRPr>
+          </a:p>
+          <a:p>
+            <a:pPr marL="0" indent="0">
+              <a:buFont typeface="Wingdings" pitchFamily="2" charset="2"/>
+              <a:buNone/>
+            </a:pPr>
+            <a:endParaRPr lang="fr-FR" dirty="0" smtClean="0">
+              <a:latin typeface="Times New Roman"/>
+              <a:cs typeface="Times New Roman"/>
+            </a:endParaRPr>
+          </a:p>
+          <a:p>
+            <a:pPr marL="0" indent="0" algn="ctr">
+              <a:buFont typeface="Wingdings" pitchFamily="2" charset="2"/>
+              <a:buNone/>
+            </a:pPr>
+            <a:endParaRPr lang="fr-FR" dirty="0" smtClean="0">
+              <a:latin typeface="Times New Roman"/>
+              <a:cs typeface="Times New Roman"/>
+            </a:endParaRPr>
+          </a:p>
+          <a:p>
+            <a:pPr marL="0" indent="0" algn="ctr">
+              <a:buFont typeface="Wingdings" pitchFamily="2" charset="2"/>
+              <a:buNone/>
+            </a:pPr>
+            <a:endParaRPr lang="fr-FR" dirty="0" smtClean="0">
+              <a:latin typeface="Times New Roman"/>
+              <a:cs typeface="Times New Roman"/>
+            </a:endParaRPr>
+          </a:p>
+          <a:p>
+            <a:pPr marL="0" indent="0" algn="ctr">
+              <a:buFont typeface="Wingdings" pitchFamily="2" charset="2"/>
+              <a:buNone/>
+            </a:pPr>
+            <a:endParaRPr lang="fr-FR" dirty="0">
+              <a:latin typeface="Times New Roman"/>
+              <a:cs typeface="Times New Roman"/>
+            </a:endParaRPr>
+          </a:p>
+        </p:txBody>
+      </p:sp>
+    </p:spTree>
+    <p:extLst>
+      <p:ext uri="{BB962C8B-B14F-4D97-AF65-F5344CB8AC3E}">
+        <p14:creationId xmlns:p14="http://schemas.microsoft.com/office/powerpoint/2010/main" val="213933663"/>
+      </p:ext>
+    </p:extLst>
+  </p:cSld>
+  <p:clrMapOvr>
+    <a:masterClrMapping/>
+  </p:clrMapOvr>
+  <mc:AlternateContent xmlns:mc="http://schemas.openxmlformats.org/markup-compatibility/2006" xmlns:p14="http://schemas.microsoft.com/office/powerpoint/2010/main">
+    <mc:Choice Requires="p14">
+      <p:transition spd="slow" p14:dur="2000"/>
+    </mc:Choice>
+    <mc:Fallback xmlns="">
       <p:transition xmlns:p14="http://schemas.microsoft.com/office/powerpoint/2010/main" spd="slow"/>
     </mc:Fallback>
   </mc:AlternateContent>
